--- a/Group_7_Presentation.pptx
+++ b/Group_7_Presentation.pptx
@@ -6,6 +6,24 @@
   </p:sldMasterIdLst>
   <p:sldIdLst>
     <p:sldId id="256" r:id="rId2"/>
+    <p:sldId id="257" r:id="rId3"/>
+    <p:sldId id="258" r:id="rId4"/>
+    <p:sldId id="263" r:id="rId5"/>
+    <p:sldId id="264" r:id="rId6"/>
+    <p:sldId id="265" r:id="rId7"/>
+    <p:sldId id="266" r:id="rId8"/>
+    <p:sldId id="269" r:id="rId9"/>
+    <p:sldId id="270" r:id="rId10"/>
+    <p:sldId id="271" r:id="rId11"/>
+    <p:sldId id="272" r:id="rId12"/>
+    <p:sldId id="260" r:id="rId13"/>
+    <p:sldId id="267" r:id="rId14"/>
+    <p:sldId id="268" r:id="rId15"/>
+    <p:sldId id="261" r:id="rId16"/>
+    <p:sldId id="262" r:id="rId17"/>
+    <p:sldId id="259" r:id="rId18"/>
+    <p:sldId id="273" r:id="rId19"/>
+    <p:sldId id="274" r:id="rId20"/>
   </p:sldIdLst>
   <p:sldSz cx="12192000" cy="6858000"/>
   <p:notesSz cx="6858000" cy="9144000"/>
@@ -104,6 +122,11 @@
       </a:defRPr>
     </a:lvl9pPr>
   </p:defaultTextStyle>
+  <p:extLst>
+    <p:ext uri="{EFAFB233-063F-42B5-8137-9DF3F51BA10A}">
+      <p15:sldGuideLst xmlns:p15="http://schemas.microsoft.com/office/powerpoint/2012/main"/>
+    </p:ext>
+  </p:extLst>
 </p:presentation>
 </file>
 
@@ -149,10 +172,9 @@
           </a:lstStyle>
           <a:p>
             <a:r>
-              <a:rPr lang="en-US" smtClean="0"/>
+              <a:rPr lang="en-US"/>
               <a:t>Click to edit Master title style</a:t>
             </a:r>
-            <a:endParaRPr lang="en-US"/>
           </a:p>
         </p:txBody>
       </p:sp>
@@ -214,10 +236,9 @@
           </a:lstStyle>
           <a:p>
             <a:r>
-              <a:rPr lang="en-US" smtClean="0"/>
+              <a:rPr lang="en-US"/>
               <a:t>Click to edit Master subtitle style</a:t>
             </a:r>
-            <a:endParaRPr lang="en-US"/>
           </a:p>
         </p:txBody>
       </p:sp>
@@ -332,10 +353,9 @@
           <a:lstStyle/>
           <a:p>
             <a:r>
-              <a:rPr lang="en-US" smtClean="0"/>
+              <a:rPr lang="en-US"/>
               <a:t>Click to edit Master title style</a:t>
             </a:r>
-            <a:endParaRPr lang="en-US"/>
           </a:p>
         </p:txBody>
       </p:sp>
@@ -356,38 +376,37 @@
           <a:p>
             <a:pPr lvl="0"/>
             <a:r>
-              <a:rPr lang="en-US" smtClean="0"/>
+              <a:rPr lang="en-US"/>
               <a:t>Click to edit Master text styles</a:t>
             </a:r>
           </a:p>
           <a:p>
             <a:pPr lvl="1"/>
             <a:r>
-              <a:rPr lang="en-US" smtClean="0"/>
+              <a:rPr lang="en-US"/>
               <a:t>Second level</a:t>
             </a:r>
           </a:p>
           <a:p>
             <a:pPr lvl="2"/>
             <a:r>
-              <a:rPr lang="en-US" smtClean="0"/>
+              <a:rPr lang="en-US"/>
               <a:t>Third level</a:t>
             </a:r>
           </a:p>
           <a:p>
             <a:pPr lvl="3"/>
             <a:r>
-              <a:rPr lang="en-US" smtClean="0"/>
+              <a:rPr lang="en-US"/>
               <a:t>Fourth level</a:t>
             </a:r>
           </a:p>
           <a:p>
             <a:pPr lvl="4"/>
             <a:r>
-              <a:rPr lang="en-US" smtClean="0"/>
+              <a:rPr lang="en-US"/>
               <a:t>Fifth level</a:t>
             </a:r>
-            <a:endParaRPr lang="en-US"/>
           </a:p>
         </p:txBody>
       </p:sp>
@@ -507,10 +526,9 @@
           <a:lstStyle/>
           <a:p>
             <a:r>
-              <a:rPr lang="en-US" smtClean="0"/>
+              <a:rPr lang="en-US"/>
               <a:t>Click to edit Master title style</a:t>
             </a:r>
-            <a:endParaRPr lang="en-US"/>
           </a:p>
         </p:txBody>
       </p:sp>
@@ -536,38 +554,37 @@
           <a:p>
             <a:pPr lvl="0"/>
             <a:r>
-              <a:rPr lang="en-US" smtClean="0"/>
+              <a:rPr lang="en-US"/>
               <a:t>Click to edit Master text styles</a:t>
             </a:r>
           </a:p>
           <a:p>
             <a:pPr lvl="1"/>
             <a:r>
-              <a:rPr lang="en-US" smtClean="0"/>
+              <a:rPr lang="en-US"/>
               <a:t>Second level</a:t>
             </a:r>
           </a:p>
           <a:p>
             <a:pPr lvl="2"/>
             <a:r>
-              <a:rPr lang="en-US" smtClean="0"/>
+              <a:rPr lang="en-US"/>
               <a:t>Third level</a:t>
             </a:r>
           </a:p>
           <a:p>
             <a:pPr lvl="3"/>
             <a:r>
-              <a:rPr lang="en-US" smtClean="0"/>
+              <a:rPr lang="en-US"/>
               <a:t>Fourth level</a:t>
             </a:r>
           </a:p>
           <a:p>
             <a:pPr lvl="4"/>
             <a:r>
-              <a:rPr lang="en-US" smtClean="0"/>
+              <a:rPr lang="en-US"/>
               <a:t>Fifth level</a:t>
             </a:r>
-            <a:endParaRPr lang="en-US"/>
           </a:p>
         </p:txBody>
       </p:sp>
@@ -682,10 +699,9 @@
           <a:lstStyle/>
           <a:p>
             <a:r>
-              <a:rPr lang="en-US" smtClean="0"/>
+              <a:rPr lang="en-US"/>
               <a:t>Click to edit Master title style</a:t>
             </a:r>
-            <a:endParaRPr lang="en-US"/>
           </a:p>
         </p:txBody>
       </p:sp>
@@ -706,38 +722,37 @@
           <a:p>
             <a:pPr lvl="0"/>
             <a:r>
-              <a:rPr lang="en-US" smtClean="0"/>
+              <a:rPr lang="en-US"/>
               <a:t>Click to edit Master text styles</a:t>
             </a:r>
           </a:p>
           <a:p>
             <a:pPr lvl="1"/>
             <a:r>
-              <a:rPr lang="en-US" smtClean="0"/>
+              <a:rPr lang="en-US"/>
               <a:t>Second level</a:t>
             </a:r>
           </a:p>
           <a:p>
             <a:pPr lvl="2"/>
             <a:r>
-              <a:rPr lang="en-US" smtClean="0"/>
+              <a:rPr lang="en-US"/>
               <a:t>Third level</a:t>
             </a:r>
           </a:p>
           <a:p>
             <a:pPr lvl="3"/>
             <a:r>
-              <a:rPr lang="en-US" smtClean="0"/>
+              <a:rPr lang="en-US"/>
               <a:t>Fourth level</a:t>
             </a:r>
           </a:p>
           <a:p>
             <a:pPr lvl="4"/>
             <a:r>
-              <a:rPr lang="en-US" smtClean="0"/>
+              <a:rPr lang="en-US"/>
               <a:t>Fifth level</a:t>
             </a:r>
-            <a:endParaRPr lang="en-US"/>
           </a:p>
         </p:txBody>
       </p:sp>
@@ -861,10 +876,9 @@
           </a:lstStyle>
           <a:p>
             <a:r>
-              <a:rPr lang="en-US" smtClean="0"/>
+              <a:rPr lang="en-US"/>
               <a:t>Click to edit Master title style</a:t>
             </a:r>
-            <a:endParaRPr lang="en-US"/>
           </a:p>
         </p:txBody>
       </p:sp>
@@ -981,7 +995,7 @@
           <a:p>
             <a:pPr lvl="0"/>
             <a:r>
-              <a:rPr lang="en-US" smtClean="0"/>
+              <a:rPr lang="en-US"/>
               <a:t>Click to edit Master text styles</a:t>
             </a:r>
           </a:p>
@@ -1098,10 +1112,9 @@
           <a:lstStyle/>
           <a:p>
             <a:r>
-              <a:rPr lang="en-US" smtClean="0"/>
+              <a:rPr lang="en-US"/>
               <a:t>Click to edit Master title style</a:t>
             </a:r>
-            <a:endParaRPr lang="en-US"/>
           </a:p>
         </p:txBody>
       </p:sp>
@@ -1127,38 +1140,37 @@
           <a:p>
             <a:pPr lvl="0"/>
             <a:r>
-              <a:rPr lang="en-US" smtClean="0"/>
+              <a:rPr lang="en-US"/>
               <a:t>Click to edit Master text styles</a:t>
             </a:r>
           </a:p>
           <a:p>
             <a:pPr lvl="1"/>
             <a:r>
-              <a:rPr lang="en-US" smtClean="0"/>
+              <a:rPr lang="en-US"/>
               <a:t>Second level</a:t>
             </a:r>
           </a:p>
           <a:p>
             <a:pPr lvl="2"/>
             <a:r>
-              <a:rPr lang="en-US" smtClean="0"/>
+              <a:rPr lang="en-US"/>
               <a:t>Third level</a:t>
             </a:r>
           </a:p>
           <a:p>
             <a:pPr lvl="3"/>
             <a:r>
-              <a:rPr lang="en-US" smtClean="0"/>
+              <a:rPr lang="en-US"/>
               <a:t>Fourth level</a:t>
             </a:r>
           </a:p>
           <a:p>
             <a:pPr lvl="4"/>
             <a:r>
-              <a:rPr lang="en-US" smtClean="0"/>
+              <a:rPr lang="en-US"/>
               <a:t>Fifth level</a:t>
             </a:r>
-            <a:endParaRPr lang="en-US"/>
           </a:p>
         </p:txBody>
       </p:sp>
@@ -1184,38 +1196,37 @@
           <a:p>
             <a:pPr lvl="0"/>
             <a:r>
-              <a:rPr lang="en-US" smtClean="0"/>
+              <a:rPr lang="en-US"/>
               <a:t>Click to edit Master text styles</a:t>
             </a:r>
           </a:p>
           <a:p>
             <a:pPr lvl="1"/>
             <a:r>
-              <a:rPr lang="en-US" smtClean="0"/>
+              <a:rPr lang="en-US"/>
               <a:t>Second level</a:t>
             </a:r>
           </a:p>
           <a:p>
             <a:pPr lvl="2"/>
             <a:r>
-              <a:rPr lang="en-US" smtClean="0"/>
+              <a:rPr lang="en-US"/>
               <a:t>Third level</a:t>
             </a:r>
           </a:p>
           <a:p>
             <a:pPr lvl="3"/>
             <a:r>
-              <a:rPr lang="en-US" smtClean="0"/>
+              <a:rPr lang="en-US"/>
               <a:t>Fourth level</a:t>
             </a:r>
           </a:p>
           <a:p>
             <a:pPr lvl="4"/>
             <a:r>
-              <a:rPr lang="en-US" smtClean="0"/>
+              <a:rPr lang="en-US"/>
               <a:t>Fifth level</a:t>
             </a:r>
-            <a:endParaRPr lang="en-US"/>
           </a:p>
         </p:txBody>
       </p:sp>
@@ -1335,10 +1346,9 @@
           <a:lstStyle/>
           <a:p>
             <a:r>
-              <a:rPr lang="en-US" smtClean="0"/>
+              <a:rPr lang="en-US"/>
               <a:t>Click to edit Master title style</a:t>
             </a:r>
-            <a:endParaRPr lang="en-US"/>
           </a:p>
         </p:txBody>
       </p:sp>
@@ -1401,7 +1411,7 @@
           <a:p>
             <a:pPr lvl="0"/>
             <a:r>
-              <a:rPr lang="en-US" smtClean="0"/>
+              <a:rPr lang="en-US"/>
               <a:t>Click to edit Master text styles</a:t>
             </a:r>
           </a:p>
@@ -1429,38 +1439,37 @@
           <a:p>
             <a:pPr lvl="0"/>
             <a:r>
-              <a:rPr lang="en-US" smtClean="0"/>
+              <a:rPr lang="en-US"/>
               <a:t>Click to edit Master text styles</a:t>
             </a:r>
           </a:p>
           <a:p>
             <a:pPr lvl="1"/>
             <a:r>
-              <a:rPr lang="en-US" smtClean="0"/>
+              <a:rPr lang="en-US"/>
               <a:t>Second level</a:t>
             </a:r>
           </a:p>
           <a:p>
             <a:pPr lvl="2"/>
             <a:r>
-              <a:rPr lang="en-US" smtClean="0"/>
+              <a:rPr lang="en-US"/>
               <a:t>Third level</a:t>
             </a:r>
           </a:p>
           <a:p>
             <a:pPr lvl="3"/>
             <a:r>
-              <a:rPr lang="en-US" smtClean="0"/>
+              <a:rPr lang="en-US"/>
               <a:t>Fourth level</a:t>
             </a:r>
           </a:p>
           <a:p>
             <a:pPr lvl="4"/>
             <a:r>
-              <a:rPr lang="en-US" smtClean="0"/>
+              <a:rPr lang="en-US"/>
               <a:t>Fifth level</a:t>
             </a:r>
-            <a:endParaRPr lang="en-US"/>
           </a:p>
         </p:txBody>
       </p:sp>
@@ -1523,7 +1532,7 @@
           <a:p>
             <a:pPr lvl="0"/>
             <a:r>
-              <a:rPr lang="en-US" smtClean="0"/>
+              <a:rPr lang="en-US"/>
               <a:t>Click to edit Master text styles</a:t>
             </a:r>
           </a:p>
@@ -1551,38 +1560,37 @@
           <a:p>
             <a:pPr lvl="0"/>
             <a:r>
-              <a:rPr lang="en-US" smtClean="0"/>
+              <a:rPr lang="en-US"/>
               <a:t>Click to edit Master text styles</a:t>
             </a:r>
           </a:p>
           <a:p>
             <a:pPr lvl="1"/>
             <a:r>
-              <a:rPr lang="en-US" smtClean="0"/>
+              <a:rPr lang="en-US"/>
               <a:t>Second level</a:t>
             </a:r>
           </a:p>
           <a:p>
             <a:pPr lvl="2"/>
             <a:r>
-              <a:rPr lang="en-US" smtClean="0"/>
+              <a:rPr lang="en-US"/>
               <a:t>Third level</a:t>
             </a:r>
           </a:p>
           <a:p>
             <a:pPr lvl="3"/>
             <a:r>
-              <a:rPr lang="en-US" smtClean="0"/>
+              <a:rPr lang="en-US"/>
               <a:t>Fourth level</a:t>
             </a:r>
           </a:p>
           <a:p>
             <a:pPr lvl="4"/>
             <a:r>
-              <a:rPr lang="en-US" smtClean="0"/>
+              <a:rPr lang="en-US"/>
               <a:t>Fifth level</a:t>
             </a:r>
-            <a:endParaRPr lang="en-US"/>
           </a:p>
         </p:txBody>
       </p:sp>
@@ -1697,10 +1705,9 @@
           <a:lstStyle/>
           <a:p>
             <a:r>
-              <a:rPr lang="en-US" smtClean="0"/>
+              <a:rPr lang="en-US"/>
               <a:t>Click to edit Master title style</a:t>
             </a:r>
-            <a:endParaRPr lang="en-US"/>
           </a:p>
         </p:txBody>
       </p:sp>
@@ -1919,10 +1926,9 @@
           </a:lstStyle>
           <a:p>
             <a:r>
-              <a:rPr lang="en-US" smtClean="0"/>
+              <a:rPr lang="en-US"/>
               <a:t>Click to edit Master title style</a:t>
             </a:r>
-            <a:endParaRPr lang="en-US"/>
           </a:p>
         </p:txBody>
       </p:sp>
@@ -1976,38 +1982,37 @@
           <a:p>
             <a:pPr lvl="0"/>
             <a:r>
-              <a:rPr lang="en-US" smtClean="0"/>
+              <a:rPr lang="en-US"/>
               <a:t>Click to edit Master text styles</a:t>
             </a:r>
           </a:p>
           <a:p>
             <a:pPr lvl="1"/>
             <a:r>
-              <a:rPr lang="en-US" smtClean="0"/>
+              <a:rPr lang="en-US"/>
               <a:t>Second level</a:t>
             </a:r>
           </a:p>
           <a:p>
             <a:pPr lvl="2"/>
             <a:r>
-              <a:rPr lang="en-US" smtClean="0"/>
+              <a:rPr lang="en-US"/>
               <a:t>Third level</a:t>
             </a:r>
           </a:p>
           <a:p>
             <a:pPr lvl="3"/>
             <a:r>
-              <a:rPr lang="en-US" smtClean="0"/>
+              <a:rPr lang="en-US"/>
               <a:t>Fourth level</a:t>
             </a:r>
           </a:p>
           <a:p>
             <a:pPr lvl="4"/>
             <a:r>
-              <a:rPr lang="en-US" smtClean="0"/>
+              <a:rPr lang="en-US"/>
               <a:t>Fifth level</a:t>
             </a:r>
-            <a:endParaRPr lang="en-US"/>
           </a:p>
         </p:txBody>
       </p:sp>
@@ -2070,7 +2075,7 @@
           <a:p>
             <a:pPr lvl="0"/>
             <a:r>
-              <a:rPr lang="en-US" smtClean="0"/>
+              <a:rPr lang="en-US"/>
               <a:t>Click to edit Master text styles</a:t>
             </a:r>
           </a:p>
@@ -2196,10 +2201,9 @@
           </a:lstStyle>
           <a:p>
             <a:r>
-              <a:rPr lang="en-US" smtClean="0"/>
+              <a:rPr lang="en-US"/>
               <a:t>Click to edit Master title style</a:t>
             </a:r>
-            <a:endParaRPr lang="en-US"/>
           </a:p>
         </p:txBody>
       </p:sp>
@@ -2323,7 +2327,7 @@
           <a:p>
             <a:pPr lvl="0"/>
             <a:r>
-              <a:rPr lang="en-US" smtClean="0"/>
+              <a:rPr lang="en-US"/>
               <a:t>Click to edit Master text styles</a:t>
             </a:r>
           </a:p>
@@ -2455,10 +2459,9 @@
           <a:lstStyle/>
           <a:p>
             <a:r>
-              <a:rPr lang="en-US" smtClean="0"/>
+              <a:rPr lang="en-US"/>
               <a:t>Click to edit Master title style</a:t>
             </a:r>
-            <a:endParaRPr lang="en-US"/>
           </a:p>
         </p:txBody>
       </p:sp>
@@ -2489,38 +2492,37 @@
           <a:p>
             <a:pPr lvl="0"/>
             <a:r>
-              <a:rPr lang="en-US" smtClean="0"/>
+              <a:rPr lang="en-US"/>
               <a:t>Click to edit Master text styles</a:t>
             </a:r>
           </a:p>
           <a:p>
             <a:pPr lvl="1"/>
             <a:r>
-              <a:rPr lang="en-US" smtClean="0"/>
+              <a:rPr lang="en-US"/>
               <a:t>Second level</a:t>
             </a:r>
           </a:p>
           <a:p>
             <a:pPr lvl="2"/>
             <a:r>
-              <a:rPr lang="en-US" smtClean="0"/>
+              <a:rPr lang="en-US"/>
               <a:t>Third level</a:t>
             </a:r>
           </a:p>
           <a:p>
             <a:pPr lvl="3"/>
             <a:r>
-              <a:rPr lang="en-US" smtClean="0"/>
+              <a:rPr lang="en-US"/>
               <a:t>Fourth level</a:t>
             </a:r>
           </a:p>
           <a:p>
             <a:pPr lvl="4"/>
             <a:r>
-              <a:rPr lang="en-US" smtClean="0"/>
+              <a:rPr lang="en-US"/>
               <a:t>Fifth level</a:t>
             </a:r>
-            <a:endParaRPr lang="en-US"/>
           </a:p>
         </p:txBody>
       </p:sp>
@@ -2976,10 +2978,15 @@
         </p:nvSpPr>
         <p:spPr/>
         <p:txBody>
-          <a:bodyPr/>
-          <a:lstStyle/>
-          <a:p>
-            <a:endParaRPr lang="en-US"/>
+          <a:bodyPr>
+            <a:normAutofit fontScale="90000"/>
+          </a:bodyPr>
+          <a:lstStyle/>
+          <a:p>
+            <a:r>
+              <a:rPr lang="en-US" dirty="0"/>
+              <a:t>Employment Trends in Computer and Mathematical Occupations</a:t>
+            </a:r>
           </a:p>
         </p:txBody>
       </p:sp>
@@ -2995,10 +3002,21 @@
         </p:nvSpPr>
         <p:spPr/>
         <p:txBody>
-          <a:bodyPr/>
-          <a:lstStyle/>
-          <a:p>
-            <a:endParaRPr lang="en-US"/>
+          <a:bodyPr>
+            <a:normAutofit/>
+          </a:bodyPr>
+          <a:lstStyle/>
+          <a:p>
+            <a:r>
+              <a:rPr lang="en-US" sz="2800" dirty="0"/>
+              <a:t>United States </a:t>
+            </a:r>
+          </a:p>
+          <a:p>
+            <a:r>
+              <a:rPr lang="en-US" sz="2800" dirty="0"/>
+              <a:t>2013 - 2017</a:t>
+            </a:r>
           </a:p>
         </p:txBody>
       </p:sp>
@@ -3006,6 +3024,1574 @@
     <p:extLst>
       <p:ext uri="{BB962C8B-B14F-4D97-AF65-F5344CB8AC3E}">
         <p14:creationId xmlns:p14="http://schemas.microsoft.com/office/powerpoint/2010/main" val="3187048942"/>
+      </p:ext>
+    </p:extLst>
+  </p:cSld>
+  <p:clrMapOvr>
+    <a:masterClrMapping/>
+  </p:clrMapOvr>
+</p:sld>
+</file>
+
+<file path=ppt/slides/slide10.xml><?xml version="1.0" encoding="utf-8"?>
+<p:sld xmlns:a="http://schemas.openxmlformats.org/drawingml/2006/main" xmlns:r="http://schemas.openxmlformats.org/officeDocument/2006/relationships" xmlns:p="http://schemas.openxmlformats.org/presentationml/2006/main">
+  <p:cSld>
+    <p:spTree>
+      <p:nvGrpSpPr>
+        <p:cNvPr id="1" name=""/>
+        <p:cNvGrpSpPr/>
+        <p:nvPr/>
+      </p:nvGrpSpPr>
+      <p:grpSpPr>
+        <a:xfrm>
+          <a:off x="0" y="0"/>
+          <a:ext cx="0" cy="0"/>
+          <a:chOff x="0" y="0"/>
+          <a:chExt cx="0" cy="0"/>
+        </a:xfrm>
+      </p:grpSpPr>
+      <p:sp>
+        <p:nvSpPr>
+          <p:cNvPr id="2" name="Title 1">
+            <a:extLst>
+              <a:ext uri="{FF2B5EF4-FFF2-40B4-BE49-F238E27FC236}">
+                <a16:creationId xmlns:a16="http://schemas.microsoft.com/office/drawing/2014/main" id="{78B99B29-14C1-41E4-9AC8-5AAC36F4C384}"/>
+              </a:ext>
+            </a:extLst>
+          </p:cNvPr>
+          <p:cNvSpPr>
+            <a:spLocks noGrp="1"/>
+          </p:cNvSpPr>
+          <p:nvPr>
+            <p:ph type="title"/>
+          </p:nvPr>
+        </p:nvSpPr>
+        <p:spPr/>
+        <p:txBody>
+          <a:bodyPr/>
+          <a:lstStyle/>
+          <a:p>
+            <a:r>
+              <a:rPr lang="en-US" dirty="0"/>
+              <a:t>Rob</a:t>
+            </a:r>
+          </a:p>
+        </p:txBody>
+      </p:sp>
+      <p:sp>
+        <p:nvSpPr>
+          <p:cNvPr id="3" name="Content Placeholder 2">
+            <a:extLst>
+              <a:ext uri="{FF2B5EF4-FFF2-40B4-BE49-F238E27FC236}">
+                <a16:creationId xmlns:a16="http://schemas.microsoft.com/office/drawing/2014/main" id="{217DF154-F65A-4479-826C-9C8777C22D6A}"/>
+              </a:ext>
+            </a:extLst>
+          </p:cNvPr>
+          <p:cNvSpPr>
+            <a:spLocks noGrp="1"/>
+          </p:cNvSpPr>
+          <p:nvPr>
+            <p:ph idx="1"/>
+          </p:nvPr>
+        </p:nvSpPr>
+        <p:spPr/>
+        <p:txBody>
+          <a:bodyPr/>
+          <a:lstStyle/>
+          <a:p>
+            <a:endParaRPr lang="en-US"/>
+          </a:p>
+        </p:txBody>
+      </p:sp>
+    </p:spTree>
+    <p:extLst>
+      <p:ext uri="{BB962C8B-B14F-4D97-AF65-F5344CB8AC3E}">
+        <p14:creationId xmlns:p14="http://schemas.microsoft.com/office/powerpoint/2010/main" val="2535188132"/>
+      </p:ext>
+    </p:extLst>
+  </p:cSld>
+  <p:clrMapOvr>
+    <a:masterClrMapping/>
+  </p:clrMapOvr>
+</p:sld>
+</file>
+
+<file path=ppt/slides/slide11.xml><?xml version="1.0" encoding="utf-8"?>
+<p:sld xmlns:a="http://schemas.openxmlformats.org/drawingml/2006/main" xmlns:r="http://schemas.openxmlformats.org/officeDocument/2006/relationships" xmlns:p="http://schemas.openxmlformats.org/presentationml/2006/main">
+  <p:cSld>
+    <p:spTree>
+      <p:nvGrpSpPr>
+        <p:cNvPr id="1" name=""/>
+        <p:cNvGrpSpPr/>
+        <p:nvPr/>
+      </p:nvGrpSpPr>
+      <p:grpSpPr>
+        <a:xfrm>
+          <a:off x="0" y="0"/>
+          <a:ext cx="0" cy="0"/>
+          <a:chOff x="0" y="0"/>
+          <a:chExt cx="0" cy="0"/>
+        </a:xfrm>
+      </p:grpSpPr>
+      <p:sp>
+        <p:nvSpPr>
+          <p:cNvPr id="2" name="Title 1">
+            <a:extLst>
+              <a:ext uri="{FF2B5EF4-FFF2-40B4-BE49-F238E27FC236}">
+                <a16:creationId xmlns:a16="http://schemas.microsoft.com/office/drawing/2014/main" id="{7256FCE9-7BE9-4F85-87B5-C52DFBE161F5}"/>
+              </a:ext>
+            </a:extLst>
+          </p:cNvPr>
+          <p:cNvSpPr>
+            <a:spLocks noGrp="1"/>
+          </p:cNvSpPr>
+          <p:nvPr>
+            <p:ph type="title"/>
+          </p:nvPr>
+        </p:nvSpPr>
+        <p:spPr/>
+        <p:txBody>
+          <a:bodyPr/>
+          <a:lstStyle/>
+          <a:p>
+            <a:r>
+              <a:rPr lang="en-US" dirty="0"/>
+              <a:t>Rob</a:t>
+            </a:r>
+          </a:p>
+        </p:txBody>
+      </p:sp>
+      <p:sp>
+        <p:nvSpPr>
+          <p:cNvPr id="3" name="Content Placeholder 2">
+            <a:extLst>
+              <a:ext uri="{FF2B5EF4-FFF2-40B4-BE49-F238E27FC236}">
+                <a16:creationId xmlns:a16="http://schemas.microsoft.com/office/drawing/2014/main" id="{D18A4F9A-AF0B-43FB-AC8B-3A6E95478A93}"/>
+              </a:ext>
+            </a:extLst>
+          </p:cNvPr>
+          <p:cNvSpPr>
+            <a:spLocks noGrp="1"/>
+          </p:cNvSpPr>
+          <p:nvPr>
+            <p:ph idx="1"/>
+          </p:nvPr>
+        </p:nvSpPr>
+        <p:spPr/>
+        <p:txBody>
+          <a:bodyPr/>
+          <a:lstStyle/>
+          <a:p>
+            <a:endParaRPr lang="en-US"/>
+          </a:p>
+        </p:txBody>
+      </p:sp>
+    </p:spTree>
+    <p:extLst>
+      <p:ext uri="{BB962C8B-B14F-4D97-AF65-F5344CB8AC3E}">
+        <p14:creationId xmlns:p14="http://schemas.microsoft.com/office/powerpoint/2010/main" val="2351532052"/>
+      </p:ext>
+    </p:extLst>
+  </p:cSld>
+  <p:clrMapOvr>
+    <a:masterClrMapping/>
+  </p:clrMapOvr>
+</p:sld>
+</file>
+
+<file path=ppt/slides/slide12.xml><?xml version="1.0" encoding="utf-8"?>
+<p:sld xmlns:a="http://schemas.openxmlformats.org/drawingml/2006/main" xmlns:r="http://schemas.openxmlformats.org/officeDocument/2006/relationships" xmlns:p="http://schemas.openxmlformats.org/presentationml/2006/main">
+  <p:cSld>
+    <p:spTree>
+      <p:nvGrpSpPr>
+        <p:cNvPr id="1" name=""/>
+        <p:cNvGrpSpPr/>
+        <p:nvPr/>
+      </p:nvGrpSpPr>
+      <p:grpSpPr>
+        <a:xfrm>
+          <a:off x="0" y="0"/>
+          <a:ext cx="0" cy="0"/>
+          <a:chOff x="0" y="0"/>
+          <a:chExt cx="0" cy="0"/>
+        </a:xfrm>
+      </p:grpSpPr>
+      <p:sp>
+        <p:nvSpPr>
+          <p:cNvPr id="2" name="Title 1">
+            <a:extLst>
+              <a:ext uri="{FF2B5EF4-FFF2-40B4-BE49-F238E27FC236}">
+                <a16:creationId xmlns:a16="http://schemas.microsoft.com/office/drawing/2014/main" id="{1B1F4B00-EF37-4C07-9537-1E831E501C38}"/>
+              </a:ext>
+            </a:extLst>
+          </p:cNvPr>
+          <p:cNvSpPr>
+            <a:spLocks noGrp="1"/>
+          </p:cNvSpPr>
+          <p:nvPr>
+            <p:ph type="title"/>
+          </p:nvPr>
+        </p:nvSpPr>
+        <p:spPr/>
+        <p:txBody>
+          <a:bodyPr/>
+          <a:lstStyle/>
+          <a:p>
+            <a:r>
+              <a:rPr lang="en-US" dirty="0"/>
+              <a:t>Lei</a:t>
+            </a:r>
+          </a:p>
+        </p:txBody>
+      </p:sp>
+      <p:sp>
+        <p:nvSpPr>
+          <p:cNvPr id="3" name="Content Placeholder 2">
+            <a:extLst>
+              <a:ext uri="{FF2B5EF4-FFF2-40B4-BE49-F238E27FC236}">
+                <a16:creationId xmlns:a16="http://schemas.microsoft.com/office/drawing/2014/main" id="{21F9F2CA-ECC9-484B-B753-0CB92985B738}"/>
+              </a:ext>
+            </a:extLst>
+          </p:cNvPr>
+          <p:cNvSpPr>
+            <a:spLocks noGrp="1"/>
+          </p:cNvSpPr>
+          <p:nvPr>
+            <p:ph idx="1"/>
+          </p:nvPr>
+        </p:nvSpPr>
+        <p:spPr/>
+        <p:txBody>
+          <a:bodyPr/>
+          <a:lstStyle/>
+          <a:p>
+            <a:endParaRPr lang="en-US"/>
+          </a:p>
+        </p:txBody>
+      </p:sp>
+    </p:spTree>
+    <p:extLst>
+      <p:ext uri="{BB962C8B-B14F-4D97-AF65-F5344CB8AC3E}">
+        <p14:creationId xmlns:p14="http://schemas.microsoft.com/office/powerpoint/2010/main" val="3902259594"/>
+      </p:ext>
+    </p:extLst>
+  </p:cSld>
+  <p:clrMapOvr>
+    <a:masterClrMapping/>
+  </p:clrMapOvr>
+</p:sld>
+</file>
+
+<file path=ppt/slides/slide13.xml><?xml version="1.0" encoding="utf-8"?>
+<p:sld xmlns:a="http://schemas.openxmlformats.org/drawingml/2006/main" xmlns:r="http://schemas.openxmlformats.org/officeDocument/2006/relationships" xmlns:p="http://schemas.openxmlformats.org/presentationml/2006/main">
+  <p:cSld>
+    <p:spTree>
+      <p:nvGrpSpPr>
+        <p:cNvPr id="1" name=""/>
+        <p:cNvGrpSpPr/>
+        <p:nvPr/>
+      </p:nvGrpSpPr>
+      <p:grpSpPr>
+        <a:xfrm>
+          <a:off x="0" y="0"/>
+          <a:ext cx="0" cy="0"/>
+          <a:chOff x="0" y="0"/>
+          <a:chExt cx="0" cy="0"/>
+        </a:xfrm>
+      </p:grpSpPr>
+      <p:sp>
+        <p:nvSpPr>
+          <p:cNvPr id="2" name="Title 1">
+            <a:extLst>
+              <a:ext uri="{FF2B5EF4-FFF2-40B4-BE49-F238E27FC236}">
+                <a16:creationId xmlns:a16="http://schemas.microsoft.com/office/drawing/2014/main" id="{5C464BB5-BAE0-4F49-A1DD-88A4EFCEA646}"/>
+              </a:ext>
+            </a:extLst>
+          </p:cNvPr>
+          <p:cNvSpPr>
+            <a:spLocks noGrp="1"/>
+          </p:cNvSpPr>
+          <p:nvPr>
+            <p:ph type="title"/>
+          </p:nvPr>
+        </p:nvSpPr>
+        <p:spPr/>
+        <p:txBody>
+          <a:bodyPr/>
+          <a:lstStyle/>
+          <a:p>
+            <a:r>
+              <a:rPr lang="en-US" dirty="0"/>
+              <a:t>Lei</a:t>
+            </a:r>
+          </a:p>
+        </p:txBody>
+      </p:sp>
+      <p:sp>
+        <p:nvSpPr>
+          <p:cNvPr id="3" name="Content Placeholder 2">
+            <a:extLst>
+              <a:ext uri="{FF2B5EF4-FFF2-40B4-BE49-F238E27FC236}">
+                <a16:creationId xmlns:a16="http://schemas.microsoft.com/office/drawing/2014/main" id="{7A73EA22-73B0-4644-8354-45C9301D4F9A}"/>
+              </a:ext>
+            </a:extLst>
+          </p:cNvPr>
+          <p:cNvSpPr>
+            <a:spLocks noGrp="1"/>
+          </p:cNvSpPr>
+          <p:nvPr>
+            <p:ph idx="1"/>
+          </p:nvPr>
+        </p:nvSpPr>
+        <p:spPr/>
+        <p:txBody>
+          <a:bodyPr/>
+          <a:lstStyle/>
+          <a:p>
+            <a:endParaRPr lang="en-US"/>
+          </a:p>
+        </p:txBody>
+      </p:sp>
+    </p:spTree>
+    <p:extLst>
+      <p:ext uri="{BB962C8B-B14F-4D97-AF65-F5344CB8AC3E}">
+        <p14:creationId xmlns:p14="http://schemas.microsoft.com/office/powerpoint/2010/main" val="1446083105"/>
+      </p:ext>
+    </p:extLst>
+  </p:cSld>
+  <p:clrMapOvr>
+    <a:masterClrMapping/>
+  </p:clrMapOvr>
+</p:sld>
+</file>
+
+<file path=ppt/slides/slide14.xml><?xml version="1.0" encoding="utf-8"?>
+<p:sld xmlns:a="http://schemas.openxmlformats.org/drawingml/2006/main" xmlns:r="http://schemas.openxmlformats.org/officeDocument/2006/relationships" xmlns:p="http://schemas.openxmlformats.org/presentationml/2006/main">
+  <p:cSld>
+    <p:spTree>
+      <p:nvGrpSpPr>
+        <p:cNvPr id="1" name=""/>
+        <p:cNvGrpSpPr/>
+        <p:nvPr/>
+      </p:nvGrpSpPr>
+      <p:grpSpPr>
+        <a:xfrm>
+          <a:off x="0" y="0"/>
+          <a:ext cx="0" cy="0"/>
+          <a:chOff x="0" y="0"/>
+          <a:chExt cx="0" cy="0"/>
+        </a:xfrm>
+      </p:grpSpPr>
+      <p:sp>
+        <p:nvSpPr>
+          <p:cNvPr id="2" name="Title 1">
+            <a:extLst>
+              <a:ext uri="{FF2B5EF4-FFF2-40B4-BE49-F238E27FC236}">
+                <a16:creationId xmlns:a16="http://schemas.microsoft.com/office/drawing/2014/main" id="{0A097A61-2BE1-4484-B5FE-BDD79AC2A033}"/>
+              </a:ext>
+            </a:extLst>
+          </p:cNvPr>
+          <p:cNvSpPr>
+            <a:spLocks noGrp="1"/>
+          </p:cNvSpPr>
+          <p:nvPr>
+            <p:ph type="title"/>
+          </p:nvPr>
+        </p:nvSpPr>
+        <p:spPr/>
+        <p:txBody>
+          <a:bodyPr/>
+          <a:lstStyle/>
+          <a:p>
+            <a:r>
+              <a:rPr lang="en-US" dirty="0"/>
+              <a:t>Lei</a:t>
+            </a:r>
+          </a:p>
+        </p:txBody>
+      </p:sp>
+      <p:sp>
+        <p:nvSpPr>
+          <p:cNvPr id="3" name="Content Placeholder 2">
+            <a:extLst>
+              <a:ext uri="{FF2B5EF4-FFF2-40B4-BE49-F238E27FC236}">
+                <a16:creationId xmlns:a16="http://schemas.microsoft.com/office/drawing/2014/main" id="{83C2C619-B699-4459-A2C7-9AD87D27386F}"/>
+              </a:ext>
+            </a:extLst>
+          </p:cNvPr>
+          <p:cNvSpPr>
+            <a:spLocks noGrp="1"/>
+          </p:cNvSpPr>
+          <p:nvPr>
+            <p:ph idx="1"/>
+          </p:nvPr>
+        </p:nvSpPr>
+        <p:spPr/>
+        <p:txBody>
+          <a:bodyPr/>
+          <a:lstStyle/>
+          <a:p>
+            <a:endParaRPr lang="en-US"/>
+          </a:p>
+        </p:txBody>
+      </p:sp>
+    </p:spTree>
+    <p:extLst>
+      <p:ext uri="{BB962C8B-B14F-4D97-AF65-F5344CB8AC3E}">
+        <p14:creationId xmlns:p14="http://schemas.microsoft.com/office/powerpoint/2010/main" val="3926269651"/>
+      </p:ext>
+    </p:extLst>
+  </p:cSld>
+  <p:clrMapOvr>
+    <a:masterClrMapping/>
+  </p:clrMapOvr>
+</p:sld>
+</file>
+
+<file path=ppt/slides/slide15.xml><?xml version="1.0" encoding="utf-8"?>
+<p:sld xmlns:a="http://schemas.openxmlformats.org/drawingml/2006/main" xmlns:r="http://schemas.openxmlformats.org/officeDocument/2006/relationships" xmlns:p="http://schemas.openxmlformats.org/presentationml/2006/main">
+  <p:cSld>
+    <p:spTree>
+      <p:nvGrpSpPr>
+        <p:cNvPr id="1" name=""/>
+        <p:cNvGrpSpPr/>
+        <p:nvPr/>
+      </p:nvGrpSpPr>
+      <p:grpSpPr>
+        <a:xfrm>
+          <a:off x="0" y="0"/>
+          <a:ext cx="0" cy="0"/>
+          <a:chOff x="0" y="0"/>
+          <a:chExt cx="0" cy="0"/>
+        </a:xfrm>
+      </p:grpSpPr>
+      <p:sp>
+        <p:nvSpPr>
+          <p:cNvPr id="2" name="Title 1">
+            <a:extLst>
+              <a:ext uri="{FF2B5EF4-FFF2-40B4-BE49-F238E27FC236}">
+                <a16:creationId xmlns:a16="http://schemas.microsoft.com/office/drawing/2014/main" id="{F56923BD-4174-427E-B1BE-21D59A005378}"/>
+              </a:ext>
+            </a:extLst>
+          </p:cNvPr>
+          <p:cNvSpPr>
+            <a:spLocks noGrp="1"/>
+          </p:cNvSpPr>
+          <p:nvPr>
+            <p:ph type="title"/>
+          </p:nvPr>
+        </p:nvSpPr>
+        <p:spPr/>
+        <p:txBody>
+          <a:bodyPr/>
+          <a:lstStyle/>
+          <a:p>
+            <a:r>
+              <a:rPr lang="en-US" dirty="0"/>
+              <a:t>Lei</a:t>
+            </a:r>
+          </a:p>
+        </p:txBody>
+      </p:sp>
+      <p:sp>
+        <p:nvSpPr>
+          <p:cNvPr id="3" name="Content Placeholder 2">
+            <a:extLst>
+              <a:ext uri="{FF2B5EF4-FFF2-40B4-BE49-F238E27FC236}">
+                <a16:creationId xmlns:a16="http://schemas.microsoft.com/office/drawing/2014/main" id="{36E2CC5B-B959-49E0-A58A-CCFD68B3DB72}"/>
+              </a:ext>
+            </a:extLst>
+          </p:cNvPr>
+          <p:cNvSpPr>
+            <a:spLocks noGrp="1"/>
+          </p:cNvSpPr>
+          <p:nvPr>
+            <p:ph idx="1"/>
+          </p:nvPr>
+        </p:nvSpPr>
+        <p:spPr/>
+        <p:txBody>
+          <a:bodyPr/>
+          <a:lstStyle/>
+          <a:p>
+            <a:endParaRPr lang="en-US"/>
+          </a:p>
+        </p:txBody>
+      </p:sp>
+    </p:spTree>
+    <p:extLst>
+      <p:ext uri="{BB962C8B-B14F-4D97-AF65-F5344CB8AC3E}">
+        <p14:creationId xmlns:p14="http://schemas.microsoft.com/office/powerpoint/2010/main" val="540328364"/>
+      </p:ext>
+    </p:extLst>
+  </p:cSld>
+  <p:clrMapOvr>
+    <a:masterClrMapping/>
+  </p:clrMapOvr>
+</p:sld>
+</file>
+
+<file path=ppt/slides/slide16.xml><?xml version="1.0" encoding="utf-8"?>
+<p:sld xmlns:a="http://schemas.openxmlformats.org/drawingml/2006/main" xmlns:r="http://schemas.openxmlformats.org/officeDocument/2006/relationships" xmlns:p="http://schemas.openxmlformats.org/presentationml/2006/main">
+  <p:cSld>
+    <p:spTree>
+      <p:nvGrpSpPr>
+        <p:cNvPr id="1" name=""/>
+        <p:cNvGrpSpPr/>
+        <p:nvPr/>
+      </p:nvGrpSpPr>
+      <p:grpSpPr>
+        <a:xfrm>
+          <a:off x="0" y="0"/>
+          <a:ext cx="0" cy="0"/>
+          <a:chOff x="0" y="0"/>
+          <a:chExt cx="0" cy="0"/>
+        </a:xfrm>
+      </p:grpSpPr>
+      <p:sp>
+        <p:nvSpPr>
+          <p:cNvPr id="2" name="Title 1">
+            <a:extLst>
+              <a:ext uri="{FF2B5EF4-FFF2-40B4-BE49-F238E27FC236}">
+                <a16:creationId xmlns:a16="http://schemas.microsoft.com/office/drawing/2014/main" id="{21D3167F-30A9-4F8D-99EE-386A1F094613}"/>
+              </a:ext>
+            </a:extLst>
+          </p:cNvPr>
+          <p:cNvSpPr>
+            <a:spLocks noGrp="1"/>
+          </p:cNvSpPr>
+          <p:nvPr>
+            <p:ph type="title"/>
+          </p:nvPr>
+        </p:nvSpPr>
+        <p:spPr/>
+        <p:txBody>
+          <a:bodyPr/>
+          <a:lstStyle/>
+          <a:p>
+            <a:r>
+              <a:rPr lang="en-US" dirty="0"/>
+              <a:t>Overall Summary </a:t>
+            </a:r>
+          </a:p>
+        </p:txBody>
+      </p:sp>
+      <p:sp>
+        <p:nvSpPr>
+          <p:cNvPr id="3" name="Content Placeholder 2">
+            <a:extLst>
+              <a:ext uri="{FF2B5EF4-FFF2-40B4-BE49-F238E27FC236}">
+                <a16:creationId xmlns:a16="http://schemas.microsoft.com/office/drawing/2014/main" id="{571BA543-3A3F-43F0-957D-37B7A83B0853}"/>
+              </a:ext>
+            </a:extLst>
+          </p:cNvPr>
+          <p:cNvSpPr>
+            <a:spLocks noGrp="1"/>
+          </p:cNvSpPr>
+          <p:nvPr>
+            <p:ph idx="1"/>
+          </p:nvPr>
+        </p:nvSpPr>
+        <p:spPr/>
+        <p:txBody>
+          <a:bodyPr/>
+          <a:lstStyle/>
+          <a:p>
+            <a:r>
+              <a:rPr lang="en-US" dirty="0"/>
+              <a:t>Big take-aways</a:t>
+            </a:r>
+          </a:p>
+        </p:txBody>
+      </p:sp>
+    </p:spTree>
+    <p:extLst>
+      <p:ext uri="{BB962C8B-B14F-4D97-AF65-F5344CB8AC3E}">
+        <p14:creationId xmlns:p14="http://schemas.microsoft.com/office/powerpoint/2010/main" val="3858428707"/>
+      </p:ext>
+    </p:extLst>
+  </p:cSld>
+  <p:clrMapOvr>
+    <a:masterClrMapping/>
+  </p:clrMapOvr>
+</p:sld>
+</file>
+
+<file path=ppt/slides/slide17.xml><?xml version="1.0" encoding="utf-8"?>
+<p:sld xmlns:a="http://schemas.openxmlformats.org/drawingml/2006/main" xmlns:r="http://schemas.openxmlformats.org/officeDocument/2006/relationships" xmlns:p="http://schemas.openxmlformats.org/presentationml/2006/main">
+  <p:cSld>
+    <p:spTree>
+      <p:nvGrpSpPr>
+        <p:cNvPr id="1" name=""/>
+        <p:cNvGrpSpPr/>
+        <p:nvPr/>
+      </p:nvGrpSpPr>
+      <p:grpSpPr>
+        <a:xfrm>
+          <a:off x="0" y="0"/>
+          <a:ext cx="0" cy="0"/>
+          <a:chOff x="0" y="0"/>
+          <a:chExt cx="0" cy="0"/>
+        </a:xfrm>
+      </p:grpSpPr>
+      <p:sp>
+        <p:nvSpPr>
+          <p:cNvPr id="2" name="Title 1">
+            <a:extLst>
+              <a:ext uri="{FF2B5EF4-FFF2-40B4-BE49-F238E27FC236}">
+                <a16:creationId xmlns:a16="http://schemas.microsoft.com/office/drawing/2014/main" id="{D8975F0A-4727-47D2-96A8-DFAC0FBD6C91}"/>
+              </a:ext>
+            </a:extLst>
+          </p:cNvPr>
+          <p:cNvSpPr>
+            <a:spLocks noGrp="1"/>
+          </p:cNvSpPr>
+          <p:nvPr>
+            <p:ph type="title"/>
+          </p:nvPr>
+        </p:nvSpPr>
+        <p:spPr/>
+        <p:txBody>
+          <a:bodyPr/>
+          <a:lstStyle/>
+          <a:p>
+            <a:r>
+              <a:rPr lang="en-US" dirty="0"/>
+              <a:t>Data Limitations</a:t>
+            </a:r>
+          </a:p>
+        </p:txBody>
+      </p:sp>
+      <p:sp>
+        <p:nvSpPr>
+          <p:cNvPr id="3" name="Content Placeholder 2">
+            <a:extLst>
+              <a:ext uri="{FF2B5EF4-FFF2-40B4-BE49-F238E27FC236}">
+                <a16:creationId xmlns:a16="http://schemas.microsoft.com/office/drawing/2014/main" id="{C69386F3-A2F7-4C59-B5D1-F22F1E51F196}"/>
+              </a:ext>
+            </a:extLst>
+          </p:cNvPr>
+          <p:cNvSpPr>
+            <a:spLocks noGrp="1"/>
+          </p:cNvSpPr>
+          <p:nvPr>
+            <p:ph idx="1"/>
+          </p:nvPr>
+        </p:nvSpPr>
+        <p:spPr/>
+        <p:txBody>
+          <a:bodyPr>
+            <a:normAutofit/>
+          </a:bodyPr>
+          <a:lstStyle/>
+          <a:p>
+            <a:r>
+              <a:rPr lang="en-US" dirty="0"/>
+              <a:t>Bureau of Labor Statistics data is based on employment of individuals over 16 only (?)</a:t>
+            </a:r>
+          </a:p>
+          <a:p>
+            <a:r>
+              <a:rPr lang="en-US" dirty="0"/>
+              <a:t>The BLS included calculations for the percent relative standard error (RSE) for total employment #s.  Looking at a sample of the RSEs, there were concerns about the precision of certain estimates</a:t>
+            </a:r>
+          </a:p>
+          <a:p>
+            <a:r>
+              <a:rPr lang="en-US" dirty="0"/>
+              <a:t>Estimates for detailed occupations do not sum to the totals because the totals include occupations not shown separately. </a:t>
+            </a:r>
+          </a:p>
+          <a:p>
+            <a:r>
+              <a:rPr lang="en-US" dirty="0"/>
+              <a:t>Estimates do not include self-employed workers.</a:t>
+            </a:r>
+          </a:p>
+          <a:p>
+            <a:r>
+              <a:rPr lang="en-US" dirty="0"/>
+              <a:t>The most recent BLS data went to 2017 only</a:t>
+            </a:r>
+          </a:p>
+        </p:txBody>
+      </p:sp>
+    </p:spTree>
+    <p:extLst>
+      <p:ext uri="{BB962C8B-B14F-4D97-AF65-F5344CB8AC3E}">
+        <p14:creationId xmlns:p14="http://schemas.microsoft.com/office/powerpoint/2010/main" val="1693282570"/>
+      </p:ext>
+    </p:extLst>
+  </p:cSld>
+  <p:clrMapOvr>
+    <a:masterClrMapping/>
+  </p:clrMapOvr>
+</p:sld>
+</file>
+
+<file path=ppt/slides/slide18.xml><?xml version="1.0" encoding="utf-8"?>
+<p:sld xmlns:a="http://schemas.openxmlformats.org/drawingml/2006/main" xmlns:r="http://schemas.openxmlformats.org/officeDocument/2006/relationships" xmlns:p="http://schemas.openxmlformats.org/presentationml/2006/main">
+  <p:cSld>
+    <p:spTree>
+      <p:nvGrpSpPr>
+        <p:cNvPr id="1" name=""/>
+        <p:cNvGrpSpPr/>
+        <p:nvPr/>
+      </p:nvGrpSpPr>
+      <p:grpSpPr>
+        <a:xfrm>
+          <a:off x="0" y="0"/>
+          <a:ext cx="0" cy="0"/>
+          <a:chOff x="0" y="0"/>
+          <a:chExt cx="0" cy="0"/>
+        </a:xfrm>
+      </p:grpSpPr>
+      <p:sp>
+        <p:nvSpPr>
+          <p:cNvPr id="2" name="Title 1">
+            <a:extLst>
+              <a:ext uri="{FF2B5EF4-FFF2-40B4-BE49-F238E27FC236}">
+                <a16:creationId xmlns:a16="http://schemas.microsoft.com/office/drawing/2014/main" id="{E1C9EF35-DC7C-428F-A8C6-930DEFB1E1DB}"/>
+              </a:ext>
+            </a:extLst>
+          </p:cNvPr>
+          <p:cNvSpPr>
+            <a:spLocks noGrp="1"/>
+          </p:cNvSpPr>
+          <p:nvPr>
+            <p:ph type="title"/>
+          </p:nvPr>
+        </p:nvSpPr>
+        <p:spPr/>
+        <p:txBody>
+          <a:bodyPr/>
+          <a:lstStyle/>
+          <a:p>
+            <a:r>
+              <a:rPr lang="en-US" dirty="0"/>
+              <a:t>Next steps</a:t>
+            </a:r>
+          </a:p>
+        </p:txBody>
+      </p:sp>
+      <p:sp>
+        <p:nvSpPr>
+          <p:cNvPr id="3" name="Content Placeholder 2">
+            <a:extLst>
+              <a:ext uri="{FF2B5EF4-FFF2-40B4-BE49-F238E27FC236}">
+                <a16:creationId xmlns:a16="http://schemas.microsoft.com/office/drawing/2014/main" id="{1B82C285-6A5A-45FC-B1D5-1D0786CBCFB5}"/>
+              </a:ext>
+            </a:extLst>
+          </p:cNvPr>
+          <p:cNvSpPr>
+            <a:spLocks noGrp="1"/>
+          </p:cNvSpPr>
+          <p:nvPr>
+            <p:ph idx="1"/>
+          </p:nvPr>
+        </p:nvSpPr>
+        <p:spPr/>
+        <p:txBody>
+          <a:bodyPr/>
+          <a:lstStyle/>
+          <a:p>
+            <a:r>
+              <a:rPr lang="en-US" dirty="0"/>
+              <a:t>We would like to utilize job search APIs such as LinkedIn, </a:t>
+            </a:r>
+            <a:r>
+              <a:rPr lang="en-US" dirty="0" err="1"/>
+              <a:t>GoogleCloud</a:t>
+            </a:r>
+            <a:r>
+              <a:rPr lang="en-US" dirty="0"/>
+              <a:t>, or Indeed to find insight about the volume of job searches and postings.  </a:t>
+            </a:r>
+          </a:p>
+          <a:p>
+            <a:pPr lvl="1"/>
+            <a:r>
+              <a:rPr lang="en-US" dirty="0"/>
+              <a:t>APIs would also give us more current information than BLS which only went up to 2017.  In a rapidly changing employment sector, such up to date information would be essential in painting an accurate picture of the current job market. </a:t>
+            </a:r>
+          </a:p>
+          <a:p>
+            <a:r>
+              <a:rPr lang="en-US" dirty="0"/>
+              <a:t>If given more time we would have liked to narrow our results to gender, race, age, and educational background of employees</a:t>
+            </a:r>
+          </a:p>
+        </p:txBody>
+      </p:sp>
+    </p:spTree>
+    <p:extLst>
+      <p:ext uri="{BB962C8B-B14F-4D97-AF65-F5344CB8AC3E}">
+        <p14:creationId xmlns:p14="http://schemas.microsoft.com/office/powerpoint/2010/main" val="3968576988"/>
+      </p:ext>
+    </p:extLst>
+  </p:cSld>
+  <p:clrMapOvr>
+    <a:masterClrMapping/>
+  </p:clrMapOvr>
+</p:sld>
+</file>
+
+<file path=ppt/slides/slide19.xml><?xml version="1.0" encoding="utf-8"?>
+<p:sld xmlns:a="http://schemas.openxmlformats.org/drawingml/2006/main" xmlns:r="http://schemas.openxmlformats.org/officeDocument/2006/relationships" xmlns:p="http://schemas.openxmlformats.org/presentationml/2006/main">
+  <p:cSld>
+    <p:spTree>
+      <p:nvGrpSpPr>
+        <p:cNvPr id="1" name=""/>
+        <p:cNvGrpSpPr/>
+        <p:nvPr/>
+      </p:nvGrpSpPr>
+      <p:grpSpPr>
+        <a:xfrm>
+          <a:off x="0" y="0"/>
+          <a:ext cx="0" cy="0"/>
+          <a:chOff x="0" y="0"/>
+          <a:chExt cx="0" cy="0"/>
+        </a:xfrm>
+      </p:grpSpPr>
+      <p:sp>
+        <p:nvSpPr>
+          <p:cNvPr id="2" name="Title 1">
+            <a:extLst>
+              <a:ext uri="{FF2B5EF4-FFF2-40B4-BE49-F238E27FC236}">
+                <a16:creationId xmlns:a16="http://schemas.microsoft.com/office/drawing/2014/main" id="{55A6334A-68E7-42D4-919A-0C62BE53DBB2}"/>
+              </a:ext>
+            </a:extLst>
+          </p:cNvPr>
+          <p:cNvSpPr>
+            <a:spLocks noGrp="1"/>
+          </p:cNvSpPr>
+          <p:nvPr>
+            <p:ph type="title"/>
+          </p:nvPr>
+        </p:nvSpPr>
+        <p:spPr/>
+        <p:txBody>
+          <a:bodyPr/>
+          <a:lstStyle/>
+          <a:p>
+            <a:r>
+              <a:rPr lang="en-US" dirty="0"/>
+              <a:t>Thank you slide</a:t>
+            </a:r>
+          </a:p>
+        </p:txBody>
+      </p:sp>
+      <p:sp>
+        <p:nvSpPr>
+          <p:cNvPr id="3" name="Content Placeholder 2">
+            <a:extLst>
+              <a:ext uri="{FF2B5EF4-FFF2-40B4-BE49-F238E27FC236}">
+                <a16:creationId xmlns:a16="http://schemas.microsoft.com/office/drawing/2014/main" id="{1C25BB28-A4EC-414D-859C-C7A0FCD1F980}"/>
+              </a:ext>
+            </a:extLst>
+          </p:cNvPr>
+          <p:cNvSpPr>
+            <a:spLocks noGrp="1"/>
+          </p:cNvSpPr>
+          <p:nvPr>
+            <p:ph idx="1"/>
+          </p:nvPr>
+        </p:nvSpPr>
+        <p:spPr/>
+        <p:txBody>
+          <a:bodyPr/>
+          <a:lstStyle/>
+          <a:p>
+            <a:endParaRPr lang="en-US" dirty="0"/>
+          </a:p>
+        </p:txBody>
+      </p:sp>
+    </p:spTree>
+    <p:extLst>
+      <p:ext uri="{BB962C8B-B14F-4D97-AF65-F5344CB8AC3E}">
+        <p14:creationId xmlns:p14="http://schemas.microsoft.com/office/powerpoint/2010/main" val="1274406331"/>
+      </p:ext>
+    </p:extLst>
+  </p:cSld>
+  <p:clrMapOvr>
+    <a:masterClrMapping/>
+  </p:clrMapOvr>
+</p:sld>
+</file>
+
+<file path=ppt/slides/slide2.xml><?xml version="1.0" encoding="utf-8"?>
+<p:sld xmlns:a="http://schemas.openxmlformats.org/drawingml/2006/main" xmlns:r="http://schemas.openxmlformats.org/officeDocument/2006/relationships" xmlns:p="http://schemas.openxmlformats.org/presentationml/2006/main">
+  <p:cSld>
+    <p:spTree>
+      <p:nvGrpSpPr>
+        <p:cNvPr id="1" name=""/>
+        <p:cNvGrpSpPr/>
+        <p:nvPr/>
+      </p:nvGrpSpPr>
+      <p:grpSpPr>
+        <a:xfrm>
+          <a:off x="0" y="0"/>
+          <a:ext cx="0" cy="0"/>
+          <a:chOff x="0" y="0"/>
+          <a:chExt cx="0" cy="0"/>
+        </a:xfrm>
+      </p:grpSpPr>
+      <p:sp>
+        <p:nvSpPr>
+          <p:cNvPr id="2" name="Title 1">
+            <a:extLst>
+              <a:ext uri="{FF2B5EF4-FFF2-40B4-BE49-F238E27FC236}">
+                <a16:creationId xmlns:a16="http://schemas.microsoft.com/office/drawing/2014/main" id="{41B5C587-4962-4E00-A54B-F8B9FE251918}"/>
+              </a:ext>
+            </a:extLst>
+          </p:cNvPr>
+          <p:cNvSpPr>
+            <a:spLocks noGrp="1"/>
+          </p:cNvSpPr>
+          <p:nvPr>
+            <p:ph type="title"/>
+          </p:nvPr>
+        </p:nvSpPr>
+        <p:spPr/>
+        <p:txBody>
+          <a:bodyPr/>
+          <a:lstStyle/>
+          <a:p>
+            <a:r>
+              <a:rPr lang="en-US" dirty="0"/>
+              <a:t>Objective: </a:t>
+            </a:r>
+          </a:p>
+        </p:txBody>
+      </p:sp>
+      <p:sp>
+        <p:nvSpPr>
+          <p:cNvPr id="3" name="Content Placeholder 2">
+            <a:extLst>
+              <a:ext uri="{FF2B5EF4-FFF2-40B4-BE49-F238E27FC236}">
+                <a16:creationId xmlns:a16="http://schemas.microsoft.com/office/drawing/2014/main" id="{129B7FB5-54B8-4545-A8C7-1D4B4C033F1E}"/>
+              </a:ext>
+            </a:extLst>
+          </p:cNvPr>
+          <p:cNvSpPr>
+            <a:spLocks noGrp="1"/>
+          </p:cNvSpPr>
+          <p:nvPr>
+            <p:ph idx="1"/>
+          </p:nvPr>
+        </p:nvSpPr>
+        <p:spPr/>
+        <p:txBody>
+          <a:bodyPr/>
+          <a:lstStyle/>
+          <a:p>
+            <a:r>
+              <a:rPr lang="en-US" dirty="0"/>
+              <a:t>The purpose of this project is to analyze US employment data to observe trends in computer and mathematical occupations based on location and job title </a:t>
+            </a:r>
+          </a:p>
+          <a:p>
+            <a:r>
+              <a:rPr lang="en-US" dirty="0"/>
+              <a:t>Our goal was to find the fastest growing occupations in the overall United States as well as the States with the fast growing job markets in computer and math related fields.  </a:t>
+            </a:r>
+          </a:p>
+        </p:txBody>
+      </p:sp>
+    </p:spTree>
+    <p:extLst>
+      <p:ext uri="{BB962C8B-B14F-4D97-AF65-F5344CB8AC3E}">
+        <p14:creationId xmlns:p14="http://schemas.microsoft.com/office/powerpoint/2010/main" val="829547005"/>
+      </p:ext>
+    </p:extLst>
+  </p:cSld>
+  <p:clrMapOvr>
+    <a:masterClrMapping/>
+  </p:clrMapOvr>
+</p:sld>
+</file>
+
+<file path=ppt/slides/slide3.xml><?xml version="1.0" encoding="utf-8"?>
+<p:sld xmlns:a="http://schemas.openxmlformats.org/drawingml/2006/main" xmlns:r="http://schemas.openxmlformats.org/officeDocument/2006/relationships" xmlns:p="http://schemas.openxmlformats.org/presentationml/2006/main">
+  <p:cSld>
+    <p:spTree>
+      <p:nvGrpSpPr>
+        <p:cNvPr id="1" name=""/>
+        <p:cNvGrpSpPr/>
+        <p:nvPr/>
+      </p:nvGrpSpPr>
+      <p:grpSpPr>
+        <a:xfrm>
+          <a:off x="0" y="0"/>
+          <a:ext cx="0" cy="0"/>
+          <a:chOff x="0" y="0"/>
+          <a:chExt cx="0" cy="0"/>
+        </a:xfrm>
+      </p:grpSpPr>
+      <p:sp>
+        <p:nvSpPr>
+          <p:cNvPr id="2" name="Title 1">
+            <a:extLst>
+              <a:ext uri="{FF2B5EF4-FFF2-40B4-BE49-F238E27FC236}">
+                <a16:creationId xmlns:a16="http://schemas.microsoft.com/office/drawing/2014/main" id="{B01FBC95-86CC-4C5D-80F0-CF41A33B1E9F}"/>
+              </a:ext>
+            </a:extLst>
+          </p:cNvPr>
+          <p:cNvSpPr>
+            <a:spLocks noGrp="1"/>
+          </p:cNvSpPr>
+          <p:nvPr>
+            <p:ph type="title"/>
+          </p:nvPr>
+        </p:nvSpPr>
+        <p:spPr/>
+        <p:txBody>
+          <a:bodyPr/>
+          <a:lstStyle/>
+          <a:p>
+            <a:r>
+              <a:rPr lang="en-US" dirty="0"/>
+              <a:t>Sources</a:t>
+            </a:r>
+          </a:p>
+        </p:txBody>
+      </p:sp>
+      <p:sp>
+        <p:nvSpPr>
+          <p:cNvPr id="3" name="Content Placeholder 2">
+            <a:extLst>
+              <a:ext uri="{FF2B5EF4-FFF2-40B4-BE49-F238E27FC236}">
+                <a16:creationId xmlns:a16="http://schemas.microsoft.com/office/drawing/2014/main" id="{CACC8578-D28C-470E-8EBE-3E9A3C6434E3}"/>
+              </a:ext>
+            </a:extLst>
+          </p:cNvPr>
+          <p:cNvSpPr>
+            <a:spLocks noGrp="1"/>
+          </p:cNvSpPr>
+          <p:nvPr>
+            <p:ph idx="1"/>
+          </p:nvPr>
+        </p:nvSpPr>
+        <p:spPr/>
+        <p:txBody>
+          <a:bodyPr/>
+          <a:lstStyle/>
+          <a:p>
+            <a:r>
+              <a:rPr lang="en-US" dirty="0"/>
+              <a:t>Bureau of Labor Statistics </a:t>
+            </a:r>
+          </a:p>
+          <a:p>
+            <a:r>
+              <a:rPr lang="en-US" dirty="0"/>
+              <a:t>US Census</a:t>
+            </a:r>
+          </a:p>
+        </p:txBody>
+      </p:sp>
+    </p:spTree>
+    <p:extLst>
+      <p:ext uri="{BB962C8B-B14F-4D97-AF65-F5344CB8AC3E}">
+        <p14:creationId xmlns:p14="http://schemas.microsoft.com/office/powerpoint/2010/main" val="774324736"/>
+      </p:ext>
+    </p:extLst>
+  </p:cSld>
+  <p:clrMapOvr>
+    <a:masterClrMapping/>
+  </p:clrMapOvr>
+</p:sld>
+</file>
+
+<file path=ppt/slides/slide4.xml><?xml version="1.0" encoding="utf-8"?>
+<p:sld xmlns:a="http://schemas.openxmlformats.org/drawingml/2006/main" xmlns:r="http://schemas.openxmlformats.org/officeDocument/2006/relationships" xmlns:p="http://schemas.openxmlformats.org/presentationml/2006/main">
+  <p:cSld>
+    <p:spTree>
+      <p:nvGrpSpPr>
+        <p:cNvPr id="1" name=""/>
+        <p:cNvGrpSpPr/>
+        <p:nvPr/>
+      </p:nvGrpSpPr>
+      <p:grpSpPr>
+        <a:xfrm>
+          <a:off x="0" y="0"/>
+          <a:ext cx="0" cy="0"/>
+          <a:chOff x="0" y="0"/>
+          <a:chExt cx="0" cy="0"/>
+        </a:xfrm>
+      </p:grpSpPr>
+      <p:sp>
+        <p:nvSpPr>
+          <p:cNvPr id="2" name="Title 1">
+            <a:extLst>
+              <a:ext uri="{FF2B5EF4-FFF2-40B4-BE49-F238E27FC236}">
+                <a16:creationId xmlns:a16="http://schemas.microsoft.com/office/drawing/2014/main" id="{717D7757-8714-4613-8595-A796A0CBF0B0}"/>
+              </a:ext>
+            </a:extLst>
+          </p:cNvPr>
+          <p:cNvSpPr>
+            <a:spLocks noGrp="1"/>
+          </p:cNvSpPr>
+          <p:nvPr>
+            <p:ph type="title"/>
+          </p:nvPr>
+        </p:nvSpPr>
+        <p:spPr/>
+        <p:txBody>
+          <a:bodyPr/>
+          <a:lstStyle/>
+          <a:p>
+            <a:r>
+              <a:rPr lang="en-US" dirty="0"/>
+              <a:t>Winnie</a:t>
+            </a:r>
+          </a:p>
+        </p:txBody>
+      </p:sp>
+      <p:sp>
+        <p:nvSpPr>
+          <p:cNvPr id="3" name="Content Placeholder 2">
+            <a:extLst>
+              <a:ext uri="{FF2B5EF4-FFF2-40B4-BE49-F238E27FC236}">
+                <a16:creationId xmlns:a16="http://schemas.microsoft.com/office/drawing/2014/main" id="{75897B1C-3F8F-4B5D-8723-E5115AF5882A}"/>
+              </a:ext>
+            </a:extLst>
+          </p:cNvPr>
+          <p:cNvSpPr>
+            <a:spLocks noGrp="1"/>
+          </p:cNvSpPr>
+          <p:nvPr>
+            <p:ph idx="1"/>
+          </p:nvPr>
+        </p:nvSpPr>
+        <p:spPr/>
+        <p:txBody>
+          <a:bodyPr/>
+          <a:lstStyle/>
+          <a:p>
+            <a:endParaRPr lang="en-US" dirty="0"/>
+          </a:p>
+        </p:txBody>
+      </p:sp>
+    </p:spTree>
+    <p:extLst>
+      <p:ext uri="{BB962C8B-B14F-4D97-AF65-F5344CB8AC3E}">
+        <p14:creationId xmlns:p14="http://schemas.microsoft.com/office/powerpoint/2010/main" val="2887634918"/>
+      </p:ext>
+    </p:extLst>
+  </p:cSld>
+  <p:clrMapOvr>
+    <a:masterClrMapping/>
+  </p:clrMapOvr>
+</p:sld>
+</file>
+
+<file path=ppt/slides/slide5.xml><?xml version="1.0" encoding="utf-8"?>
+<p:sld xmlns:a="http://schemas.openxmlformats.org/drawingml/2006/main" xmlns:r="http://schemas.openxmlformats.org/officeDocument/2006/relationships" xmlns:p="http://schemas.openxmlformats.org/presentationml/2006/main">
+  <p:cSld>
+    <p:spTree>
+      <p:nvGrpSpPr>
+        <p:cNvPr id="1" name=""/>
+        <p:cNvGrpSpPr/>
+        <p:nvPr/>
+      </p:nvGrpSpPr>
+      <p:grpSpPr>
+        <a:xfrm>
+          <a:off x="0" y="0"/>
+          <a:ext cx="0" cy="0"/>
+          <a:chOff x="0" y="0"/>
+          <a:chExt cx="0" cy="0"/>
+        </a:xfrm>
+      </p:grpSpPr>
+      <p:sp>
+        <p:nvSpPr>
+          <p:cNvPr id="2" name="Title 1">
+            <a:extLst>
+              <a:ext uri="{FF2B5EF4-FFF2-40B4-BE49-F238E27FC236}">
+                <a16:creationId xmlns:a16="http://schemas.microsoft.com/office/drawing/2014/main" id="{E80769E6-E72A-43B2-A1B8-F93BB58EBCF1}"/>
+              </a:ext>
+            </a:extLst>
+          </p:cNvPr>
+          <p:cNvSpPr>
+            <a:spLocks noGrp="1"/>
+          </p:cNvSpPr>
+          <p:nvPr>
+            <p:ph type="title"/>
+          </p:nvPr>
+        </p:nvSpPr>
+        <p:spPr/>
+        <p:txBody>
+          <a:bodyPr/>
+          <a:lstStyle/>
+          <a:p>
+            <a:r>
+              <a:rPr lang="en-US" dirty="0"/>
+              <a:t>Winnie</a:t>
+            </a:r>
+          </a:p>
+        </p:txBody>
+      </p:sp>
+      <p:sp>
+        <p:nvSpPr>
+          <p:cNvPr id="3" name="Content Placeholder 2">
+            <a:extLst>
+              <a:ext uri="{FF2B5EF4-FFF2-40B4-BE49-F238E27FC236}">
+                <a16:creationId xmlns:a16="http://schemas.microsoft.com/office/drawing/2014/main" id="{042EA9A0-8A70-467F-9BDD-8BDE00ED3F54}"/>
+              </a:ext>
+            </a:extLst>
+          </p:cNvPr>
+          <p:cNvSpPr>
+            <a:spLocks noGrp="1"/>
+          </p:cNvSpPr>
+          <p:nvPr>
+            <p:ph idx="1"/>
+          </p:nvPr>
+        </p:nvSpPr>
+        <p:spPr/>
+        <p:txBody>
+          <a:bodyPr/>
+          <a:lstStyle/>
+          <a:p>
+            <a:endParaRPr lang="en-US"/>
+          </a:p>
+        </p:txBody>
+      </p:sp>
+    </p:spTree>
+    <p:extLst>
+      <p:ext uri="{BB962C8B-B14F-4D97-AF65-F5344CB8AC3E}">
+        <p14:creationId xmlns:p14="http://schemas.microsoft.com/office/powerpoint/2010/main" val="4070366471"/>
+      </p:ext>
+    </p:extLst>
+  </p:cSld>
+  <p:clrMapOvr>
+    <a:masterClrMapping/>
+  </p:clrMapOvr>
+</p:sld>
+</file>
+
+<file path=ppt/slides/slide6.xml><?xml version="1.0" encoding="utf-8"?>
+<p:sld xmlns:a="http://schemas.openxmlformats.org/drawingml/2006/main" xmlns:r="http://schemas.openxmlformats.org/officeDocument/2006/relationships" xmlns:p="http://schemas.openxmlformats.org/presentationml/2006/main">
+  <p:cSld>
+    <p:spTree>
+      <p:nvGrpSpPr>
+        <p:cNvPr id="1" name=""/>
+        <p:cNvGrpSpPr/>
+        <p:nvPr/>
+      </p:nvGrpSpPr>
+      <p:grpSpPr>
+        <a:xfrm>
+          <a:off x="0" y="0"/>
+          <a:ext cx="0" cy="0"/>
+          <a:chOff x="0" y="0"/>
+          <a:chExt cx="0" cy="0"/>
+        </a:xfrm>
+      </p:grpSpPr>
+      <p:sp>
+        <p:nvSpPr>
+          <p:cNvPr id="2" name="Title 1">
+            <a:extLst>
+              <a:ext uri="{FF2B5EF4-FFF2-40B4-BE49-F238E27FC236}">
+                <a16:creationId xmlns:a16="http://schemas.microsoft.com/office/drawing/2014/main" id="{2D735C2E-11B8-4862-AAB7-ED5664770D2E}"/>
+              </a:ext>
+            </a:extLst>
+          </p:cNvPr>
+          <p:cNvSpPr>
+            <a:spLocks noGrp="1"/>
+          </p:cNvSpPr>
+          <p:nvPr>
+            <p:ph type="title"/>
+          </p:nvPr>
+        </p:nvSpPr>
+        <p:spPr/>
+        <p:txBody>
+          <a:bodyPr/>
+          <a:lstStyle/>
+          <a:p>
+            <a:r>
+              <a:rPr lang="en-US" dirty="0"/>
+              <a:t>Winnie</a:t>
+            </a:r>
+          </a:p>
+        </p:txBody>
+      </p:sp>
+      <p:sp>
+        <p:nvSpPr>
+          <p:cNvPr id="3" name="Content Placeholder 2">
+            <a:extLst>
+              <a:ext uri="{FF2B5EF4-FFF2-40B4-BE49-F238E27FC236}">
+                <a16:creationId xmlns:a16="http://schemas.microsoft.com/office/drawing/2014/main" id="{A1BF3F66-EBAC-4059-95DC-84F0A2D0D9F8}"/>
+              </a:ext>
+            </a:extLst>
+          </p:cNvPr>
+          <p:cNvSpPr>
+            <a:spLocks noGrp="1"/>
+          </p:cNvSpPr>
+          <p:nvPr>
+            <p:ph idx="1"/>
+          </p:nvPr>
+        </p:nvSpPr>
+        <p:spPr/>
+        <p:txBody>
+          <a:bodyPr/>
+          <a:lstStyle/>
+          <a:p>
+            <a:endParaRPr lang="en-US"/>
+          </a:p>
+        </p:txBody>
+      </p:sp>
+    </p:spTree>
+    <p:extLst>
+      <p:ext uri="{BB962C8B-B14F-4D97-AF65-F5344CB8AC3E}">
+        <p14:creationId xmlns:p14="http://schemas.microsoft.com/office/powerpoint/2010/main" val="4084077749"/>
+      </p:ext>
+    </p:extLst>
+  </p:cSld>
+  <p:clrMapOvr>
+    <a:masterClrMapping/>
+  </p:clrMapOvr>
+</p:sld>
+</file>
+
+<file path=ppt/slides/slide7.xml><?xml version="1.0" encoding="utf-8"?>
+<p:sld xmlns:a="http://schemas.openxmlformats.org/drawingml/2006/main" xmlns:r="http://schemas.openxmlformats.org/officeDocument/2006/relationships" xmlns:p="http://schemas.openxmlformats.org/presentationml/2006/main">
+  <p:cSld>
+    <p:spTree>
+      <p:nvGrpSpPr>
+        <p:cNvPr id="1" name=""/>
+        <p:cNvGrpSpPr/>
+        <p:nvPr/>
+      </p:nvGrpSpPr>
+      <p:grpSpPr>
+        <a:xfrm>
+          <a:off x="0" y="0"/>
+          <a:ext cx="0" cy="0"/>
+          <a:chOff x="0" y="0"/>
+          <a:chExt cx="0" cy="0"/>
+        </a:xfrm>
+      </p:grpSpPr>
+      <p:sp>
+        <p:nvSpPr>
+          <p:cNvPr id="2" name="Title 1">
+            <a:extLst>
+              <a:ext uri="{FF2B5EF4-FFF2-40B4-BE49-F238E27FC236}">
+                <a16:creationId xmlns:a16="http://schemas.microsoft.com/office/drawing/2014/main" id="{5E54B0BD-FF8D-4E11-9BEB-3F77438508DA}"/>
+              </a:ext>
+            </a:extLst>
+          </p:cNvPr>
+          <p:cNvSpPr>
+            <a:spLocks noGrp="1"/>
+          </p:cNvSpPr>
+          <p:nvPr>
+            <p:ph type="title"/>
+          </p:nvPr>
+        </p:nvSpPr>
+        <p:spPr/>
+        <p:txBody>
+          <a:bodyPr/>
+          <a:lstStyle/>
+          <a:p>
+            <a:r>
+              <a:rPr lang="en-US" dirty="0"/>
+              <a:t>Winnie</a:t>
+            </a:r>
+          </a:p>
+        </p:txBody>
+      </p:sp>
+      <p:sp>
+        <p:nvSpPr>
+          <p:cNvPr id="3" name="Content Placeholder 2">
+            <a:extLst>
+              <a:ext uri="{FF2B5EF4-FFF2-40B4-BE49-F238E27FC236}">
+                <a16:creationId xmlns:a16="http://schemas.microsoft.com/office/drawing/2014/main" id="{D5826885-9438-4A25-96CD-3B3831A94768}"/>
+              </a:ext>
+            </a:extLst>
+          </p:cNvPr>
+          <p:cNvSpPr>
+            <a:spLocks noGrp="1"/>
+          </p:cNvSpPr>
+          <p:nvPr>
+            <p:ph idx="1"/>
+          </p:nvPr>
+        </p:nvSpPr>
+        <p:spPr/>
+        <p:txBody>
+          <a:bodyPr/>
+          <a:lstStyle/>
+          <a:p>
+            <a:endParaRPr lang="en-US"/>
+          </a:p>
+        </p:txBody>
+      </p:sp>
+    </p:spTree>
+    <p:extLst>
+      <p:ext uri="{BB962C8B-B14F-4D97-AF65-F5344CB8AC3E}">
+        <p14:creationId xmlns:p14="http://schemas.microsoft.com/office/powerpoint/2010/main" val="3186251840"/>
+      </p:ext>
+    </p:extLst>
+  </p:cSld>
+  <p:clrMapOvr>
+    <a:masterClrMapping/>
+  </p:clrMapOvr>
+</p:sld>
+</file>
+
+<file path=ppt/slides/slide8.xml><?xml version="1.0" encoding="utf-8"?>
+<p:sld xmlns:a="http://schemas.openxmlformats.org/drawingml/2006/main" xmlns:r="http://schemas.openxmlformats.org/officeDocument/2006/relationships" xmlns:p="http://schemas.openxmlformats.org/presentationml/2006/main">
+  <p:cSld>
+    <p:spTree>
+      <p:nvGrpSpPr>
+        <p:cNvPr id="1" name=""/>
+        <p:cNvGrpSpPr/>
+        <p:nvPr/>
+      </p:nvGrpSpPr>
+      <p:grpSpPr>
+        <a:xfrm>
+          <a:off x="0" y="0"/>
+          <a:ext cx="0" cy="0"/>
+          <a:chOff x="0" y="0"/>
+          <a:chExt cx="0" cy="0"/>
+        </a:xfrm>
+      </p:grpSpPr>
+      <p:sp>
+        <p:nvSpPr>
+          <p:cNvPr id="2" name="Title 1">
+            <a:extLst>
+              <a:ext uri="{FF2B5EF4-FFF2-40B4-BE49-F238E27FC236}">
+                <a16:creationId xmlns:a16="http://schemas.microsoft.com/office/drawing/2014/main" id="{5BC62E2F-3F84-4D24-A181-6AB0713EA83D}"/>
+              </a:ext>
+            </a:extLst>
+          </p:cNvPr>
+          <p:cNvSpPr>
+            <a:spLocks noGrp="1"/>
+          </p:cNvSpPr>
+          <p:nvPr>
+            <p:ph type="title"/>
+          </p:nvPr>
+        </p:nvSpPr>
+        <p:spPr/>
+        <p:txBody>
+          <a:bodyPr/>
+          <a:lstStyle/>
+          <a:p>
+            <a:r>
+              <a:rPr lang="en-US" dirty="0"/>
+              <a:t>Rob</a:t>
+            </a:r>
+          </a:p>
+        </p:txBody>
+      </p:sp>
+      <p:sp>
+        <p:nvSpPr>
+          <p:cNvPr id="3" name="Content Placeholder 2">
+            <a:extLst>
+              <a:ext uri="{FF2B5EF4-FFF2-40B4-BE49-F238E27FC236}">
+                <a16:creationId xmlns:a16="http://schemas.microsoft.com/office/drawing/2014/main" id="{44421017-3198-4C0E-8920-4B392F51EC4B}"/>
+              </a:ext>
+            </a:extLst>
+          </p:cNvPr>
+          <p:cNvSpPr>
+            <a:spLocks noGrp="1"/>
+          </p:cNvSpPr>
+          <p:nvPr>
+            <p:ph idx="1"/>
+          </p:nvPr>
+        </p:nvSpPr>
+        <p:spPr/>
+        <p:txBody>
+          <a:bodyPr/>
+          <a:lstStyle/>
+          <a:p>
+            <a:endParaRPr lang="en-US" dirty="0"/>
+          </a:p>
+        </p:txBody>
+      </p:sp>
+    </p:spTree>
+    <p:extLst>
+      <p:ext uri="{BB962C8B-B14F-4D97-AF65-F5344CB8AC3E}">
+        <p14:creationId xmlns:p14="http://schemas.microsoft.com/office/powerpoint/2010/main" val="2712049356"/>
+      </p:ext>
+    </p:extLst>
+  </p:cSld>
+  <p:clrMapOvr>
+    <a:masterClrMapping/>
+  </p:clrMapOvr>
+</p:sld>
+</file>
+
+<file path=ppt/slides/slide9.xml><?xml version="1.0" encoding="utf-8"?>
+<p:sld xmlns:a="http://schemas.openxmlformats.org/drawingml/2006/main" xmlns:r="http://schemas.openxmlformats.org/officeDocument/2006/relationships" xmlns:p="http://schemas.openxmlformats.org/presentationml/2006/main">
+  <p:cSld>
+    <p:spTree>
+      <p:nvGrpSpPr>
+        <p:cNvPr id="1" name=""/>
+        <p:cNvGrpSpPr/>
+        <p:nvPr/>
+      </p:nvGrpSpPr>
+      <p:grpSpPr>
+        <a:xfrm>
+          <a:off x="0" y="0"/>
+          <a:ext cx="0" cy="0"/>
+          <a:chOff x="0" y="0"/>
+          <a:chExt cx="0" cy="0"/>
+        </a:xfrm>
+      </p:grpSpPr>
+      <p:sp>
+        <p:nvSpPr>
+          <p:cNvPr id="2" name="Title 1">
+            <a:extLst>
+              <a:ext uri="{FF2B5EF4-FFF2-40B4-BE49-F238E27FC236}">
+                <a16:creationId xmlns:a16="http://schemas.microsoft.com/office/drawing/2014/main" id="{AB68570A-62BD-4471-B097-C694410375A6}"/>
+              </a:ext>
+            </a:extLst>
+          </p:cNvPr>
+          <p:cNvSpPr>
+            <a:spLocks noGrp="1"/>
+          </p:cNvSpPr>
+          <p:nvPr>
+            <p:ph type="title"/>
+          </p:nvPr>
+        </p:nvSpPr>
+        <p:spPr/>
+        <p:txBody>
+          <a:bodyPr/>
+          <a:lstStyle/>
+          <a:p>
+            <a:r>
+              <a:rPr lang="en-US" dirty="0"/>
+              <a:t>Rob</a:t>
+            </a:r>
+          </a:p>
+        </p:txBody>
+      </p:sp>
+      <p:sp>
+        <p:nvSpPr>
+          <p:cNvPr id="3" name="Content Placeholder 2">
+            <a:extLst>
+              <a:ext uri="{FF2B5EF4-FFF2-40B4-BE49-F238E27FC236}">
+                <a16:creationId xmlns:a16="http://schemas.microsoft.com/office/drawing/2014/main" id="{A42855D1-93E7-4E7A-8085-8280AD128517}"/>
+              </a:ext>
+            </a:extLst>
+          </p:cNvPr>
+          <p:cNvSpPr>
+            <a:spLocks noGrp="1"/>
+          </p:cNvSpPr>
+          <p:nvPr>
+            <p:ph idx="1"/>
+          </p:nvPr>
+        </p:nvSpPr>
+        <p:spPr/>
+        <p:txBody>
+          <a:bodyPr/>
+          <a:lstStyle/>
+          <a:p>
+            <a:endParaRPr lang="en-US"/>
+          </a:p>
+        </p:txBody>
+      </p:sp>
+    </p:spTree>
+    <p:extLst>
+      <p:ext uri="{BB962C8B-B14F-4D97-AF65-F5344CB8AC3E}">
+        <p14:creationId xmlns:p14="http://schemas.microsoft.com/office/powerpoint/2010/main" val="2853244973"/>
       </p:ext>
     </p:extLst>
   </p:cSld>

--- a/Group_7_Presentation.pptx
+++ b/Group_7_Presentation.pptx
@@ -259,7 +259,7 @@
           <a:p>
             <a:fld id="{5DEA3F82-8CB4-4B0C-B6BE-1390C73654E0}" type="datetimeFigureOut">
               <a:rPr lang="en-US" smtClean="0"/>
-              <a:t>3/30/2019</a:t>
+              <a:t>3/31/2019</a:t>
             </a:fld>
             <a:endParaRPr lang="en-US"/>
           </a:p>
@@ -427,7 +427,7 @@
           <a:p>
             <a:fld id="{5DEA3F82-8CB4-4B0C-B6BE-1390C73654E0}" type="datetimeFigureOut">
               <a:rPr lang="en-US" smtClean="0"/>
-              <a:t>3/30/2019</a:t>
+              <a:t>3/31/2019</a:t>
             </a:fld>
             <a:endParaRPr lang="en-US"/>
           </a:p>
@@ -605,7 +605,7 @@
           <a:p>
             <a:fld id="{5DEA3F82-8CB4-4B0C-B6BE-1390C73654E0}" type="datetimeFigureOut">
               <a:rPr lang="en-US" smtClean="0"/>
-              <a:t>3/30/2019</a:t>
+              <a:t>3/31/2019</a:t>
             </a:fld>
             <a:endParaRPr lang="en-US"/>
           </a:p>
@@ -773,7 +773,7 @@
           <a:p>
             <a:fld id="{5DEA3F82-8CB4-4B0C-B6BE-1390C73654E0}" type="datetimeFigureOut">
               <a:rPr lang="en-US" smtClean="0"/>
-              <a:t>3/30/2019</a:t>
+              <a:t>3/31/2019</a:t>
             </a:fld>
             <a:endParaRPr lang="en-US"/>
           </a:p>
@@ -1018,7 +1018,7 @@
           <a:p>
             <a:fld id="{5DEA3F82-8CB4-4B0C-B6BE-1390C73654E0}" type="datetimeFigureOut">
               <a:rPr lang="en-US" smtClean="0"/>
-              <a:t>3/30/2019</a:t>
+              <a:t>3/31/2019</a:t>
             </a:fld>
             <a:endParaRPr lang="en-US"/>
           </a:p>
@@ -1247,7 +1247,7 @@
           <a:p>
             <a:fld id="{5DEA3F82-8CB4-4B0C-B6BE-1390C73654E0}" type="datetimeFigureOut">
               <a:rPr lang="en-US" smtClean="0"/>
-              <a:t>3/30/2019</a:t>
+              <a:t>3/31/2019</a:t>
             </a:fld>
             <a:endParaRPr lang="en-US"/>
           </a:p>
@@ -1611,7 +1611,7 @@
           <a:p>
             <a:fld id="{5DEA3F82-8CB4-4B0C-B6BE-1390C73654E0}" type="datetimeFigureOut">
               <a:rPr lang="en-US" smtClean="0"/>
-              <a:t>3/30/2019</a:t>
+              <a:t>3/31/2019</a:t>
             </a:fld>
             <a:endParaRPr lang="en-US"/>
           </a:p>
@@ -1728,7 +1728,7 @@
           <a:p>
             <a:fld id="{5DEA3F82-8CB4-4B0C-B6BE-1390C73654E0}" type="datetimeFigureOut">
               <a:rPr lang="en-US" smtClean="0"/>
-              <a:t>3/30/2019</a:t>
+              <a:t>3/31/2019</a:t>
             </a:fld>
             <a:endParaRPr lang="en-US"/>
           </a:p>
@@ -1823,7 +1823,7 @@
           <a:p>
             <a:fld id="{5DEA3F82-8CB4-4B0C-B6BE-1390C73654E0}" type="datetimeFigureOut">
               <a:rPr lang="en-US" smtClean="0"/>
-              <a:t>3/30/2019</a:t>
+              <a:t>3/31/2019</a:t>
             </a:fld>
             <a:endParaRPr lang="en-US"/>
           </a:p>
@@ -2098,7 +2098,7 @@
           <a:p>
             <a:fld id="{5DEA3F82-8CB4-4B0C-B6BE-1390C73654E0}" type="datetimeFigureOut">
               <a:rPr lang="en-US" smtClean="0"/>
-              <a:t>3/30/2019</a:t>
+              <a:t>3/31/2019</a:t>
             </a:fld>
             <a:endParaRPr lang="en-US"/>
           </a:p>
@@ -2350,7 +2350,7 @@
           <a:p>
             <a:fld id="{5DEA3F82-8CB4-4B0C-B6BE-1390C73654E0}" type="datetimeFigureOut">
               <a:rPr lang="en-US" smtClean="0"/>
-              <a:t>3/30/2019</a:t>
+              <a:t>3/31/2019</a:t>
             </a:fld>
             <a:endParaRPr lang="en-US"/>
           </a:p>
@@ -2561,7 +2561,7 @@
           <a:p>
             <a:fld id="{5DEA3F82-8CB4-4B0C-B6BE-1390C73654E0}" type="datetimeFigureOut">
               <a:rPr lang="en-US" smtClean="0"/>
-              <a:t>3/30/2019</a:t>
+              <a:t>3/31/2019</a:t>
             </a:fld>
             <a:endParaRPr lang="en-US"/>
           </a:p>
@@ -3055,7 +3055,7 @@
           <p:cNvPr id="2" name="Title 1">
             <a:extLst>
               <a:ext uri="{FF2B5EF4-FFF2-40B4-BE49-F238E27FC236}">
-                <a16:creationId xmlns:a16="http://schemas.microsoft.com/office/drawing/2014/main" id="{78B99B29-14C1-41E4-9AC8-5AAC36F4C384}"/>
+                <a16:creationId xmlns:a16="http://schemas.microsoft.com/office/drawing/2014/main" xmlns="" id="{78B99B29-14C1-41E4-9AC8-5AAC36F4C384}"/>
               </a:ext>
             </a:extLst>
           </p:cNvPr>
@@ -3083,7 +3083,7 @@
           <p:cNvPr id="3" name="Content Placeholder 2">
             <a:extLst>
               <a:ext uri="{FF2B5EF4-FFF2-40B4-BE49-F238E27FC236}">
-                <a16:creationId xmlns:a16="http://schemas.microsoft.com/office/drawing/2014/main" id="{217DF154-F65A-4479-826C-9C8777C22D6A}"/>
+                <a16:creationId xmlns:a16="http://schemas.microsoft.com/office/drawing/2014/main" xmlns="" id="{217DF154-F65A-4479-826C-9C8777C22D6A}"/>
               </a:ext>
             </a:extLst>
           </p:cNvPr>
@@ -3138,7 +3138,7 @@
           <p:cNvPr id="2" name="Title 1">
             <a:extLst>
               <a:ext uri="{FF2B5EF4-FFF2-40B4-BE49-F238E27FC236}">
-                <a16:creationId xmlns:a16="http://schemas.microsoft.com/office/drawing/2014/main" id="{7256FCE9-7BE9-4F85-87B5-C52DFBE161F5}"/>
+                <a16:creationId xmlns:a16="http://schemas.microsoft.com/office/drawing/2014/main" xmlns="" id="{7256FCE9-7BE9-4F85-87B5-C52DFBE161F5}"/>
               </a:ext>
             </a:extLst>
           </p:cNvPr>
@@ -3166,7 +3166,7 @@
           <p:cNvPr id="3" name="Content Placeholder 2">
             <a:extLst>
               <a:ext uri="{FF2B5EF4-FFF2-40B4-BE49-F238E27FC236}">
-                <a16:creationId xmlns:a16="http://schemas.microsoft.com/office/drawing/2014/main" id="{D18A4F9A-AF0B-43FB-AC8B-3A6E95478A93}"/>
+                <a16:creationId xmlns:a16="http://schemas.microsoft.com/office/drawing/2014/main" xmlns="" id="{D18A4F9A-AF0B-43FB-AC8B-3A6E95478A93}"/>
               </a:ext>
             </a:extLst>
           </p:cNvPr>
@@ -3221,7 +3221,7 @@
           <p:cNvPr id="2" name="Title 1">
             <a:extLst>
               <a:ext uri="{FF2B5EF4-FFF2-40B4-BE49-F238E27FC236}">
-                <a16:creationId xmlns:a16="http://schemas.microsoft.com/office/drawing/2014/main" id="{1B1F4B00-EF37-4C07-9537-1E831E501C38}"/>
+                <a16:creationId xmlns:a16="http://schemas.microsoft.com/office/drawing/2014/main" xmlns="" id="{1B1F4B00-EF37-4C07-9537-1E831E501C38}"/>
               </a:ext>
             </a:extLst>
           </p:cNvPr>
@@ -3249,7 +3249,7 @@
           <p:cNvPr id="3" name="Content Placeholder 2">
             <a:extLst>
               <a:ext uri="{FF2B5EF4-FFF2-40B4-BE49-F238E27FC236}">
-                <a16:creationId xmlns:a16="http://schemas.microsoft.com/office/drawing/2014/main" id="{21F9F2CA-ECC9-484B-B753-0CB92985B738}"/>
+                <a16:creationId xmlns:a16="http://schemas.microsoft.com/office/drawing/2014/main" xmlns="" id="{21F9F2CA-ECC9-484B-B753-0CB92985B738}"/>
               </a:ext>
             </a:extLst>
           </p:cNvPr>
@@ -3304,7 +3304,7 @@
           <p:cNvPr id="2" name="Title 1">
             <a:extLst>
               <a:ext uri="{FF2B5EF4-FFF2-40B4-BE49-F238E27FC236}">
-                <a16:creationId xmlns:a16="http://schemas.microsoft.com/office/drawing/2014/main" id="{5C464BB5-BAE0-4F49-A1DD-88A4EFCEA646}"/>
+                <a16:creationId xmlns:a16="http://schemas.microsoft.com/office/drawing/2014/main" xmlns="" id="{5C464BB5-BAE0-4F49-A1DD-88A4EFCEA646}"/>
               </a:ext>
             </a:extLst>
           </p:cNvPr>
@@ -3332,7 +3332,7 @@
           <p:cNvPr id="3" name="Content Placeholder 2">
             <a:extLst>
               <a:ext uri="{FF2B5EF4-FFF2-40B4-BE49-F238E27FC236}">
-                <a16:creationId xmlns:a16="http://schemas.microsoft.com/office/drawing/2014/main" id="{7A73EA22-73B0-4644-8354-45C9301D4F9A}"/>
+                <a16:creationId xmlns:a16="http://schemas.microsoft.com/office/drawing/2014/main" xmlns="" id="{7A73EA22-73B0-4644-8354-45C9301D4F9A}"/>
               </a:ext>
             </a:extLst>
           </p:cNvPr>
@@ -3387,7 +3387,7 @@
           <p:cNvPr id="2" name="Title 1">
             <a:extLst>
               <a:ext uri="{FF2B5EF4-FFF2-40B4-BE49-F238E27FC236}">
-                <a16:creationId xmlns:a16="http://schemas.microsoft.com/office/drawing/2014/main" id="{0A097A61-2BE1-4484-B5FE-BDD79AC2A033}"/>
+                <a16:creationId xmlns:a16="http://schemas.microsoft.com/office/drawing/2014/main" xmlns="" id="{0A097A61-2BE1-4484-B5FE-BDD79AC2A033}"/>
               </a:ext>
             </a:extLst>
           </p:cNvPr>
@@ -3415,7 +3415,7 @@
           <p:cNvPr id="3" name="Content Placeholder 2">
             <a:extLst>
               <a:ext uri="{FF2B5EF4-FFF2-40B4-BE49-F238E27FC236}">
-                <a16:creationId xmlns:a16="http://schemas.microsoft.com/office/drawing/2014/main" id="{83C2C619-B699-4459-A2C7-9AD87D27386F}"/>
+                <a16:creationId xmlns:a16="http://schemas.microsoft.com/office/drawing/2014/main" xmlns="" id="{83C2C619-B699-4459-A2C7-9AD87D27386F}"/>
               </a:ext>
             </a:extLst>
           </p:cNvPr>
@@ -3470,7 +3470,7 @@
           <p:cNvPr id="2" name="Title 1">
             <a:extLst>
               <a:ext uri="{FF2B5EF4-FFF2-40B4-BE49-F238E27FC236}">
-                <a16:creationId xmlns:a16="http://schemas.microsoft.com/office/drawing/2014/main" id="{F56923BD-4174-427E-B1BE-21D59A005378}"/>
+                <a16:creationId xmlns:a16="http://schemas.microsoft.com/office/drawing/2014/main" xmlns="" id="{F56923BD-4174-427E-B1BE-21D59A005378}"/>
               </a:ext>
             </a:extLst>
           </p:cNvPr>
@@ -3498,7 +3498,7 @@
           <p:cNvPr id="3" name="Content Placeholder 2">
             <a:extLst>
               <a:ext uri="{FF2B5EF4-FFF2-40B4-BE49-F238E27FC236}">
-                <a16:creationId xmlns:a16="http://schemas.microsoft.com/office/drawing/2014/main" id="{36E2CC5B-B959-49E0-A58A-CCFD68B3DB72}"/>
+                <a16:creationId xmlns:a16="http://schemas.microsoft.com/office/drawing/2014/main" xmlns="" id="{36E2CC5B-B959-49E0-A58A-CCFD68B3DB72}"/>
               </a:ext>
             </a:extLst>
           </p:cNvPr>
@@ -3553,7 +3553,7 @@
           <p:cNvPr id="2" name="Title 1">
             <a:extLst>
               <a:ext uri="{FF2B5EF4-FFF2-40B4-BE49-F238E27FC236}">
-                <a16:creationId xmlns:a16="http://schemas.microsoft.com/office/drawing/2014/main" id="{21D3167F-30A9-4F8D-99EE-386A1F094613}"/>
+                <a16:creationId xmlns:a16="http://schemas.microsoft.com/office/drawing/2014/main" xmlns="" id="{21D3167F-30A9-4F8D-99EE-386A1F094613}"/>
               </a:ext>
             </a:extLst>
           </p:cNvPr>
@@ -3581,7 +3581,7 @@
           <p:cNvPr id="3" name="Content Placeholder 2">
             <a:extLst>
               <a:ext uri="{FF2B5EF4-FFF2-40B4-BE49-F238E27FC236}">
-                <a16:creationId xmlns:a16="http://schemas.microsoft.com/office/drawing/2014/main" id="{571BA543-3A3F-43F0-957D-37B7A83B0853}"/>
+                <a16:creationId xmlns:a16="http://schemas.microsoft.com/office/drawing/2014/main" xmlns="" id="{571BA543-3A3F-43F0-957D-37B7A83B0853}"/>
               </a:ext>
             </a:extLst>
           </p:cNvPr>
@@ -3639,7 +3639,7 @@
           <p:cNvPr id="2" name="Title 1">
             <a:extLst>
               <a:ext uri="{FF2B5EF4-FFF2-40B4-BE49-F238E27FC236}">
-                <a16:creationId xmlns:a16="http://schemas.microsoft.com/office/drawing/2014/main" id="{D8975F0A-4727-47D2-96A8-DFAC0FBD6C91}"/>
+                <a16:creationId xmlns:a16="http://schemas.microsoft.com/office/drawing/2014/main" xmlns="" id="{D8975F0A-4727-47D2-96A8-DFAC0FBD6C91}"/>
               </a:ext>
             </a:extLst>
           </p:cNvPr>
@@ -3667,7 +3667,7 @@
           <p:cNvPr id="3" name="Content Placeholder 2">
             <a:extLst>
               <a:ext uri="{FF2B5EF4-FFF2-40B4-BE49-F238E27FC236}">
-                <a16:creationId xmlns:a16="http://schemas.microsoft.com/office/drawing/2014/main" id="{C69386F3-A2F7-4C59-B5D1-F22F1E51F196}"/>
+                <a16:creationId xmlns:a16="http://schemas.microsoft.com/office/drawing/2014/main" xmlns="" id="{C69386F3-A2F7-4C59-B5D1-F22F1E51F196}"/>
               </a:ext>
             </a:extLst>
           </p:cNvPr>
@@ -3751,7 +3751,7 @@
           <p:cNvPr id="2" name="Title 1">
             <a:extLst>
               <a:ext uri="{FF2B5EF4-FFF2-40B4-BE49-F238E27FC236}">
-                <a16:creationId xmlns:a16="http://schemas.microsoft.com/office/drawing/2014/main" id="{E1C9EF35-DC7C-428F-A8C6-930DEFB1E1DB}"/>
+                <a16:creationId xmlns:a16="http://schemas.microsoft.com/office/drawing/2014/main" xmlns="" id="{E1C9EF35-DC7C-428F-A8C6-930DEFB1E1DB}"/>
               </a:ext>
             </a:extLst>
           </p:cNvPr>
@@ -3779,7 +3779,7 @@
           <p:cNvPr id="3" name="Content Placeholder 2">
             <a:extLst>
               <a:ext uri="{FF2B5EF4-FFF2-40B4-BE49-F238E27FC236}">
-                <a16:creationId xmlns:a16="http://schemas.microsoft.com/office/drawing/2014/main" id="{1B82C285-6A5A-45FC-B1D5-1D0786CBCFB5}"/>
+                <a16:creationId xmlns:a16="http://schemas.microsoft.com/office/drawing/2014/main" xmlns="" id="{1B82C285-6A5A-45FC-B1D5-1D0786CBCFB5}"/>
               </a:ext>
             </a:extLst>
           </p:cNvPr>
@@ -3858,7 +3858,7 @@
           <p:cNvPr id="2" name="Title 1">
             <a:extLst>
               <a:ext uri="{FF2B5EF4-FFF2-40B4-BE49-F238E27FC236}">
-                <a16:creationId xmlns:a16="http://schemas.microsoft.com/office/drawing/2014/main" id="{55A6334A-68E7-42D4-919A-0C62BE53DBB2}"/>
+                <a16:creationId xmlns:a16="http://schemas.microsoft.com/office/drawing/2014/main" xmlns="" id="{55A6334A-68E7-42D4-919A-0C62BE53DBB2}"/>
               </a:ext>
             </a:extLst>
           </p:cNvPr>
@@ -3886,7 +3886,7 @@
           <p:cNvPr id="3" name="Content Placeholder 2">
             <a:extLst>
               <a:ext uri="{FF2B5EF4-FFF2-40B4-BE49-F238E27FC236}">
-                <a16:creationId xmlns:a16="http://schemas.microsoft.com/office/drawing/2014/main" id="{1C25BB28-A4EC-414D-859C-C7A0FCD1F980}"/>
+                <a16:creationId xmlns:a16="http://schemas.microsoft.com/office/drawing/2014/main" xmlns="" id="{1C25BB28-A4EC-414D-859C-C7A0FCD1F980}"/>
               </a:ext>
             </a:extLst>
           </p:cNvPr>
@@ -3941,7 +3941,7 @@
           <p:cNvPr id="2" name="Title 1">
             <a:extLst>
               <a:ext uri="{FF2B5EF4-FFF2-40B4-BE49-F238E27FC236}">
-                <a16:creationId xmlns:a16="http://schemas.microsoft.com/office/drawing/2014/main" id="{41B5C587-4962-4E00-A54B-F8B9FE251918}"/>
+                <a16:creationId xmlns:a16="http://schemas.microsoft.com/office/drawing/2014/main" xmlns="" id="{41B5C587-4962-4E00-A54B-F8B9FE251918}"/>
               </a:ext>
             </a:extLst>
           </p:cNvPr>
@@ -3969,7 +3969,7 @@
           <p:cNvPr id="3" name="Content Placeholder 2">
             <a:extLst>
               <a:ext uri="{FF2B5EF4-FFF2-40B4-BE49-F238E27FC236}">
-                <a16:creationId xmlns:a16="http://schemas.microsoft.com/office/drawing/2014/main" id="{129B7FB5-54B8-4545-A8C7-1D4B4C033F1E}"/>
+                <a16:creationId xmlns:a16="http://schemas.microsoft.com/office/drawing/2014/main" xmlns="" id="{129B7FB5-54B8-4545-A8C7-1D4B4C033F1E}"/>
               </a:ext>
             </a:extLst>
           </p:cNvPr>
@@ -4033,7 +4033,7 @@
           <p:cNvPr id="2" name="Title 1">
             <a:extLst>
               <a:ext uri="{FF2B5EF4-FFF2-40B4-BE49-F238E27FC236}">
-                <a16:creationId xmlns:a16="http://schemas.microsoft.com/office/drawing/2014/main" id="{B01FBC95-86CC-4C5D-80F0-CF41A33B1E9F}"/>
+                <a16:creationId xmlns:a16="http://schemas.microsoft.com/office/drawing/2014/main" xmlns="" id="{B01FBC95-86CC-4C5D-80F0-CF41A33B1E9F}"/>
               </a:ext>
             </a:extLst>
           </p:cNvPr>
@@ -4061,7 +4061,7 @@
           <p:cNvPr id="3" name="Content Placeholder 2">
             <a:extLst>
               <a:ext uri="{FF2B5EF4-FFF2-40B4-BE49-F238E27FC236}">
-                <a16:creationId xmlns:a16="http://schemas.microsoft.com/office/drawing/2014/main" id="{CACC8578-D28C-470E-8EBE-3E9A3C6434E3}"/>
+                <a16:creationId xmlns:a16="http://schemas.microsoft.com/office/drawing/2014/main" xmlns="" id="{CACC8578-D28C-470E-8EBE-3E9A3C6434E3}"/>
               </a:ext>
             </a:extLst>
           </p:cNvPr>
@@ -4122,10 +4122,10 @@
       </p:grpSpPr>
       <p:sp>
         <p:nvSpPr>
-          <p:cNvPr id="2" name="Title 1">
+          <p:cNvPr id="3" name="Content Placeholder 2">
             <a:extLst>
               <a:ext uri="{FF2B5EF4-FFF2-40B4-BE49-F238E27FC236}">
-                <a16:creationId xmlns:a16="http://schemas.microsoft.com/office/drawing/2014/main" id="{717D7757-8714-4613-8595-A796A0CBF0B0}"/>
+                <a16:creationId xmlns:a16="http://schemas.microsoft.com/office/drawing/2014/main" xmlns="" id="{75897B1C-3F8F-4B5D-8723-E5115AF5882A}"/>
               </a:ext>
             </a:extLst>
           </p:cNvPr>
@@ -4133,46 +4133,77 @@
             <a:spLocks noGrp="1"/>
           </p:cNvSpPr>
           <p:nvPr>
-            <p:ph type="title"/>
-          </p:nvPr>
-        </p:nvSpPr>
-        <p:spPr/>
-        <p:txBody>
-          <a:bodyPr/>
-          <a:lstStyle/>
-          <a:p>
-            <a:r>
-              <a:rPr lang="en-US" dirty="0"/>
-              <a:t>Winnie</a:t>
-            </a:r>
-          </a:p>
-        </p:txBody>
-      </p:sp>
-      <p:sp>
-        <p:nvSpPr>
-          <p:cNvPr id="3" name="Content Placeholder 2">
-            <a:extLst>
-              <a:ext uri="{FF2B5EF4-FFF2-40B4-BE49-F238E27FC236}">
-                <a16:creationId xmlns:a16="http://schemas.microsoft.com/office/drawing/2014/main" id="{75897B1C-3F8F-4B5D-8723-E5115AF5882A}"/>
-              </a:ext>
-            </a:extLst>
-          </p:cNvPr>
-          <p:cNvSpPr>
-            <a:spLocks noGrp="1"/>
-          </p:cNvSpPr>
-          <p:nvPr>
             <p:ph idx="1"/>
           </p:nvPr>
         </p:nvSpPr>
-        <p:spPr/>
-        <p:txBody>
-          <a:bodyPr/>
-          <a:lstStyle/>
-          <a:p>
+        <p:spPr>
+          <a:xfrm>
+            <a:off x="748048" y="734096"/>
+            <a:ext cx="1608786" cy="742078"/>
+          </a:xfrm>
+        </p:spPr>
+        <p:txBody>
+          <a:bodyPr>
+            <a:normAutofit fontScale="92500" lnSpcReduction="10000"/>
+          </a:bodyPr>
+          <a:lstStyle/>
+          <a:p>
+            <a:r>
+              <a:rPr lang="en-US" dirty="0" err="1" smtClean="0"/>
+              <a:t>dvksdvksdvv</a:t>
+            </a:r>
             <a:endParaRPr lang="en-US" dirty="0"/>
           </a:p>
         </p:txBody>
       </p:sp>
+      <p:pic>
+        <p:nvPicPr>
+          <p:cNvPr id="4" name="Picture 3"/>
+          <p:cNvPicPr>
+            <a:picLocks noChangeAspect="1"/>
+          </p:cNvPicPr>
+          <p:nvPr/>
+        </p:nvPicPr>
+        <p:blipFill>
+          <a:blip r:embed="rId2"/>
+          <a:stretch>
+            <a:fillRect/>
+          </a:stretch>
+        </p:blipFill>
+        <p:spPr>
+          <a:xfrm>
+            <a:off x="3258356" y="101173"/>
+            <a:ext cx="8810695" cy="3350366"/>
+          </a:xfrm>
+          <a:prstGeom prst="rect">
+            <a:avLst/>
+          </a:prstGeom>
+        </p:spPr>
+      </p:pic>
+      <p:pic>
+        <p:nvPicPr>
+          <p:cNvPr id="9" name="Picture 8"/>
+          <p:cNvPicPr>
+            <a:picLocks noChangeAspect="1"/>
+          </p:cNvPicPr>
+          <p:nvPr/>
+        </p:nvPicPr>
+        <p:blipFill>
+          <a:blip r:embed="rId3"/>
+          <a:stretch>
+            <a:fillRect/>
+          </a:stretch>
+        </p:blipFill>
+        <p:spPr>
+          <a:xfrm>
+            <a:off x="3457508" y="3464417"/>
+            <a:ext cx="8650940" cy="3367825"/>
+          </a:xfrm>
+          <a:prstGeom prst="rect">
+            <a:avLst/>
+          </a:prstGeom>
+        </p:spPr>
+      </p:pic>
     </p:spTree>
     <p:extLst>
       <p:ext uri="{BB962C8B-B14F-4D97-AF65-F5344CB8AC3E}">
@@ -4205,10 +4236,10 @@
       </p:grpSpPr>
       <p:sp>
         <p:nvSpPr>
-          <p:cNvPr id="2" name="Title 1">
+          <p:cNvPr id="3" name="Content Placeholder 2">
             <a:extLst>
               <a:ext uri="{FF2B5EF4-FFF2-40B4-BE49-F238E27FC236}">
-                <a16:creationId xmlns:a16="http://schemas.microsoft.com/office/drawing/2014/main" id="{E80769E6-E72A-43B2-A1B8-F93BB58EBCF1}"/>
+                <a16:creationId xmlns:a16="http://schemas.microsoft.com/office/drawing/2014/main" xmlns="" id="{042EA9A0-8A70-467F-9BDD-8BDE00ED3F54}"/>
               </a:ext>
             </a:extLst>
           </p:cNvPr>
@@ -4216,46 +4247,75 @@
             <a:spLocks noGrp="1"/>
           </p:cNvSpPr>
           <p:nvPr>
-            <p:ph type="title"/>
-          </p:nvPr>
-        </p:nvSpPr>
-        <p:spPr/>
-        <p:txBody>
-          <a:bodyPr/>
-          <a:lstStyle/>
-          <a:p>
-            <a:r>
-              <a:rPr lang="en-US" dirty="0"/>
-              <a:t>Winnie</a:t>
-            </a:r>
-          </a:p>
-        </p:txBody>
-      </p:sp>
-      <p:sp>
-        <p:nvSpPr>
-          <p:cNvPr id="3" name="Content Placeholder 2">
-            <a:extLst>
-              <a:ext uri="{FF2B5EF4-FFF2-40B4-BE49-F238E27FC236}">
-                <a16:creationId xmlns:a16="http://schemas.microsoft.com/office/drawing/2014/main" id="{042EA9A0-8A70-467F-9BDD-8BDE00ED3F54}"/>
-              </a:ext>
-            </a:extLst>
-          </p:cNvPr>
-          <p:cNvSpPr>
-            <a:spLocks noGrp="1"/>
-          </p:cNvSpPr>
-          <p:nvPr>
             <p:ph idx="1"/>
           </p:nvPr>
         </p:nvSpPr>
-        <p:spPr/>
-        <p:txBody>
-          <a:bodyPr/>
-          <a:lstStyle/>
-          <a:p>
-            <a:endParaRPr lang="en-US"/>
-          </a:p>
-        </p:txBody>
-      </p:sp>
+        <p:spPr>
+          <a:xfrm>
+            <a:off x="812442" y="1117287"/>
+            <a:ext cx="2690611" cy="4351338"/>
+          </a:xfrm>
+        </p:spPr>
+        <p:txBody>
+          <a:bodyPr/>
+          <a:lstStyle/>
+          <a:p>
+            <a:r>
+              <a:rPr lang="en-US" dirty="0" err="1" smtClean="0"/>
+              <a:t>vcvcvcvcvcc</a:t>
+            </a:r>
+            <a:endParaRPr lang="en-US" dirty="0"/>
+          </a:p>
+        </p:txBody>
+      </p:sp>
+      <p:pic>
+        <p:nvPicPr>
+          <p:cNvPr id="8" name="Picture 7"/>
+          <p:cNvPicPr>
+            <a:picLocks noChangeAspect="1"/>
+          </p:cNvPicPr>
+          <p:nvPr/>
+        </p:nvPicPr>
+        <p:blipFill>
+          <a:blip r:embed="rId2"/>
+          <a:stretch>
+            <a:fillRect/>
+          </a:stretch>
+        </p:blipFill>
+        <p:spPr>
+          <a:xfrm>
+            <a:off x="3287264" y="69089"/>
+            <a:ext cx="8741603" cy="3373048"/>
+          </a:xfrm>
+          <a:prstGeom prst="rect">
+            <a:avLst/>
+          </a:prstGeom>
+        </p:spPr>
+      </p:pic>
+      <p:pic>
+        <p:nvPicPr>
+          <p:cNvPr id="10" name="Picture 9"/>
+          <p:cNvPicPr>
+            <a:picLocks noChangeAspect="1"/>
+          </p:cNvPicPr>
+          <p:nvPr/>
+        </p:nvPicPr>
+        <p:blipFill>
+          <a:blip r:embed="rId3"/>
+          <a:stretch>
+            <a:fillRect/>
+          </a:stretch>
+        </p:blipFill>
+        <p:spPr>
+          <a:xfrm>
+            <a:off x="3348505" y="3442137"/>
+            <a:ext cx="8752344" cy="3415863"/>
+          </a:xfrm>
+          <a:prstGeom prst="rect">
+            <a:avLst/>
+          </a:prstGeom>
+        </p:spPr>
+      </p:pic>
     </p:spTree>
     <p:extLst>
       <p:ext uri="{BB962C8B-B14F-4D97-AF65-F5344CB8AC3E}">
@@ -4291,7 +4351,7 @@
           <p:cNvPr id="2" name="Title 1">
             <a:extLst>
               <a:ext uri="{FF2B5EF4-FFF2-40B4-BE49-F238E27FC236}">
-                <a16:creationId xmlns:a16="http://schemas.microsoft.com/office/drawing/2014/main" id="{2D735C2E-11B8-4862-AAB7-ED5664770D2E}"/>
+                <a16:creationId xmlns:a16="http://schemas.microsoft.com/office/drawing/2014/main" xmlns="" id="{2D735C2E-11B8-4862-AAB7-ED5664770D2E}"/>
               </a:ext>
             </a:extLst>
           </p:cNvPr>
@@ -4319,7 +4379,7 @@
           <p:cNvPr id="3" name="Content Placeholder 2">
             <a:extLst>
               <a:ext uri="{FF2B5EF4-FFF2-40B4-BE49-F238E27FC236}">
-                <a16:creationId xmlns:a16="http://schemas.microsoft.com/office/drawing/2014/main" id="{A1BF3F66-EBAC-4059-95DC-84F0A2D0D9F8}"/>
+                <a16:creationId xmlns:a16="http://schemas.microsoft.com/office/drawing/2014/main" xmlns="" id="{A1BF3F66-EBAC-4059-95DC-84F0A2D0D9F8}"/>
               </a:ext>
             </a:extLst>
           </p:cNvPr>
@@ -4374,7 +4434,7 @@
           <p:cNvPr id="2" name="Title 1">
             <a:extLst>
               <a:ext uri="{FF2B5EF4-FFF2-40B4-BE49-F238E27FC236}">
-                <a16:creationId xmlns:a16="http://schemas.microsoft.com/office/drawing/2014/main" id="{5E54B0BD-FF8D-4E11-9BEB-3F77438508DA}"/>
+                <a16:creationId xmlns:a16="http://schemas.microsoft.com/office/drawing/2014/main" xmlns="" id="{5E54B0BD-FF8D-4E11-9BEB-3F77438508DA}"/>
               </a:ext>
             </a:extLst>
           </p:cNvPr>
@@ -4402,7 +4462,7 @@
           <p:cNvPr id="3" name="Content Placeholder 2">
             <a:extLst>
               <a:ext uri="{FF2B5EF4-FFF2-40B4-BE49-F238E27FC236}">
-                <a16:creationId xmlns:a16="http://schemas.microsoft.com/office/drawing/2014/main" id="{D5826885-9438-4A25-96CD-3B3831A94768}"/>
+                <a16:creationId xmlns:a16="http://schemas.microsoft.com/office/drawing/2014/main" xmlns="" id="{D5826885-9438-4A25-96CD-3B3831A94768}"/>
               </a:ext>
             </a:extLst>
           </p:cNvPr>
@@ -4457,7 +4517,7 @@
           <p:cNvPr id="2" name="Title 1">
             <a:extLst>
               <a:ext uri="{FF2B5EF4-FFF2-40B4-BE49-F238E27FC236}">
-                <a16:creationId xmlns:a16="http://schemas.microsoft.com/office/drawing/2014/main" id="{5BC62E2F-3F84-4D24-A181-6AB0713EA83D}"/>
+                <a16:creationId xmlns:a16="http://schemas.microsoft.com/office/drawing/2014/main" xmlns="" id="{5BC62E2F-3F84-4D24-A181-6AB0713EA83D}"/>
               </a:ext>
             </a:extLst>
           </p:cNvPr>
@@ -4485,7 +4545,7 @@
           <p:cNvPr id="3" name="Content Placeholder 2">
             <a:extLst>
               <a:ext uri="{FF2B5EF4-FFF2-40B4-BE49-F238E27FC236}">
-                <a16:creationId xmlns:a16="http://schemas.microsoft.com/office/drawing/2014/main" id="{44421017-3198-4C0E-8920-4B392F51EC4B}"/>
+                <a16:creationId xmlns:a16="http://schemas.microsoft.com/office/drawing/2014/main" xmlns="" id="{44421017-3198-4C0E-8920-4B392F51EC4B}"/>
               </a:ext>
             </a:extLst>
           </p:cNvPr>
@@ -4540,7 +4600,7 @@
           <p:cNvPr id="2" name="Title 1">
             <a:extLst>
               <a:ext uri="{FF2B5EF4-FFF2-40B4-BE49-F238E27FC236}">
-                <a16:creationId xmlns:a16="http://schemas.microsoft.com/office/drawing/2014/main" id="{AB68570A-62BD-4471-B097-C694410375A6}"/>
+                <a16:creationId xmlns:a16="http://schemas.microsoft.com/office/drawing/2014/main" xmlns="" id="{AB68570A-62BD-4471-B097-C694410375A6}"/>
               </a:ext>
             </a:extLst>
           </p:cNvPr>
@@ -4568,7 +4628,7 @@
           <p:cNvPr id="3" name="Content Placeholder 2">
             <a:extLst>
               <a:ext uri="{FF2B5EF4-FFF2-40B4-BE49-F238E27FC236}">
-                <a16:creationId xmlns:a16="http://schemas.microsoft.com/office/drawing/2014/main" id="{A42855D1-93E7-4E7A-8085-8280AD128517}"/>
+                <a16:creationId xmlns:a16="http://schemas.microsoft.com/office/drawing/2014/main" xmlns="" id="{A42855D1-93E7-4E7A-8085-8280AD128517}"/>
               </a:ext>
             </a:extLst>
           </p:cNvPr>

--- a/Group_7_Presentation.pptx
+++ b/Group_7_Presentation.pptx
@@ -3055,7 +3055,7 @@
           <p:cNvPr id="2" name="Title 1">
             <a:extLst>
               <a:ext uri="{FF2B5EF4-FFF2-40B4-BE49-F238E27FC236}">
-                <a16:creationId xmlns:a16="http://schemas.microsoft.com/office/drawing/2014/main" xmlns="" id="{78B99B29-14C1-41E4-9AC8-5AAC36F4C384}"/>
+                <a16:creationId xmlns="" xmlns:a16="http://schemas.microsoft.com/office/drawing/2014/main" id="{78B99B29-14C1-41E4-9AC8-5AAC36F4C384}"/>
               </a:ext>
             </a:extLst>
           </p:cNvPr>
@@ -3083,7 +3083,7 @@
           <p:cNvPr id="3" name="Content Placeholder 2">
             <a:extLst>
               <a:ext uri="{FF2B5EF4-FFF2-40B4-BE49-F238E27FC236}">
-                <a16:creationId xmlns:a16="http://schemas.microsoft.com/office/drawing/2014/main" xmlns="" id="{217DF154-F65A-4479-826C-9C8777C22D6A}"/>
+                <a16:creationId xmlns="" xmlns:a16="http://schemas.microsoft.com/office/drawing/2014/main" id="{217DF154-F65A-4479-826C-9C8777C22D6A}"/>
               </a:ext>
             </a:extLst>
           </p:cNvPr>
@@ -3138,7 +3138,7 @@
           <p:cNvPr id="2" name="Title 1">
             <a:extLst>
               <a:ext uri="{FF2B5EF4-FFF2-40B4-BE49-F238E27FC236}">
-                <a16:creationId xmlns:a16="http://schemas.microsoft.com/office/drawing/2014/main" xmlns="" id="{7256FCE9-7BE9-4F85-87B5-C52DFBE161F5}"/>
+                <a16:creationId xmlns="" xmlns:a16="http://schemas.microsoft.com/office/drawing/2014/main" id="{7256FCE9-7BE9-4F85-87B5-C52DFBE161F5}"/>
               </a:ext>
             </a:extLst>
           </p:cNvPr>
@@ -3166,7 +3166,7 @@
           <p:cNvPr id="3" name="Content Placeholder 2">
             <a:extLst>
               <a:ext uri="{FF2B5EF4-FFF2-40B4-BE49-F238E27FC236}">
-                <a16:creationId xmlns:a16="http://schemas.microsoft.com/office/drawing/2014/main" xmlns="" id="{D18A4F9A-AF0B-43FB-AC8B-3A6E95478A93}"/>
+                <a16:creationId xmlns="" xmlns:a16="http://schemas.microsoft.com/office/drawing/2014/main" id="{D18A4F9A-AF0B-43FB-AC8B-3A6E95478A93}"/>
               </a:ext>
             </a:extLst>
           </p:cNvPr>
@@ -3221,7 +3221,7 @@
           <p:cNvPr id="2" name="Title 1">
             <a:extLst>
               <a:ext uri="{FF2B5EF4-FFF2-40B4-BE49-F238E27FC236}">
-                <a16:creationId xmlns:a16="http://schemas.microsoft.com/office/drawing/2014/main" xmlns="" id="{1B1F4B00-EF37-4C07-9537-1E831E501C38}"/>
+                <a16:creationId xmlns="" xmlns:a16="http://schemas.microsoft.com/office/drawing/2014/main" id="{1B1F4B00-EF37-4C07-9537-1E831E501C38}"/>
               </a:ext>
             </a:extLst>
           </p:cNvPr>
@@ -3249,7 +3249,7 @@
           <p:cNvPr id="3" name="Content Placeholder 2">
             <a:extLst>
               <a:ext uri="{FF2B5EF4-FFF2-40B4-BE49-F238E27FC236}">
-                <a16:creationId xmlns:a16="http://schemas.microsoft.com/office/drawing/2014/main" xmlns="" id="{21F9F2CA-ECC9-484B-B753-0CB92985B738}"/>
+                <a16:creationId xmlns="" xmlns:a16="http://schemas.microsoft.com/office/drawing/2014/main" id="{21F9F2CA-ECC9-484B-B753-0CB92985B738}"/>
               </a:ext>
             </a:extLst>
           </p:cNvPr>
@@ -3304,7 +3304,7 @@
           <p:cNvPr id="2" name="Title 1">
             <a:extLst>
               <a:ext uri="{FF2B5EF4-FFF2-40B4-BE49-F238E27FC236}">
-                <a16:creationId xmlns:a16="http://schemas.microsoft.com/office/drawing/2014/main" xmlns="" id="{5C464BB5-BAE0-4F49-A1DD-88A4EFCEA646}"/>
+                <a16:creationId xmlns="" xmlns:a16="http://schemas.microsoft.com/office/drawing/2014/main" id="{5C464BB5-BAE0-4F49-A1DD-88A4EFCEA646}"/>
               </a:ext>
             </a:extLst>
           </p:cNvPr>
@@ -3332,7 +3332,7 @@
           <p:cNvPr id="3" name="Content Placeholder 2">
             <a:extLst>
               <a:ext uri="{FF2B5EF4-FFF2-40B4-BE49-F238E27FC236}">
-                <a16:creationId xmlns:a16="http://schemas.microsoft.com/office/drawing/2014/main" xmlns="" id="{7A73EA22-73B0-4644-8354-45C9301D4F9A}"/>
+                <a16:creationId xmlns="" xmlns:a16="http://schemas.microsoft.com/office/drawing/2014/main" id="{7A73EA22-73B0-4644-8354-45C9301D4F9A}"/>
               </a:ext>
             </a:extLst>
           </p:cNvPr>
@@ -3387,7 +3387,7 @@
           <p:cNvPr id="2" name="Title 1">
             <a:extLst>
               <a:ext uri="{FF2B5EF4-FFF2-40B4-BE49-F238E27FC236}">
-                <a16:creationId xmlns:a16="http://schemas.microsoft.com/office/drawing/2014/main" xmlns="" id="{0A097A61-2BE1-4484-B5FE-BDD79AC2A033}"/>
+                <a16:creationId xmlns="" xmlns:a16="http://schemas.microsoft.com/office/drawing/2014/main" id="{0A097A61-2BE1-4484-B5FE-BDD79AC2A033}"/>
               </a:ext>
             </a:extLst>
           </p:cNvPr>
@@ -3415,7 +3415,7 @@
           <p:cNvPr id="3" name="Content Placeholder 2">
             <a:extLst>
               <a:ext uri="{FF2B5EF4-FFF2-40B4-BE49-F238E27FC236}">
-                <a16:creationId xmlns:a16="http://schemas.microsoft.com/office/drawing/2014/main" xmlns="" id="{83C2C619-B699-4459-A2C7-9AD87D27386F}"/>
+                <a16:creationId xmlns="" xmlns:a16="http://schemas.microsoft.com/office/drawing/2014/main" id="{83C2C619-B699-4459-A2C7-9AD87D27386F}"/>
               </a:ext>
             </a:extLst>
           </p:cNvPr>
@@ -3470,7 +3470,7 @@
           <p:cNvPr id="2" name="Title 1">
             <a:extLst>
               <a:ext uri="{FF2B5EF4-FFF2-40B4-BE49-F238E27FC236}">
-                <a16:creationId xmlns:a16="http://schemas.microsoft.com/office/drawing/2014/main" xmlns="" id="{F56923BD-4174-427E-B1BE-21D59A005378}"/>
+                <a16:creationId xmlns="" xmlns:a16="http://schemas.microsoft.com/office/drawing/2014/main" id="{F56923BD-4174-427E-B1BE-21D59A005378}"/>
               </a:ext>
             </a:extLst>
           </p:cNvPr>
@@ -3498,7 +3498,7 @@
           <p:cNvPr id="3" name="Content Placeholder 2">
             <a:extLst>
               <a:ext uri="{FF2B5EF4-FFF2-40B4-BE49-F238E27FC236}">
-                <a16:creationId xmlns:a16="http://schemas.microsoft.com/office/drawing/2014/main" xmlns="" id="{36E2CC5B-B959-49E0-A58A-CCFD68B3DB72}"/>
+                <a16:creationId xmlns="" xmlns:a16="http://schemas.microsoft.com/office/drawing/2014/main" id="{36E2CC5B-B959-49E0-A58A-CCFD68B3DB72}"/>
               </a:ext>
             </a:extLst>
           </p:cNvPr>
@@ -3553,7 +3553,7 @@
           <p:cNvPr id="2" name="Title 1">
             <a:extLst>
               <a:ext uri="{FF2B5EF4-FFF2-40B4-BE49-F238E27FC236}">
-                <a16:creationId xmlns:a16="http://schemas.microsoft.com/office/drawing/2014/main" xmlns="" id="{21D3167F-30A9-4F8D-99EE-386A1F094613}"/>
+                <a16:creationId xmlns="" xmlns:a16="http://schemas.microsoft.com/office/drawing/2014/main" id="{21D3167F-30A9-4F8D-99EE-386A1F094613}"/>
               </a:ext>
             </a:extLst>
           </p:cNvPr>
@@ -3581,7 +3581,7 @@
           <p:cNvPr id="3" name="Content Placeholder 2">
             <a:extLst>
               <a:ext uri="{FF2B5EF4-FFF2-40B4-BE49-F238E27FC236}">
-                <a16:creationId xmlns:a16="http://schemas.microsoft.com/office/drawing/2014/main" xmlns="" id="{571BA543-3A3F-43F0-957D-37B7A83B0853}"/>
+                <a16:creationId xmlns="" xmlns:a16="http://schemas.microsoft.com/office/drawing/2014/main" id="{571BA543-3A3F-43F0-957D-37B7A83B0853}"/>
               </a:ext>
             </a:extLst>
           </p:cNvPr>
@@ -3639,7 +3639,7 @@
           <p:cNvPr id="2" name="Title 1">
             <a:extLst>
               <a:ext uri="{FF2B5EF4-FFF2-40B4-BE49-F238E27FC236}">
-                <a16:creationId xmlns:a16="http://schemas.microsoft.com/office/drawing/2014/main" xmlns="" id="{D8975F0A-4727-47D2-96A8-DFAC0FBD6C91}"/>
+                <a16:creationId xmlns="" xmlns:a16="http://schemas.microsoft.com/office/drawing/2014/main" id="{D8975F0A-4727-47D2-96A8-DFAC0FBD6C91}"/>
               </a:ext>
             </a:extLst>
           </p:cNvPr>
@@ -3667,7 +3667,7 @@
           <p:cNvPr id="3" name="Content Placeholder 2">
             <a:extLst>
               <a:ext uri="{FF2B5EF4-FFF2-40B4-BE49-F238E27FC236}">
-                <a16:creationId xmlns:a16="http://schemas.microsoft.com/office/drawing/2014/main" xmlns="" id="{C69386F3-A2F7-4C59-B5D1-F22F1E51F196}"/>
+                <a16:creationId xmlns="" xmlns:a16="http://schemas.microsoft.com/office/drawing/2014/main" id="{C69386F3-A2F7-4C59-B5D1-F22F1E51F196}"/>
               </a:ext>
             </a:extLst>
           </p:cNvPr>
@@ -3751,7 +3751,7 @@
           <p:cNvPr id="2" name="Title 1">
             <a:extLst>
               <a:ext uri="{FF2B5EF4-FFF2-40B4-BE49-F238E27FC236}">
-                <a16:creationId xmlns:a16="http://schemas.microsoft.com/office/drawing/2014/main" xmlns="" id="{E1C9EF35-DC7C-428F-A8C6-930DEFB1E1DB}"/>
+                <a16:creationId xmlns="" xmlns:a16="http://schemas.microsoft.com/office/drawing/2014/main" id="{E1C9EF35-DC7C-428F-A8C6-930DEFB1E1DB}"/>
               </a:ext>
             </a:extLst>
           </p:cNvPr>
@@ -3779,7 +3779,7 @@
           <p:cNvPr id="3" name="Content Placeholder 2">
             <a:extLst>
               <a:ext uri="{FF2B5EF4-FFF2-40B4-BE49-F238E27FC236}">
-                <a16:creationId xmlns:a16="http://schemas.microsoft.com/office/drawing/2014/main" xmlns="" id="{1B82C285-6A5A-45FC-B1D5-1D0786CBCFB5}"/>
+                <a16:creationId xmlns="" xmlns:a16="http://schemas.microsoft.com/office/drawing/2014/main" id="{1B82C285-6A5A-45FC-B1D5-1D0786CBCFB5}"/>
               </a:ext>
             </a:extLst>
           </p:cNvPr>
@@ -3858,7 +3858,7 @@
           <p:cNvPr id="2" name="Title 1">
             <a:extLst>
               <a:ext uri="{FF2B5EF4-FFF2-40B4-BE49-F238E27FC236}">
-                <a16:creationId xmlns:a16="http://schemas.microsoft.com/office/drawing/2014/main" xmlns="" id="{55A6334A-68E7-42D4-919A-0C62BE53DBB2}"/>
+                <a16:creationId xmlns="" xmlns:a16="http://schemas.microsoft.com/office/drawing/2014/main" id="{55A6334A-68E7-42D4-919A-0C62BE53DBB2}"/>
               </a:ext>
             </a:extLst>
           </p:cNvPr>
@@ -3886,7 +3886,7 @@
           <p:cNvPr id="3" name="Content Placeholder 2">
             <a:extLst>
               <a:ext uri="{FF2B5EF4-FFF2-40B4-BE49-F238E27FC236}">
-                <a16:creationId xmlns:a16="http://schemas.microsoft.com/office/drawing/2014/main" xmlns="" id="{1C25BB28-A4EC-414D-859C-C7A0FCD1F980}"/>
+                <a16:creationId xmlns="" xmlns:a16="http://schemas.microsoft.com/office/drawing/2014/main" id="{1C25BB28-A4EC-414D-859C-C7A0FCD1F980}"/>
               </a:ext>
             </a:extLst>
           </p:cNvPr>
@@ -3941,7 +3941,7 @@
           <p:cNvPr id="2" name="Title 1">
             <a:extLst>
               <a:ext uri="{FF2B5EF4-FFF2-40B4-BE49-F238E27FC236}">
-                <a16:creationId xmlns:a16="http://schemas.microsoft.com/office/drawing/2014/main" xmlns="" id="{41B5C587-4962-4E00-A54B-F8B9FE251918}"/>
+                <a16:creationId xmlns="" xmlns:a16="http://schemas.microsoft.com/office/drawing/2014/main" id="{41B5C587-4962-4E00-A54B-F8B9FE251918}"/>
               </a:ext>
             </a:extLst>
           </p:cNvPr>
@@ -3969,7 +3969,7 @@
           <p:cNvPr id="3" name="Content Placeholder 2">
             <a:extLst>
               <a:ext uri="{FF2B5EF4-FFF2-40B4-BE49-F238E27FC236}">
-                <a16:creationId xmlns:a16="http://schemas.microsoft.com/office/drawing/2014/main" xmlns="" id="{129B7FB5-54B8-4545-A8C7-1D4B4C033F1E}"/>
+                <a16:creationId xmlns="" xmlns:a16="http://schemas.microsoft.com/office/drawing/2014/main" id="{129B7FB5-54B8-4545-A8C7-1D4B4C033F1E}"/>
               </a:ext>
             </a:extLst>
           </p:cNvPr>
@@ -4033,7 +4033,7 @@
           <p:cNvPr id="2" name="Title 1">
             <a:extLst>
               <a:ext uri="{FF2B5EF4-FFF2-40B4-BE49-F238E27FC236}">
-                <a16:creationId xmlns:a16="http://schemas.microsoft.com/office/drawing/2014/main" xmlns="" id="{B01FBC95-86CC-4C5D-80F0-CF41A33B1E9F}"/>
+                <a16:creationId xmlns="" xmlns:a16="http://schemas.microsoft.com/office/drawing/2014/main" id="{B01FBC95-86CC-4C5D-80F0-CF41A33B1E9F}"/>
               </a:ext>
             </a:extLst>
           </p:cNvPr>
@@ -4061,7 +4061,7 @@
           <p:cNvPr id="3" name="Content Placeholder 2">
             <a:extLst>
               <a:ext uri="{FF2B5EF4-FFF2-40B4-BE49-F238E27FC236}">
-                <a16:creationId xmlns:a16="http://schemas.microsoft.com/office/drawing/2014/main" xmlns="" id="{CACC8578-D28C-470E-8EBE-3E9A3C6434E3}"/>
+                <a16:creationId xmlns="" xmlns:a16="http://schemas.microsoft.com/office/drawing/2014/main" id="{CACC8578-D28C-470E-8EBE-3E9A3C6434E3}"/>
               </a:ext>
             </a:extLst>
           </p:cNvPr>
@@ -4125,7 +4125,7 @@
           <p:cNvPr id="3" name="Content Placeholder 2">
             <a:extLst>
               <a:ext uri="{FF2B5EF4-FFF2-40B4-BE49-F238E27FC236}">
-                <a16:creationId xmlns:a16="http://schemas.microsoft.com/office/drawing/2014/main" xmlns="" id="{75897B1C-3F8F-4B5D-8723-E5115AF5882A}"/>
+                <a16:creationId xmlns="" xmlns:a16="http://schemas.microsoft.com/office/drawing/2014/main" id="{75897B1C-3F8F-4B5D-8723-E5115AF5882A}"/>
               </a:ext>
             </a:extLst>
           </p:cNvPr>
@@ -4138,20 +4138,89 @@
         </p:nvSpPr>
         <p:spPr>
           <a:xfrm>
-            <a:off x="748048" y="734096"/>
-            <a:ext cx="1608786" cy="742078"/>
+            <a:off x="115910" y="540912"/>
+            <a:ext cx="3142446" cy="6130343"/>
           </a:xfrm>
         </p:spPr>
         <p:txBody>
           <a:bodyPr>
-            <a:normAutofit fontScale="92500" lnSpcReduction="10000"/>
+            <a:normAutofit fontScale="92500" lnSpcReduction="20000"/>
           </a:bodyPr>
           <a:lstStyle/>
           <a:p>
-            <a:r>
-              <a:rPr lang="en-US" dirty="0" err="1" smtClean="0"/>
-              <a:t>dvksdvksdvv</a:t>
-            </a:r>
+            <a:pPr marL="0" indent="0">
+              <a:buNone/>
+            </a:pPr>
+            <a:r>
+              <a:rPr lang="en-US" sz="2500" dirty="0" smtClean="0"/>
+              <a:t>First graph shows 3 states with fastest YOY (2017 vs 2016) growth vs the US</a:t>
+            </a:r>
+          </a:p>
+          <a:p>
+            <a:pPr marL="0" indent="0">
+              <a:buNone/>
+            </a:pPr>
+            <a:r>
+              <a:rPr lang="en-US" sz="2500" dirty="0" smtClean="0"/>
+              <a:t>Second </a:t>
+            </a:r>
+            <a:r>
+              <a:rPr lang="en-US" sz="2500" dirty="0"/>
+              <a:t>graph shows </a:t>
+            </a:r>
+            <a:r>
+              <a:rPr lang="en-US" sz="2500" dirty="0" smtClean="0"/>
+              <a:t>3   states </a:t>
+            </a:r>
+            <a:r>
+              <a:rPr lang="en-US" sz="2500" dirty="0"/>
+              <a:t>with </a:t>
+            </a:r>
+            <a:r>
+              <a:rPr lang="en-US" sz="2500" dirty="0" smtClean="0"/>
+              <a:t>slowest </a:t>
+            </a:r>
+            <a:r>
+              <a:rPr lang="en-US" sz="2500" dirty="0"/>
+              <a:t>YOY (2017 vs 2016) growth vs the </a:t>
+            </a:r>
+            <a:r>
+              <a:rPr lang="en-US" sz="2500" dirty="0" smtClean="0"/>
+              <a:t>US</a:t>
+            </a:r>
+          </a:p>
+          <a:p>
+            <a:pPr marL="0" indent="0">
+              <a:buNone/>
+            </a:pPr>
+            <a:endParaRPr lang="en-US" sz="100" dirty="0"/>
+          </a:p>
+          <a:p>
+            <a:pPr marL="0" indent="0">
+              <a:buNone/>
+            </a:pPr>
+            <a:r>
+              <a:rPr lang="en-US" sz="2400" dirty="0" smtClean="0"/>
+              <a:t>Job titles included:</a:t>
+            </a:r>
+          </a:p>
+          <a:p>
+            <a:pPr marL="0" indent="0">
+              <a:buNone/>
+            </a:pPr>
+            <a:r>
+              <a:rPr lang="en-US" sz="1700" dirty="0"/>
+              <a:t>Computer and Mathematical Occupations, Computer and Information Research Scientists, Computer Systems Analysts, Information Security Analysts, Computer Programmers, Software Developers (Applications), Software Developers (Systems Software), Web Developers, Database Administrators, Network and Computer Systems Administrators, Computer Network Architects, Computer User Support Specialists, Computer Network Support Specialists, Computer Occupations - All Other, Actuaries, Mathematicians, Operations Research Analysts, &amp; Statisticians</a:t>
+            </a:r>
+            <a:endParaRPr lang="en-US" sz="1700" dirty="0" smtClean="0"/>
+          </a:p>
+          <a:p>
+            <a:pPr marL="457200" lvl="1" indent="0">
+              <a:buNone/>
+            </a:pPr>
+            <a:endParaRPr lang="en-US" dirty="0"/>
+          </a:p>
+          <a:p>
             <a:endParaRPr lang="en-US" dirty="0"/>
           </a:p>
         </p:txBody>
@@ -4234,40 +4303,6 @@
           <a:chExt cx="0" cy="0"/>
         </a:xfrm>
       </p:grpSpPr>
-      <p:sp>
-        <p:nvSpPr>
-          <p:cNvPr id="3" name="Content Placeholder 2">
-            <a:extLst>
-              <a:ext uri="{FF2B5EF4-FFF2-40B4-BE49-F238E27FC236}">
-                <a16:creationId xmlns:a16="http://schemas.microsoft.com/office/drawing/2014/main" xmlns="" id="{042EA9A0-8A70-467F-9BDD-8BDE00ED3F54}"/>
-              </a:ext>
-            </a:extLst>
-          </p:cNvPr>
-          <p:cNvSpPr>
-            <a:spLocks noGrp="1"/>
-          </p:cNvSpPr>
-          <p:nvPr>
-            <p:ph idx="1"/>
-          </p:nvPr>
-        </p:nvSpPr>
-        <p:spPr>
-          <a:xfrm>
-            <a:off x="812442" y="1117287"/>
-            <a:ext cx="2690611" cy="4351338"/>
-          </a:xfrm>
-        </p:spPr>
-        <p:txBody>
-          <a:bodyPr/>
-          <a:lstStyle/>
-          <a:p>
-            <a:r>
-              <a:rPr lang="en-US" dirty="0" err="1" smtClean="0"/>
-              <a:t>vcvcvcvcvcc</a:t>
-            </a:r>
-            <a:endParaRPr lang="en-US" dirty="0"/>
-          </a:p>
-        </p:txBody>
-      </p:sp>
       <p:pic>
         <p:nvPicPr>
           <p:cNvPr id="8" name="Picture 7"/>
@@ -4316,6 +4351,263 @@
           </a:prstGeom>
         </p:spPr>
       </p:pic>
+      <p:sp>
+        <p:nvSpPr>
+          <p:cNvPr id="6" name="Content Placeholder 2">
+            <a:extLst>
+              <a:ext uri="{FF2B5EF4-FFF2-40B4-BE49-F238E27FC236}">
+                <a16:creationId xmlns="" xmlns:a16="http://schemas.microsoft.com/office/drawing/2014/main" id="{75897B1C-3F8F-4B5D-8723-E5115AF5882A}"/>
+              </a:ext>
+            </a:extLst>
+          </p:cNvPr>
+          <p:cNvSpPr txBox="1">
+            <a:spLocks/>
+          </p:cNvSpPr>
+          <p:nvPr/>
+        </p:nvSpPr>
+        <p:spPr>
+          <a:xfrm>
+            <a:off x="115910" y="540912"/>
+            <a:ext cx="3142446" cy="6130343"/>
+          </a:xfrm>
+          <a:prstGeom prst="rect">
+            <a:avLst/>
+          </a:prstGeom>
+        </p:spPr>
+        <p:txBody>
+          <a:bodyPr vert="horz" lIns="91440" tIns="45720" rIns="91440" bIns="45720" rtlCol="0">
+            <a:normAutofit lnSpcReduction="10000"/>
+          </a:bodyPr>
+          <a:lstStyle>
+            <a:lvl1pPr marL="228600" indent="-228600" algn="l" defTabSz="914400" rtl="0" eaLnBrk="1" latinLnBrk="0" hangingPunct="1">
+              <a:lnSpc>
+                <a:spcPct val="90000"/>
+              </a:lnSpc>
+              <a:spcBef>
+                <a:spcPts val="1000"/>
+              </a:spcBef>
+              <a:buFont typeface="Arial" panose="020B0604020202020204" pitchFamily="34" charset="0"/>
+              <a:buChar char="•"/>
+              <a:defRPr sz="2800" kern="1200">
+                <a:solidFill>
+                  <a:schemeClr val="tx1"/>
+                </a:solidFill>
+                <a:latin typeface="+mn-lt"/>
+                <a:ea typeface="+mn-ea"/>
+                <a:cs typeface="+mn-cs"/>
+              </a:defRPr>
+            </a:lvl1pPr>
+            <a:lvl2pPr marL="685800" indent="-228600" algn="l" defTabSz="914400" rtl="0" eaLnBrk="1" latinLnBrk="0" hangingPunct="1">
+              <a:lnSpc>
+                <a:spcPct val="90000"/>
+              </a:lnSpc>
+              <a:spcBef>
+                <a:spcPts val="500"/>
+              </a:spcBef>
+              <a:buFont typeface="Arial" panose="020B0604020202020204" pitchFamily="34" charset="0"/>
+              <a:buChar char="•"/>
+              <a:defRPr sz="2400" kern="1200">
+                <a:solidFill>
+                  <a:schemeClr val="tx1"/>
+                </a:solidFill>
+                <a:latin typeface="+mn-lt"/>
+                <a:ea typeface="+mn-ea"/>
+                <a:cs typeface="+mn-cs"/>
+              </a:defRPr>
+            </a:lvl2pPr>
+            <a:lvl3pPr marL="1143000" indent="-228600" algn="l" defTabSz="914400" rtl="0" eaLnBrk="1" latinLnBrk="0" hangingPunct="1">
+              <a:lnSpc>
+                <a:spcPct val="90000"/>
+              </a:lnSpc>
+              <a:spcBef>
+                <a:spcPts val="500"/>
+              </a:spcBef>
+              <a:buFont typeface="Arial" panose="020B0604020202020204" pitchFamily="34" charset="0"/>
+              <a:buChar char="•"/>
+              <a:defRPr sz="2000" kern="1200">
+                <a:solidFill>
+                  <a:schemeClr val="tx1"/>
+                </a:solidFill>
+                <a:latin typeface="+mn-lt"/>
+                <a:ea typeface="+mn-ea"/>
+                <a:cs typeface="+mn-cs"/>
+              </a:defRPr>
+            </a:lvl3pPr>
+            <a:lvl4pPr marL="1600200" indent="-228600" algn="l" defTabSz="914400" rtl="0" eaLnBrk="1" latinLnBrk="0" hangingPunct="1">
+              <a:lnSpc>
+                <a:spcPct val="90000"/>
+              </a:lnSpc>
+              <a:spcBef>
+                <a:spcPts val="500"/>
+              </a:spcBef>
+              <a:buFont typeface="Arial" panose="020B0604020202020204" pitchFamily="34" charset="0"/>
+              <a:buChar char="•"/>
+              <a:defRPr sz="1800" kern="1200">
+                <a:solidFill>
+                  <a:schemeClr val="tx1"/>
+                </a:solidFill>
+                <a:latin typeface="+mn-lt"/>
+                <a:ea typeface="+mn-ea"/>
+                <a:cs typeface="+mn-cs"/>
+              </a:defRPr>
+            </a:lvl4pPr>
+            <a:lvl5pPr marL="2057400" indent="-228600" algn="l" defTabSz="914400" rtl="0" eaLnBrk="1" latinLnBrk="0" hangingPunct="1">
+              <a:lnSpc>
+                <a:spcPct val="90000"/>
+              </a:lnSpc>
+              <a:spcBef>
+                <a:spcPts val="500"/>
+              </a:spcBef>
+              <a:buFont typeface="Arial" panose="020B0604020202020204" pitchFamily="34" charset="0"/>
+              <a:buChar char="•"/>
+              <a:defRPr sz="1800" kern="1200">
+                <a:solidFill>
+                  <a:schemeClr val="tx1"/>
+                </a:solidFill>
+                <a:latin typeface="+mn-lt"/>
+                <a:ea typeface="+mn-ea"/>
+                <a:cs typeface="+mn-cs"/>
+              </a:defRPr>
+            </a:lvl5pPr>
+            <a:lvl6pPr marL="2514600" indent="-228600" algn="l" defTabSz="914400" rtl="0" eaLnBrk="1" latinLnBrk="0" hangingPunct="1">
+              <a:lnSpc>
+                <a:spcPct val="90000"/>
+              </a:lnSpc>
+              <a:spcBef>
+                <a:spcPts val="500"/>
+              </a:spcBef>
+              <a:buFont typeface="Arial" panose="020B0604020202020204" pitchFamily="34" charset="0"/>
+              <a:buChar char="•"/>
+              <a:defRPr sz="1800" kern="1200">
+                <a:solidFill>
+                  <a:schemeClr val="tx1"/>
+                </a:solidFill>
+                <a:latin typeface="+mn-lt"/>
+                <a:ea typeface="+mn-ea"/>
+                <a:cs typeface="+mn-cs"/>
+              </a:defRPr>
+            </a:lvl6pPr>
+            <a:lvl7pPr marL="2971800" indent="-228600" algn="l" defTabSz="914400" rtl="0" eaLnBrk="1" latinLnBrk="0" hangingPunct="1">
+              <a:lnSpc>
+                <a:spcPct val="90000"/>
+              </a:lnSpc>
+              <a:spcBef>
+                <a:spcPts val="500"/>
+              </a:spcBef>
+              <a:buFont typeface="Arial" panose="020B0604020202020204" pitchFamily="34" charset="0"/>
+              <a:buChar char="•"/>
+              <a:defRPr sz="1800" kern="1200">
+                <a:solidFill>
+                  <a:schemeClr val="tx1"/>
+                </a:solidFill>
+                <a:latin typeface="+mn-lt"/>
+                <a:ea typeface="+mn-ea"/>
+                <a:cs typeface="+mn-cs"/>
+              </a:defRPr>
+            </a:lvl7pPr>
+            <a:lvl8pPr marL="3429000" indent="-228600" algn="l" defTabSz="914400" rtl="0" eaLnBrk="1" latinLnBrk="0" hangingPunct="1">
+              <a:lnSpc>
+                <a:spcPct val="90000"/>
+              </a:lnSpc>
+              <a:spcBef>
+                <a:spcPts val="500"/>
+              </a:spcBef>
+              <a:buFont typeface="Arial" panose="020B0604020202020204" pitchFamily="34" charset="0"/>
+              <a:buChar char="•"/>
+              <a:defRPr sz="1800" kern="1200">
+                <a:solidFill>
+                  <a:schemeClr val="tx1"/>
+                </a:solidFill>
+                <a:latin typeface="+mn-lt"/>
+                <a:ea typeface="+mn-ea"/>
+                <a:cs typeface="+mn-cs"/>
+              </a:defRPr>
+            </a:lvl8pPr>
+            <a:lvl9pPr marL="3886200" indent="-228600" algn="l" defTabSz="914400" rtl="0" eaLnBrk="1" latinLnBrk="0" hangingPunct="1">
+              <a:lnSpc>
+                <a:spcPct val="90000"/>
+              </a:lnSpc>
+              <a:spcBef>
+                <a:spcPts val="500"/>
+              </a:spcBef>
+              <a:buFont typeface="Arial" panose="020B0604020202020204" pitchFamily="34" charset="0"/>
+              <a:buChar char="•"/>
+              <a:defRPr sz="1800" kern="1200">
+                <a:solidFill>
+                  <a:schemeClr val="tx1"/>
+                </a:solidFill>
+                <a:latin typeface="+mn-lt"/>
+                <a:ea typeface="+mn-ea"/>
+                <a:cs typeface="+mn-cs"/>
+              </a:defRPr>
+            </a:lvl9pPr>
+          </a:lstStyle>
+          <a:p>
+            <a:pPr marL="0" indent="0">
+              <a:buFont typeface="Arial" panose="020B0604020202020204" pitchFamily="34" charset="0"/>
+              <a:buNone/>
+            </a:pPr>
+            <a:endParaRPr lang="en-US" sz="100" dirty="0" smtClean="0"/>
+          </a:p>
+          <a:p>
+            <a:pPr marL="0" indent="0">
+              <a:buNone/>
+            </a:pPr>
+            <a:r>
+              <a:rPr lang="en-US" sz="2400" dirty="0" smtClean="0"/>
+              <a:t>Focused on </a:t>
+            </a:r>
+            <a:r>
+              <a:rPr lang="en-US" sz="2400" b="1" dirty="0" smtClean="0"/>
+              <a:t>Operations Research Analysts</a:t>
+            </a:r>
+            <a:r>
+              <a:rPr lang="en-US" sz="2400" dirty="0" smtClean="0"/>
+              <a:t>:</a:t>
+            </a:r>
+          </a:p>
+          <a:p>
+            <a:pPr marL="0" indent="0">
+              <a:buNone/>
+            </a:pPr>
+            <a:r>
+              <a:rPr lang="en-US" sz="2400" dirty="0" smtClean="0"/>
+              <a:t>Per the BLS, </a:t>
+            </a:r>
+            <a:r>
+              <a:rPr lang="en-US" sz="2400" dirty="0"/>
+              <a:t>this includes </a:t>
+            </a:r>
+            <a:r>
+              <a:rPr lang="en-US" sz="2400" dirty="0" smtClean="0"/>
+              <a:t>people who </a:t>
+            </a:r>
+            <a:r>
+              <a:rPr lang="en-US" sz="2400" i="1" dirty="0" smtClean="0"/>
+              <a:t>“Formulate </a:t>
+            </a:r>
+            <a:r>
+              <a:rPr lang="en-US" sz="2400" i="1" dirty="0"/>
+              <a:t>and apply mathematical modeling and other optimizing methods to develop and interpret information that assists management with decision making, policy formulation, or other managerial functions. May collect and analyze data and develop decision support software, service, or products</a:t>
+            </a:r>
+            <a:r>
+              <a:rPr lang="en-US" sz="2400" i="1" dirty="0" smtClean="0"/>
+              <a:t>.”</a:t>
+            </a:r>
+            <a:endParaRPr lang="en-US" sz="1700" i="1" dirty="0" smtClean="0"/>
+          </a:p>
+          <a:p>
+            <a:pPr marL="457200" lvl="1" indent="0">
+              <a:buFont typeface="Arial" panose="020B0604020202020204" pitchFamily="34" charset="0"/>
+              <a:buNone/>
+            </a:pPr>
+            <a:endParaRPr lang="en-US" dirty="0" smtClean="0"/>
+          </a:p>
+          <a:p>
+            <a:endParaRPr lang="en-US" dirty="0"/>
+          </a:p>
+        </p:txBody>
+      </p:sp>
     </p:spTree>
     <p:extLst>
       <p:ext uri="{BB962C8B-B14F-4D97-AF65-F5344CB8AC3E}">
@@ -4348,10 +4640,10 @@
       </p:grpSpPr>
       <p:sp>
         <p:nvSpPr>
-          <p:cNvPr id="2" name="Title 1">
+          <p:cNvPr id="3" name="Content Placeholder 2">
             <a:extLst>
               <a:ext uri="{FF2B5EF4-FFF2-40B4-BE49-F238E27FC236}">
-                <a16:creationId xmlns:a16="http://schemas.microsoft.com/office/drawing/2014/main" xmlns="" id="{2D735C2E-11B8-4862-AAB7-ED5664770D2E}"/>
+                <a16:creationId xmlns="" xmlns:a16="http://schemas.microsoft.com/office/drawing/2014/main" id="{A1BF3F66-EBAC-4059-95DC-84F0A2D0D9F8}"/>
               </a:ext>
             </a:extLst>
           </p:cNvPr>
@@ -4359,46 +4651,60 @@
             <a:spLocks noGrp="1"/>
           </p:cNvSpPr>
           <p:nvPr>
-            <p:ph type="title"/>
-          </p:nvPr>
-        </p:nvSpPr>
-        <p:spPr/>
-        <p:txBody>
-          <a:bodyPr/>
-          <a:lstStyle/>
-          <a:p>
-            <a:r>
-              <a:rPr lang="en-US" dirty="0"/>
-              <a:t>Winnie</a:t>
-            </a:r>
-          </a:p>
-        </p:txBody>
-      </p:sp>
-      <p:sp>
-        <p:nvSpPr>
-          <p:cNvPr id="3" name="Content Placeholder 2">
-            <a:extLst>
-              <a:ext uri="{FF2B5EF4-FFF2-40B4-BE49-F238E27FC236}">
-                <a16:creationId xmlns:a16="http://schemas.microsoft.com/office/drawing/2014/main" xmlns="" id="{A1BF3F66-EBAC-4059-95DC-84F0A2D0D9F8}"/>
-              </a:ext>
-            </a:extLst>
-          </p:cNvPr>
-          <p:cNvSpPr>
-            <a:spLocks noGrp="1"/>
-          </p:cNvSpPr>
-          <p:nvPr>
             <p:ph idx="1"/>
           </p:nvPr>
         </p:nvSpPr>
-        <p:spPr/>
-        <p:txBody>
-          <a:bodyPr/>
-          <a:lstStyle/>
-          <a:p>
-            <a:endParaRPr lang="en-US"/>
-          </a:p>
-        </p:txBody>
-      </p:sp>
+        <p:spPr>
+          <a:xfrm>
+            <a:off x="965916" y="4691598"/>
+            <a:ext cx="10097036" cy="1709201"/>
+          </a:xfrm>
+        </p:spPr>
+        <p:txBody>
+          <a:bodyPr>
+            <a:normAutofit/>
+          </a:bodyPr>
+          <a:lstStyle/>
+          <a:p>
+            <a:r>
+              <a:rPr lang="en-US" dirty="0" smtClean="0"/>
+              <a:t>Compared US population by state vs the YOY growth rate (2017 vs 2016) for Computer and Mathematical Occupations</a:t>
+            </a:r>
+          </a:p>
+          <a:p>
+            <a:pPr lvl="1"/>
+            <a:r>
+              <a:rPr lang="en-US" dirty="0" smtClean="0"/>
+              <a:t>Surprisingly, a larger population did not necessarily translate to higher job growth in this case</a:t>
+            </a:r>
+            <a:endParaRPr lang="en-US" dirty="0"/>
+          </a:p>
+        </p:txBody>
+      </p:sp>
+      <p:pic>
+        <p:nvPicPr>
+          <p:cNvPr id="5" name="Picture 4"/>
+          <p:cNvPicPr>
+            <a:picLocks noChangeAspect="1"/>
+          </p:cNvPicPr>
+          <p:nvPr/>
+        </p:nvPicPr>
+        <p:blipFill>
+          <a:blip r:embed="rId2"/>
+          <a:stretch>
+            <a:fillRect/>
+          </a:stretch>
+        </p:blipFill>
+        <p:spPr>
+          <a:xfrm>
+            <a:off x="433454" y="298963"/>
+            <a:ext cx="11027701" cy="4131369"/>
+          </a:xfrm>
+          <a:prstGeom prst="rect">
+            <a:avLst/>
+          </a:prstGeom>
+        </p:spPr>
+      </p:pic>
     </p:spTree>
     <p:extLst>
       <p:ext uri="{BB962C8B-B14F-4D97-AF65-F5344CB8AC3E}">
@@ -4431,10 +4737,10 @@
       </p:grpSpPr>
       <p:sp>
         <p:nvSpPr>
-          <p:cNvPr id="2" name="Title 1">
+          <p:cNvPr id="3" name="Content Placeholder 2">
             <a:extLst>
               <a:ext uri="{FF2B5EF4-FFF2-40B4-BE49-F238E27FC236}">
-                <a16:creationId xmlns:a16="http://schemas.microsoft.com/office/drawing/2014/main" xmlns="" id="{5E54B0BD-FF8D-4E11-9BEB-3F77438508DA}"/>
+                <a16:creationId xmlns="" xmlns:a16="http://schemas.microsoft.com/office/drawing/2014/main" id="{D5826885-9438-4A25-96CD-3B3831A94768}"/>
               </a:ext>
             </a:extLst>
           </p:cNvPr>
@@ -4442,46 +4748,76 @@
             <a:spLocks noGrp="1"/>
           </p:cNvSpPr>
           <p:nvPr>
-            <p:ph type="title"/>
-          </p:nvPr>
-        </p:nvSpPr>
-        <p:spPr/>
-        <p:txBody>
-          <a:bodyPr/>
-          <a:lstStyle/>
-          <a:p>
-            <a:r>
-              <a:rPr lang="en-US" dirty="0"/>
-              <a:t>Winnie</a:t>
-            </a:r>
-          </a:p>
-        </p:txBody>
-      </p:sp>
-      <p:sp>
-        <p:nvSpPr>
-          <p:cNvPr id="3" name="Content Placeholder 2">
-            <a:extLst>
-              <a:ext uri="{FF2B5EF4-FFF2-40B4-BE49-F238E27FC236}">
-                <a16:creationId xmlns:a16="http://schemas.microsoft.com/office/drawing/2014/main" xmlns="" id="{D5826885-9438-4A25-96CD-3B3831A94768}"/>
-              </a:ext>
-            </a:extLst>
-          </p:cNvPr>
-          <p:cNvSpPr>
-            <a:spLocks noGrp="1"/>
-          </p:cNvSpPr>
-          <p:nvPr>
             <p:ph idx="1"/>
           </p:nvPr>
         </p:nvSpPr>
-        <p:spPr/>
-        <p:txBody>
-          <a:bodyPr/>
-          <a:lstStyle/>
-          <a:p>
-            <a:endParaRPr lang="en-US"/>
-          </a:p>
-        </p:txBody>
-      </p:sp>
+        <p:spPr>
+          <a:xfrm>
+            <a:off x="875763" y="6104587"/>
+            <a:ext cx="10483403" cy="682581"/>
+          </a:xfrm>
+        </p:spPr>
+        <p:txBody>
+          <a:bodyPr>
+            <a:normAutofit lnSpcReduction="10000"/>
+          </a:bodyPr>
+          <a:lstStyle/>
+          <a:p>
+            <a:pPr marL="0" indent="0" algn="ctr">
+              <a:buNone/>
+            </a:pPr>
+            <a:r>
+              <a:rPr lang="en-US" sz="2300" dirty="0" smtClean="0"/>
+              <a:t>Focus on Illinois job growth (2017 vs 2016 </a:t>
+            </a:r>
+            <a:r>
+              <a:rPr lang="en-US" sz="2300" dirty="0" smtClean="0"/>
+              <a:t>employment #s) </a:t>
+            </a:r>
+            <a:r>
+              <a:rPr lang="en-US" sz="2300" dirty="0" smtClean="0"/>
+              <a:t>for Computer and Mathematical Occupations</a:t>
+            </a:r>
+            <a:endParaRPr lang="en-US" sz="1900" dirty="0" smtClean="0"/>
+          </a:p>
+          <a:p>
+            <a:pPr marL="0" indent="0">
+              <a:buNone/>
+            </a:pPr>
+            <a:endParaRPr lang="en-US" dirty="0"/>
+          </a:p>
+          <a:p>
+            <a:pPr marL="0" indent="0">
+              <a:buNone/>
+            </a:pPr>
+            <a:endParaRPr lang="en-US" dirty="0"/>
+          </a:p>
+        </p:txBody>
+      </p:sp>
+      <p:pic>
+        <p:nvPicPr>
+          <p:cNvPr id="5" name="Picture 4"/>
+          <p:cNvPicPr>
+            <a:picLocks noChangeAspect="1"/>
+          </p:cNvPicPr>
+          <p:nvPr/>
+        </p:nvPicPr>
+        <p:blipFill>
+          <a:blip r:embed="rId2"/>
+          <a:stretch>
+            <a:fillRect/>
+          </a:stretch>
+        </p:blipFill>
+        <p:spPr>
+          <a:xfrm>
+            <a:off x="669701" y="226516"/>
+            <a:ext cx="10689465" cy="5543219"/>
+          </a:xfrm>
+          <a:prstGeom prst="rect">
+            <a:avLst/>
+          </a:prstGeom>
+        </p:spPr>
+      </p:pic>
     </p:spTree>
     <p:extLst>
       <p:ext uri="{BB962C8B-B14F-4D97-AF65-F5344CB8AC3E}">
@@ -4517,7 +4853,7 @@
           <p:cNvPr id="2" name="Title 1">
             <a:extLst>
               <a:ext uri="{FF2B5EF4-FFF2-40B4-BE49-F238E27FC236}">
-                <a16:creationId xmlns:a16="http://schemas.microsoft.com/office/drawing/2014/main" xmlns="" id="{5BC62E2F-3F84-4D24-A181-6AB0713EA83D}"/>
+                <a16:creationId xmlns="" xmlns:a16="http://schemas.microsoft.com/office/drawing/2014/main" id="{5BC62E2F-3F84-4D24-A181-6AB0713EA83D}"/>
               </a:ext>
             </a:extLst>
           </p:cNvPr>
@@ -4545,7 +4881,7 @@
           <p:cNvPr id="3" name="Content Placeholder 2">
             <a:extLst>
               <a:ext uri="{FF2B5EF4-FFF2-40B4-BE49-F238E27FC236}">
-                <a16:creationId xmlns:a16="http://schemas.microsoft.com/office/drawing/2014/main" xmlns="" id="{44421017-3198-4C0E-8920-4B392F51EC4B}"/>
+                <a16:creationId xmlns="" xmlns:a16="http://schemas.microsoft.com/office/drawing/2014/main" id="{44421017-3198-4C0E-8920-4B392F51EC4B}"/>
               </a:ext>
             </a:extLst>
           </p:cNvPr>
@@ -4600,7 +4936,7 @@
           <p:cNvPr id="2" name="Title 1">
             <a:extLst>
               <a:ext uri="{FF2B5EF4-FFF2-40B4-BE49-F238E27FC236}">
-                <a16:creationId xmlns:a16="http://schemas.microsoft.com/office/drawing/2014/main" xmlns="" id="{AB68570A-62BD-4471-B097-C694410375A6}"/>
+                <a16:creationId xmlns="" xmlns:a16="http://schemas.microsoft.com/office/drawing/2014/main" id="{AB68570A-62BD-4471-B097-C694410375A6}"/>
               </a:ext>
             </a:extLst>
           </p:cNvPr>
@@ -4628,7 +4964,7 @@
           <p:cNvPr id="3" name="Content Placeholder 2">
             <a:extLst>
               <a:ext uri="{FF2B5EF4-FFF2-40B4-BE49-F238E27FC236}">
-                <a16:creationId xmlns:a16="http://schemas.microsoft.com/office/drawing/2014/main" xmlns="" id="{A42855D1-93E7-4E7A-8085-8280AD128517}"/>
+                <a16:creationId xmlns="" xmlns:a16="http://schemas.microsoft.com/office/drawing/2014/main" id="{A42855D1-93E7-4E7A-8085-8280AD128517}"/>
               </a:ext>
             </a:extLst>
           </p:cNvPr>

--- a/Group_7_Presentation.pptx
+++ b/Group_7_Presentation.pptx
@@ -16,14 +16,15 @@
     <p:sldId id="270" r:id="rId10"/>
     <p:sldId id="271" r:id="rId11"/>
     <p:sldId id="272" r:id="rId12"/>
-    <p:sldId id="260" r:id="rId13"/>
-    <p:sldId id="267" r:id="rId14"/>
-    <p:sldId id="268" r:id="rId15"/>
-    <p:sldId id="261" r:id="rId16"/>
-    <p:sldId id="262" r:id="rId17"/>
-    <p:sldId id="259" r:id="rId18"/>
-    <p:sldId id="273" r:id="rId19"/>
-    <p:sldId id="274" r:id="rId20"/>
+    <p:sldId id="280" r:id="rId13"/>
+    <p:sldId id="281" r:id="rId14"/>
+    <p:sldId id="267" r:id="rId15"/>
+    <p:sldId id="282" r:id="rId16"/>
+    <p:sldId id="261" r:id="rId17"/>
+    <p:sldId id="262" r:id="rId18"/>
+    <p:sldId id="259" r:id="rId19"/>
+    <p:sldId id="273" r:id="rId20"/>
+    <p:sldId id="274" r:id="rId21"/>
   </p:sldIdLst>
   <p:sldSz cx="12192000" cy="6858000"/>
   <p:notesSz cx="6858000" cy="9144000"/>
@@ -259,7 +260,7 @@
           <a:p>
             <a:fld id="{5DEA3F82-8CB4-4B0C-B6BE-1390C73654E0}" type="datetimeFigureOut">
               <a:rPr lang="en-US" smtClean="0"/>
-              <a:t>3/31/2019</a:t>
+              <a:t>3/31/19</a:t>
             </a:fld>
             <a:endParaRPr lang="en-US"/>
           </a:p>
@@ -427,7 +428,7 @@
           <a:p>
             <a:fld id="{5DEA3F82-8CB4-4B0C-B6BE-1390C73654E0}" type="datetimeFigureOut">
               <a:rPr lang="en-US" smtClean="0"/>
-              <a:t>3/31/2019</a:t>
+              <a:t>3/31/19</a:t>
             </a:fld>
             <a:endParaRPr lang="en-US"/>
           </a:p>
@@ -605,7 +606,7 @@
           <a:p>
             <a:fld id="{5DEA3F82-8CB4-4B0C-B6BE-1390C73654E0}" type="datetimeFigureOut">
               <a:rPr lang="en-US" smtClean="0"/>
-              <a:t>3/31/2019</a:t>
+              <a:t>3/31/19</a:t>
             </a:fld>
             <a:endParaRPr lang="en-US"/>
           </a:p>
@@ -773,7 +774,7 @@
           <a:p>
             <a:fld id="{5DEA3F82-8CB4-4B0C-B6BE-1390C73654E0}" type="datetimeFigureOut">
               <a:rPr lang="en-US" smtClean="0"/>
-              <a:t>3/31/2019</a:t>
+              <a:t>3/31/19</a:t>
             </a:fld>
             <a:endParaRPr lang="en-US"/>
           </a:p>
@@ -1018,7 +1019,7 @@
           <a:p>
             <a:fld id="{5DEA3F82-8CB4-4B0C-B6BE-1390C73654E0}" type="datetimeFigureOut">
               <a:rPr lang="en-US" smtClean="0"/>
-              <a:t>3/31/2019</a:t>
+              <a:t>3/31/19</a:t>
             </a:fld>
             <a:endParaRPr lang="en-US"/>
           </a:p>
@@ -1247,7 +1248,7 @@
           <a:p>
             <a:fld id="{5DEA3F82-8CB4-4B0C-B6BE-1390C73654E0}" type="datetimeFigureOut">
               <a:rPr lang="en-US" smtClean="0"/>
-              <a:t>3/31/2019</a:t>
+              <a:t>3/31/19</a:t>
             </a:fld>
             <a:endParaRPr lang="en-US"/>
           </a:p>
@@ -1611,7 +1612,7 @@
           <a:p>
             <a:fld id="{5DEA3F82-8CB4-4B0C-B6BE-1390C73654E0}" type="datetimeFigureOut">
               <a:rPr lang="en-US" smtClean="0"/>
-              <a:t>3/31/2019</a:t>
+              <a:t>3/31/19</a:t>
             </a:fld>
             <a:endParaRPr lang="en-US"/>
           </a:p>
@@ -1728,7 +1729,7 @@
           <a:p>
             <a:fld id="{5DEA3F82-8CB4-4B0C-B6BE-1390C73654E0}" type="datetimeFigureOut">
               <a:rPr lang="en-US" smtClean="0"/>
-              <a:t>3/31/2019</a:t>
+              <a:t>3/31/19</a:t>
             </a:fld>
             <a:endParaRPr lang="en-US"/>
           </a:p>
@@ -1823,7 +1824,7 @@
           <a:p>
             <a:fld id="{5DEA3F82-8CB4-4B0C-B6BE-1390C73654E0}" type="datetimeFigureOut">
               <a:rPr lang="en-US" smtClean="0"/>
-              <a:t>3/31/2019</a:t>
+              <a:t>3/31/19</a:t>
             </a:fld>
             <a:endParaRPr lang="en-US"/>
           </a:p>
@@ -2098,7 +2099,7 @@
           <a:p>
             <a:fld id="{5DEA3F82-8CB4-4B0C-B6BE-1390C73654E0}" type="datetimeFigureOut">
               <a:rPr lang="en-US" smtClean="0"/>
-              <a:t>3/31/2019</a:t>
+              <a:t>3/31/19</a:t>
             </a:fld>
             <a:endParaRPr lang="en-US"/>
           </a:p>
@@ -2350,7 +2351,7 @@
           <a:p>
             <a:fld id="{5DEA3F82-8CB4-4B0C-B6BE-1390C73654E0}" type="datetimeFigureOut">
               <a:rPr lang="en-US" smtClean="0"/>
-              <a:t>3/31/2019</a:t>
+              <a:t>3/31/19</a:t>
             </a:fld>
             <a:endParaRPr lang="en-US"/>
           </a:p>
@@ -2561,7 +2562,7 @@
           <a:p>
             <a:fld id="{5DEA3F82-8CB4-4B0C-B6BE-1390C73654E0}" type="datetimeFigureOut">
               <a:rPr lang="en-US" smtClean="0"/>
-              <a:t>3/31/2019</a:t>
+              <a:t>3/31/19</a:t>
             </a:fld>
             <a:endParaRPr lang="en-US"/>
           </a:p>
@@ -3055,7 +3056,7 @@
           <p:cNvPr id="2" name="Title 1">
             <a:extLst>
               <a:ext uri="{FF2B5EF4-FFF2-40B4-BE49-F238E27FC236}">
-                <a16:creationId xmlns="" xmlns:a16="http://schemas.microsoft.com/office/drawing/2014/main" id="{78B99B29-14C1-41E4-9AC8-5AAC36F4C384}"/>
+                <a16:creationId xmlns:a16="http://schemas.microsoft.com/office/drawing/2014/main" id="{78B99B29-14C1-41E4-9AC8-5AAC36F4C384}"/>
               </a:ext>
             </a:extLst>
           </p:cNvPr>
@@ -3083,7 +3084,7 @@
           <p:cNvPr id="3" name="Content Placeholder 2">
             <a:extLst>
               <a:ext uri="{FF2B5EF4-FFF2-40B4-BE49-F238E27FC236}">
-                <a16:creationId xmlns="" xmlns:a16="http://schemas.microsoft.com/office/drawing/2014/main" id="{217DF154-F65A-4479-826C-9C8777C22D6A}"/>
+                <a16:creationId xmlns:a16="http://schemas.microsoft.com/office/drawing/2014/main" id="{217DF154-F65A-4479-826C-9C8777C22D6A}"/>
               </a:ext>
             </a:extLst>
           </p:cNvPr>
@@ -3138,7 +3139,7 @@
           <p:cNvPr id="2" name="Title 1">
             <a:extLst>
               <a:ext uri="{FF2B5EF4-FFF2-40B4-BE49-F238E27FC236}">
-                <a16:creationId xmlns="" xmlns:a16="http://schemas.microsoft.com/office/drawing/2014/main" id="{7256FCE9-7BE9-4F85-87B5-C52DFBE161F5}"/>
+                <a16:creationId xmlns:a16="http://schemas.microsoft.com/office/drawing/2014/main" id="{7256FCE9-7BE9-4F85-87B5-C52DFBE161F5}"/>
               </a:ext>
             </a:extLst>
           </p:cNvPr>
@@ -3166,7 +3167,7 @@
           <p:cNvPr id="3" name="Content Placeholder 2">
             <a:extLst>
               <a:ext uri="{FF2B5EF4-FFF2-40B4-BE49-F238E27FC236}">
-                <a16:creationId xmlns="" xmlns:a16="http://schemas.microsoft.com/office/drawing/2014/main" id="{D18A4F9A-AF0B-43FB-AC8B-3A6E95478A93}"/>
+                <a16:creationId xmlns:a16="http://schemas.microsoft.com/office/drawing/2014/main" id="{D18A4F9A-AF0B-43FB-AC8B-3A6E95478A93}"/>
               </a:ext>
             </a:extLst>
           </p:cNvPr>
@@ -3183,6 +3184,40 @@
           <a:lstStyle/>
           <a:p>
             <a:endParaRPr lang="en-US"/>
+          </a:p>
+        </p:txBody>
+      </p:sp>
+      <p:sp>
+        <p:nvSpPr>
+          <p:cNvPr id="4" name="Rectangle 3">
+            <a:extLst>
+              <a:ext uri="{FF2B5EF4-FFF2-40B4-BE49-F238E27FC236}">
+                <a16:creationId xmlns:a16="http://schemas.microsoft.com/office/drawing/2014/main" id="{ADEE3582-91E2-E843-82CD-EBA29099847F}"/>
+              </a:ext>
+            </a:extLst>
+          </p:cNvPr>
+          <p:cNvSpPr/>
+          <p:nvPr/>
+        </p:nvSpPr>
+        <p:spPr>
+          <a:xfrm>
+            <a:off x="5348039" y="3244334"/>
+            <a:ext cx="1495922" cy="369332"/>
+          </a:xfrm>
+          <a:prstGeom prst="rect">
+            <a:avLst/>
+          </a:prstGeom>
+        </p:spPr>
+        <p:txBody>
+          <a:bodyPr wrap="none">
+            <a:spAutoFit/>
+          </a:bodyPr>
+          <a:lstStyle/>
+          <a:p>
+            <a:r>
+              <a:rPr lang="en-US" dirty="0"/>
+              <a:t>847-208-5631</a:t>
+            </a:r>
           </a:p>
         </p:txBody>
       </p:sp>
@@ -3221,7 +3256,7 @@
           <p:cNvPr id="2" name="Title 1">
             <a:extLst>
               <a:ext uri="{FF2B5EF4-FFF2-40B4-BE49-F238E27FC236}">
-                <a16:creationId xmlns="" xmlns:a16="http://schemas.microsoft.com/office/drawing/2014/main" id="{1B1F4B00-EF37-4C07-9537-1E831E501C38}"/>
+                <a16:creationId xmlns:a16="http://schemas.microsoft.com/office/drawing/2014/main" id="{1B85EE37-585C-E64B-A7B4-E9E8C734F5D4}"/>
               </a:ext>
             </a:extLst>
           </p:cNvPr>
@@ -3234,45 +3269,58 @@
         </p:nvSpPr>
         <p:spPr/>
         <p:txBody>
-          <a:bodyPr/>
+          <a:bodyPr>
+            <a:normAutofit fontScale="90000"/>
+          </a:bodyPr>
           <a:lstStyle/>
           <a:p>
             <a:r>
               <a:rPr lang="en-US" dirty="0"/>
-              <a:t>Lei</a:t>
-            </a:r>
-          </a:p>
-        </p:txBody>
-      </p:sp>
-      <p:sp>
-        <p:nvSpPr>
-          <p:cNvPr id="3" name="Content Placeholder 2">
+              <a:t>The overall employment status by occupations in US</a:t>
+            </a:r>
+            <a:br>
+              <a:rPr lang="en-US" dirty="0"/>
+            </a:br>
+            <a:endParaRPr lang="en-US" dirty="0"/>
+          </a:p>
+        </p:txBody>
+      </p:sp>
+      <p:pic>
+        <p:nvPicPr>
+          <p:cNvPr id="4" name="Content Placeholder 3" descr="A screenshot of a cell phone&#10;&#10;Description automatically generated">
             <a:extLst>
               <a:ext uri="{FF2B5EF4-FFF2-40B4-BE49-F238E27FC236}">
-                <a16:creationId xmlns="" xmlns:a16="http://schemas.microsoft.com/office/drawing/2014/main" id="{21F9F2CA-ECC9-484B-B753-0CB92985B738}"/>
+                <a16:creationId xmlns:a16="http://schemas.microsoft.com/office/drawing/2014/main" id="{FD0DA324-9218-FB43-8DC1-2E5B35B91D27}"/>
               </a:ext>
             </a:extLst>
           </p:cNvPr>
-          <p:cNvSpPr>
-            <a:spLocks noGrp="1"/>
-          </p:cNvSpPr>
+          <p:cNvPicPr>
+            <a:picLocks noGrp="1" noChangeAspect="1"/>
+          </p:cNvPicPr>
           <p:nvPr>
             <p:ph idx="1"/>
           </p:nvPr>
-        </p:nvSpPr>
-        <p:spPr/>
-        <p:txBody>
-          <a:bodyPr/>
-          <a:lstStyle/>
-          <a:p>
-            <a:endParaRPr lang="en-US"/>
-          </a:p>
-        </p:txBody>
-      </p:sp>
+        </p:nvPicPr>
+        <p:blipFill>
+          <a:blip r:embed="rId2"/>
+          <a:stretch>
+            <a:fillRect/>
+          </a:stretch>
+        </p:blipFill>
+        <p:spPr>
+          <a:xfrm>
+            <a:off x="2532916" y="1176951"/>
+            <a:ext cx="6546071" cy="5018119"/>
+          </a:xfrm>
+          <a:prstGeom prst="rect">
+            <a:avLst/>
+          </a:prstGeom>
+        </p:spPr>
+      </p:pic>
     </p:spTree>
     <p:extLst>
       <p:ext uri="{BB962C8B-B14F-4D97-AF65-F5344CB8AC3E}">
-        <p14:creationId xmlns:p14="http://schemas.microsoft.com/office/powerpoint/2010/main" val="3902259594"/>
+        <p14:creationId xmlns:p14="http://schemas.microsoft.com/office/powerpoint/2010/main" val="503507451"/>
       </p:ext>
     </p:extLst>
   </p:cSld>
@@ -3304,7 +3352,7 @@
           <p:cNvPr id="2" name="Title 1">
             <a:extLst>
               <a:ext uri="{FF2B5EF4-FFF2-40B4-BE49-F238E27FC236}">
-                <a16:creationId xmlns="" xmlns:a16="http://schemas.microsoft.com/office/drawing/2014/main" id="{5C464BB5-BAE0-4F49-A1DD-88A4EFCEA646}"/>
+                <a16:creationId xmlns:a16="http://schemas.microsoft.com/office/drawing/2014/main" id="{1CFEA6E0-9345-1C43-9594-047B355EECDF}"/>
               </a:ext>
             </a:extLst>
           </p:cNvPr>
@@ -3317,13 +3365,19 @@
         </p:nvSpPr>
         <p:spPr/>
         <p:txBody>
-          <a:bodyPr/>
+          <a:bodyPr>
+            <a:normAutofit fontScale="90000"/>
+          </a:bodyPr>
           <a:lstStyle/>
           <a:p>
             <a:r>
               <a:rPr lang="en-US" dirty="0"/>
-              <a:t>Lei</a:t>
-            </a:r>
+              <a:t>The employment status in Computer and Mathematical Occupation in US</a:t>
+            </a:r>
+            <a:br>
+              <a:rPr lang="en-US" dirty="0"/>
+            </a:br>
+            <a:endParaRPr lang="en-US" dirty="0"/>
           </a:p>
         </p:txBody>
       </p:sp>
@@ -3332,7 +3386,7 @@
           <p:cNvPr id="3" name="Content Placeholder 2">
             <a:extLst>
               <a:ext uri="{FF2B5EF4-FFF2-40B4-BE49-F238E27FC236}">
-                <a16:creationId xmlns="" xmlns:a16="http://schemas.microsoft.com/office/drawing/2014/main" id="{7A73EA22-73B0-4644-8354-45C9301D4F9A}"/>
+                <a16:creationId xmlns:a16="http://schemas.microsoft.com/office/drawing/2014/main" id="{24A55C32-3DD7-2447-BB08-F22F0B78EFB7}"/>
               </a:ext>
             </a:extLst>
           </p:cNvPr>
@@ -3352,10 +3406,70 @@
           </a:p>
         </p:txBody>
       </p:sp>
+      <p:pic>
+        <p:nvPicPr>
+          <p:cNvPr id="4" name="Picture 3" descr="A screenshot of a cell phone&#10;&#10;Description automatically generated">
+            <a:extLst>
+              <a:ext uri="{FF2B5EF4-FFF2-40B4-BE49-F238E27FC236}">
+                <a16:creationId xmlns:a16="http://schemas.microsoft.com/office/drawing/2014/main" id="{E9DA613F-6617-2142-B96C-019A03E68177}"/>
+              </a:ext>
+            </a:extLst>
+          </p:cNvPr>
+          <p:cNvPicPr>
+            <a:picLocks noChangeAspect="1"/>
+          </p:cNvPicPr>
+          <p:nvPr/>
+        </p:nvPicPr>
+        <p:blipFill>
+          <a:blip r:embed="rId2"/>
+          <a:stretch>
+            <a:fillRect/>
+          </a:stretch>
+        </p:blipFill>
+        <p:spPr>
+          <a:xfrm>
+            <a:off x="106554" y="1690784"/>
+            <a:ext cx="5568922" cy="4621020"/>
+          </a:xfrm>
+          <a:prstGeom prst="rect">
+            <a:avLst/>
+          </a:prstGeom>
+        </p:spPr>
+      </p:pic>
+      <p:pic>
+        <p:nvPicPr>
+          <p:cNvPr id="5" name="Picture 4" descr="A screenshot of a cell phone&#10;&#10;Description automatically generated">
+            <a:extLst>
+              <a:ext uri="{FF2B5EF4-FFF2-40B4-BE49-F238E27FC236}">
+                <a16:creationId xmlns:a16="http://schemas.microsoft.com/office/drawing/2014/main" id="{9D263993-A54D-C54F-B641-5C70D730E41D}"/>
+              </a:ext>
+            </a:extLst>
+          </p:cNvPr>
+          <p:cNvPicPr>
+            <a:picLocks noChangeAspect="1"/>
+          </p:cNvPicPr>
+          <p:nvPr/>
+        </p:nvPicPr>
+        <p:blipFill>
+          <a:blip r:embed="rId3"/>
+          <a:stretch>
+            <a:fillRect/>
+          </a:stretch>
+        </p:blipFill>
+        <p:spPr>
+          <a:xfrm>
+            <a:off x="5821379" y="1776869"/>
+            <a:ext cx="5954916" cy="3828161"/>
+          </a:xfrm>
+          <a:prstGeom prst="rect">
+            <a:avLst/>
+          </a:prstGeom>
+        </p:spPr>
+      </p:pic>
     </p:spTree>
     <p:extLst>
       <p:ext uri="{BB962C8B-B14F-4D97-AF65-F5344CB8AC3E}">
-        <p14:creationId xmlns:p14="http://schemas.microsoft.com/office/powerpoint/2010/main" val="1446083105"/>
+        <p14:creationId xmlns:p14="http://schemas.microsoft.com/office/powerpoint/2010/main" val="2979562136"/>
       </p:ext>
     </p:extLst>
   </p:cSld>
@@ -3387,7 +3501,7 @@
           <p:cNvPr id="2" name="Title 1">
             <a:extLst>
               <a:ext uri="{FF2B5EF4-FFF2-40B4-BE49-F238E27FC236}">
-                <a16:creationId xmlns="" xmlns:a16="http://schemas.microsoft.com/office/drawing/2014/main" id="{0A097A61-2BE1-4484-B5FE-BDD79AC2A033}"/>
+                <a16:creationId xmlns:a16="http://schemas.microsoft.com/office/drawing/2014/main" id="{5C464BB5-BAE0-4F49-A1DD-88A4EFCEA646}"/>
               </a:ext>
             </a:extLst>
           </p:cNvPr>
@@ -3405,7 +3519,7 @@
           <a:p>
             <a:r>
               <a:rPr lang="en-US" dirty="0"/>
-              <a:t>Lei</a:t>
+              <a:t>Wages?</a:t>
             </a:r>
           </a:p>
         </p:txBody>
@@ -3415,7 +3529,7 @@
           <p:cNvPr id="3" name="Content Placeholder 2">
             <a:extLst>
               <a:ext uri="{FF2B5EF4-FFF2-40B4-BE49-F238E27FC236}">
-                <a16:creationId xmlns="" xmlns:a16="http://schemas.microsoft.com/office/drawing/2014/main" id="{83C2C619-B699-4459-A2C7-9AD87D27386F}"/>
+                <a16:creationId xmlns:a16="http://schemas.microsoft.com/office/drawing/2014/main" id="{7A73EA22-73B0-4644-8354-45C9301D4F9A}"/>
               </a:ext>
             </a:extLst>
           </p:cNvPr>
@@ -3438,7 +3552,7 @@
     </p:spTree>
     <p:extLst>
       <p:ext uri="{BB962C8B-B14F-4D97-AF65-F5344CB8AC3E}">
-        <p14:creationId xmlns:p14="http://schemas.microsoft.com/office/powerpoint/2010/main" val="3926269651"/>
+        <p14:creationId xmlns:p14="http://schemas.microsoft.com/office/powerpoint/2010/main" val="1446083105"/>
       </p:ext>
     </p:extLst>
   </p:cSld>
@@ -3470,7 +3584,7 @@
           <p:cNvPr id="2" name="Title 1">
             <a:extLst>
               <a:ext uri="{FF2B5EF4-FFF2-40B4-BE49-F238E27FC236}">
-                <a16:creationId xmlns="" xmlns:a16="http://schemas.microsoft.com/office/drawing/2014/main" id="{F56923BD-4174-427E-B1BE-21D59A005378}"/>
+                <a16:creationId xmlns:a16="http://schemas.microsoft.com/office/drawing/2014/main" id="{27E5E4B7-0D24-1246-B992-4E761C8D9010}"/>
               </a:ext>
             </a:extLst>
           </p:cNvPr>
@@ -3488,7 +3602,7 @@
           <a:p>
             <a:r>
               <a:rPr lang="en-US" dirty="0"/>
-              <a:t>Lei</a:t>
+              <a:t>Summary</a:t>
             </a:r>
           </a:p>
         </p:txBody>
@@ -3498,7 +3612,7 @@
           <p:cNvPr id="3" name="Content Placeholder 2">
             <a:extLst>
               <a:ext uri="{FF2B5EF4-FFF2-40B4-BE49-F238E27FC236}">
-                <a16:creationId xmlns="" xmlns:a16="http://schemas.microsoft.com/office/drawing/2014/main" id="{36E2CC5B-B959-49E0-A58A-CCFD68B3DB72}"/>
+                <a16:creationId xmlns:a16="http://schemas.microsoft.com/office/drawing/2014/main" id="{F68D2FE6-AC37-FA4F-B071-B1D2CB6CF5FE}"/>
               </a:ext>
             </a:extLst>
           </p:cNvPr>
@@ -3511,17 +3625,181 @@
         </p:nvSpPr>
         <p:spPr/>
         <p:txBody>
-          <a:bodyPr/>
-          <a:lstStyle/>
-          <a:p>
-            <a:endParaRPr lang="en-US"/>
-          </a:p>
-        </p:txBody>
-      </p:sp>
+          <a:bodyPr>
+            <a:normAutofit fontScale="92500"/>
+          </a:bodyPr>
+          <a:lstStyle/>
+          <a:p>
+            <a:r>
+              <a:rPr lang="en-US" dirty="0"/>
+              <a:t>The overall employment status by occupations in US in 2017</a:t>
+            </a:r>
+          </a:p>
+          <a:p>
+            <a:pPr lvl="1"/>
+            <a:r>
+              <a:rPr lang="en-US" dirty="0"/>
+              <a:t>Nation level top 3: administrative Support, sales and food preparation and serving</a:t>
+            </a:r>
+          </a:p>
+          <a:p>
+            <a:pPr lvl="1"/>
+            <a:r>
+              <a:rPr lang="en-US" dirty="0"/>
+              <a:t>Computer and Mathematical occupations rank No. 14 among 22 major occupation </a:t>
+            </a:r>
+            <a:r>
+              <a:rPr lang="en-US" dirty="0" err="1"/>
+              <a:t>catergories</a:t>
+            </a:r>
+            <a:r>
+              <a:rPr lang="en-US" dirty="0"/>
+              <a:t> </a:t>
+            </a:r>
+          </a:p>
+          <a:p>
+            <a:pPr lvl="1"/>
+            <a:endParaRPr lang="en-US" dirty="0"/>
+          </a:p>
+          <a:p>
+            <a:pPr lvl="1"/>
+            <a:endParaRPr lang="en-US" dirty="0"/>
+          </a:p>
+          <a:p>
+            <a:pPr lvl="1"/>
+            <a:endParaRPr lang="en-US" dirty="0"/>
+          </a:p>
+          <a:p>
+            <a:r>
+              <a:rPr lang="en-US" dirty="0"/>
+              <a:t>The employment status in Computer and Mathematical Occupation in US</a:t>
+            </a:r>
+          </a:p>
+          <a:p>
+            <a:pPr lvl="1"/>
+            <a:r>
+              <a:rPr lang="en-US" dirty="0"/>
+              <a:t>Top 3 states: California, Texas, and New York</a:t>
+            </a:r>
+          </a:p>
+          <a:p>
+            <a:pPr lvl="1"/>
+            <a:r>
+              <a:rPr lang="en-US" dirty="0"/>
+              <a:t>Top 3: software developers, computer user support specialists and computer analysts are the highest</a:t>
+            </a:r>
+          </a:p>
+          <a:p>
+            <a:pPr marL="457200" lvl="1" indent="0">
+              <a:buNone/>
+            </a:pPr>
+            <a:endParaRPr lang="en-US" dirty="0"/>
+          </a:p>
+          <a:p>
+            <a:endParaRPr lang="en-US" dirty="0"/>
+          </a:p>
+          <a:p>
+            <a:endParaRPr lang="en-US" dirty="0"/>
+          </a:p>
+          <a:p>
+            <a:endParaRPr lang="en-US" dirty="0"/>
+          </a:p>
+        </p:txBody>
+      </p:sp>
+      <p:pic>
+        <p:nvPicPr>
+          <p:cNvPr id="5" name="Picture 4" descr="A screenshot of a cell phone&#10;&#10;Description automatically generated">
+            <a:extLst>
+              <a:ext uri="{FF2B5EF4-FFF2-40B4-BE49-F238E27FC236}">
+                <a16:creationId xmlns:a16="http://schemas.microsoft.com/office/drawing/2014/main" id="{48BC8E64-8325-814A-8928-526E3E12FE79}"/>
+              </a:ext>
+            </a:extLst>
+          </p:cNvPr>
+          <p:cNvPicPr>
+            <a:picLocks noChangeAspect="1"/>
+          </p:cNvPicPr>
+          <p:nvPr/>
+        </p:nvPicPr>
+        <p:blipFill>
+          <a:blip r:embed="rId2"/>
+          <a:stretch>
+            <a:fillRect/>
+          </a:stretch>
+        </p:blipFill>
+        <p:spPr>
+          <a:xfrm>
+            <a:off x="7043596" y="4657220"/>
+            <a:ext cx="1250680" cy="804009"/>
+          </a:xfrm>
+          <a:prstGeom prst="rect">
+            <a:avLst/>
+          </a:prstGeom>
+        </p:spPr>
+      </p:pic>
+      <p:pic>
+        <p:nvPicPr>
+          <p:cNvPr id="8" name="Picture 7" descr="A screenshot of a cell phone&#10;&#10;Description automatically generated">
+            <a:extLst>
+              <a:ext uri="{FF2B5EF4-FFF2-40B4-BE49-F238E27FC236}">
+                <a16:creationId xmlns:a16="http://schemas.microsoft.com/office/drawing/2014/main" id="{DBF7375F-535A-6E48-A58B-A7644C8C0AD5}"/>
+              </a:ext>
+            </a:extLst>
+          </p:cNvPr>
+          <p:cNvPicPr>
+            <a:picLocks noChangeAspect="1"/>
+          </p:cNvPicPr>
+          <p:nvPr/>
+        </p:nvPicPr>
+        <p:blipFill>
+          <a:blip r:embed="rId3"/>
+          <a:stretch>
+            <a:fillRect/>
+          </a:stretch>
+        </p:blipFill>
+        <p:spPr>
+          <a:xfrm>
+            <a:off x="3827493" y="5618878"/>
+            <a:ext cx="1345128" cy="1116170"/>
+          </a:xfrm>
+          <a:prstGeom prst="rect">
+            <a:avLst/>
+          </a:prstGeom>
+        </p:spPr>
+      </p:pic>
+      <p:pic>
+        <p:nvPicPr>
+          <p:cNvPr id="9" name="Content Placeholder 3" descr="A screenshot of a cell phone&#10;&#10;Description automatically generated">
+            <a:extLst>
+              <a:ext uri="{FF2B5EF4-FFF2-40B4-BE49-F238E27FC236}">
+                <a16:creationId xmlns:a16="http://schemas.microsoft.com/office/drawing/2014/main" id="{EB58B856-B875-9940-A3B7-E3EBB9984B58}"/>
+              </a:ext>
+            </a:extLst>
+          </p:cNvPr>
+          <p:cNvPicPr>
+            <a:picLocks noChangeAspect="1"/>
+          </p:cNvPicPr>
+          <p:nvPr/>
+        </p:nvPicPr>
+        <p:blipFill>
+          <a:blip r:embed="rId4"/>
+          <a:stretch>
+            <a:fillRect/>
+          </a:stretch>
+        </p:blipFill>
+        <p:spPr>
+          <a:xfrm>
+            <a:off x="4019738" y="3247432"/>
+            <a:ext cx="1483130" cy="1136945"/>
+          </a:xfrm>
+          <a:prstGeom prst="rect">
+            <a:avLst/>
+          </a:prstGeom>
+        </p:spPr>
+      </p:pic>
     </p:spTree>
     <p:extLst>
       <p:ext uri="{BB962C8B-B14F-4D97-AF65-F5344CB8AC3E}">
-        <p14:creationId xmlns:p14="http://schemas.microsoft.com/office/powerpoint/2010/main" val="540328364"/>
+        <p14:creationId xmlns:p14="http://schemas.microsoft.com/office/powerpoint/2010/main" val="3741776806"/>
       </p:ext>
     </p:extLst>
   </p:cSld>
@@ -3553,7 +3831,7 @@
           <p:cNvPr id="2" name="Title 1">
             <a:extLst>
               <a:ext uri="{FF2B5EF4-FFF2-40B4-BE49-F238E27FC236}">
-                <a16:creationId xmlns="" xmlns:a16="http://schemas.microsoft.com/office/drawing/2014/main" id="{21D3167F-30A9-4F8D-99EE-386A1F094613}"/>
+                <a16:creationId xmlns:a16="http://schemas.microsoft.com/office/drawing/2014/main" id="{F56923BD-4174-427E-B1BE-21D59A005378}"/>
               </a:ext>
             </a:extLst>
           </p:cNvPr>
@@ -3571,7 +3849,7 @@
           <a:p>
             <a:r>
               <a:rPr lang="en-US" dirty="0"/>
-              <a:t>Overall Summary </a:t>
+              <a:t>Lei</a:t>
             </a:r>
           </a:p>
         </p:txBody>
@@ -3581,7 +3859,7 @@
           <p:cNvPr id="3" name="Content Placeholder 2">
             <a:extLst>
               <a:ext uri="{FF2B5EF4-FFF2-40B4-BE49-F238E27FC236}">
-                <a16:creationId xmlns="" xmlns:a16="http://schemas.microsoft.com/office/drawing/2014/main" id="{571BA543-3A3F-43F0-957D-37B7A83B0853}"/>
+                <a16:creationId xmlns:a16="http://schemas.microsoft.com/office/drawing/2014/main" id="{36E2CC5B-B959-49E0-A58A-CCFD68B3DB72}"/>
               </a:ext>
             </a:extLst>
           </p:cNvPr>
@@ -3597,17 +3875,14 @@
           <a:bodyPr/>
           <a:lstStyle/>
           <a:p>
-            <a:r>
-              <a:rPr lang="en-US" dirty="0"/>
-              <a:t>Big take-aways</a:t>
-            </a:r>
+            <a:endParaRPr lang="en-US"/>
           </a:p>
         </p:txBody>
       </p:sp>
     </p:spTree>
     <p:extLst>
       <p:ext uri="{BB962C8B-B14F-4D97-AF65-F5344CB8AC3E}">
-        <p14:creationId xmlns:p14="http://schemas.microsoft.com/office/powerpoint/2010/main" val="3858428707"/>
+        <p14:creationId xmlns:p14="http://schemas.microsoft.com/office/powerpoint/2010/main" val="540328364"/>
       </p:ext>
     </p:extLst>
   </p:cSld>
@@ -3639,7 +3914,7 @@
           <p:cNvPr id="2" name="Title 1">
             <a:extLst>
               <a:ext uri="{FF2B5EF4-FFF2-40B4-BE49-F238E27FC236}">
-                <a16:creationId xmlns="" xmlns:a16="http://schemas.microsoft.com/office/drawing/2014/main" id="{D8975F0A-4727-47D2-96A8-DFAC0FBD6C91}"/>
+                <a16:creationId xmlns:a16="http://schemas.microsoft.com/office/drawing/2014/main" id="{21D3167F-30A9-4F8D-99EE-386A1F094613}"/>
               </a:ext>
             </a:extLst>
           </p:cNvPr>
@@ -3657,7 +3932,7 @@
           <a:p>
             <a:r>
               <a:rPr lang="en-US" dirty="0"/>
-              <a:t>Data Limitations</a:t>
+              <a:t>Overall Summary </a:t>
             </a:r>
           </a:p>
         </p:txBody>
@@ -3667,7 +3942,7 @@
           <p:cNvPr id="3" name="Content Placeholder 2">
             <a:extLst>
               <a:ext uri="{FF2B5EF4-FFF2-40B4-BE49-F238E27FC236}">
-                <a16:creationId xmlns="" xmlns:a16="http://schemas.microsoft.com/office/drawing/2014/main" id="{C69386F3-A2F7-4C59-B5D1-F22F1E51F196}"/>
+                <a16:creationId xmlns:a16="http://schemas.microsoft.com/office/drawing/2014/main" id="{571BA543-3A3F-43F0-957D-37B7A83B0853}"/>
               </a:ext>
             </a:extLst>
           </p:cNvPr>
@@ -3680,38 +3955,12 @@
         </p:nvSpPr>
         <p:spPr/>
         <p:txBody>
-          <a:bodyPr>
-            <a:normAutofit/>
-          </a:bodyPr>
+          <a:bodyPr/>
           <a:lstStyle/>
           <a:p>
             <a:r>
               <a:rPr lang="en-US" dirty="0"/>
-              <a:t>Bureau of Labor Statistics data is based on employment of individuals over 16 only (?)</a:t>
-            </a:r>
-          </a:p>
-          <a:p>
-            <a:r>
-              <a:rPr lang="en-US" dirty="0"/>
-              <a:t>The BLS included calculations for the percent relative standard error (RSE) for total employment #s.  Looking at a sample of the RSEs, there were concerns about the precision of certain estimates</a:t>
-            </a:r>
-          </a:p>
-          <a:p>
-            <a:r>
-              <a:rPr lang="en-US" dirty="0"/>
-              <a:t>Estimates for detailed occupations do not sum to the totals because the totals include occupations not shown separately. </a:t>
-            </a:r>
-          </a:p>
-          <a:p>
-            <a:r>
-              <a:rPr lang="en-US" dirty="0"/>
-              <a:t>Estimates do not include self-employed workers.</a:t>
-            </a:r>
-          </a:p>
-          <a:p>
-            <a:r>
-              <a:rPr lang="en-US" dirty="0"/>
-              <a:t>The most recent BLS data went to 2017 only</a:t>
+              <a:t>Big take-aways</a:t>
             </a:r>
           </a:p>
         </p:txBody>
@@ -3719,7 +3968,7 @@
     </p:spTree>
     <p:extLst>
       <p:ext uri="{BB962C8B-B14F-4D97-AF65-F5344CB8AC3E}">
-        <p14:creationId xmlns:p14="http://schemas.microsoft.com/office/powerpoint/2010/main" val="1693282570"/>
+        <p14:creationId xmlns:p14="http://schemas.microsoft.com/office/powerpoint/2010/main" val="3858428707"/>
       </p:ext>
     </p:extLst>
   </p:cSld>
@@ -3751,7 +4000,7 @@
           <p:cNvPr id="2" name="Title 1">
             <a:extLst>
               <a:ext uri="{FF2B5EF4-FFF2-40B4-BE49-F238E27FC236}">
-                <a16:creationId xmlns="" xmlns:a16="http://schemas.microsoft.com/office/drawing/2014/main" id="{E1C9EF35-DC7C-428F-A8C6-930DEFB1E1DB}"/>
+                <a16:creationId xmlns:a16="http://schemas.microsoft.com/office/drawing/2014/main" id="{D8975F0A-4727-47D2-96A8-DFAC0FBD6C91}"/>
               </a:ext>
             </a:extLst>
           </p:cNvPr>
@@ -3769,7 +4018,7 @@
           <a:p>
             <a:r>
               <a:rPr lang="en-US" dirty="0"/>
-              <a:t>Next steps</a:t>
+              <a:t>Data Limitations</a:t>
             </a:r>
           </a:p>
         </p:txBody>
@@ -3779,7 +4028,7 @@
           <p:cNvPr id="3" name="Content Placeholder 2">
             <a:extLst>
               <a:ext uri="{FF2B5EF4-FFF2-40B4-BE49-F238E27FC236}">
-                <a16:creationId xmlns="" xmlns:a16="http://schemas.microsoft.com/office/drawing/2014/main" id="{1B82C285-6A5A-45FC-B1D5-1D0786CBCFB5}"/>
+                <a16:creationId xmlns:a16="http://schemas.microsoft.com/office/drawing/2014/main" id="{C69386F3-A2F7-4C59-B5D1-F22F1E51F196}"/>
               </a:ext>
             </a:extLst>
           </p:cNvPr>
@@ -3792,33 +4041,38 @@
         </p:nvSpPr>
         <p:spPr/>
         <p:txBody>
-          <a:bodyPr/>
+          <a:bodyPr>
+            <a:normAutofit/>
+          </a:bodyPr>
           <a:lstStyle/>
           <a:p>
             <a:r>
               <a:rPr lang="en-US" dirty="0"/>
-              <a:t>We would like to utilize job search APIs such as LinkedIn, </a:t>
-            </a:r>
-            <a:r>
-              <a:rPr lang="en-US" dirty="0" err="1"/>
-              <a:t>GoogleCloud</a:t>
-            </a:r>
+              <a:t>Bureau of Labor Statistics data is based on employment of individuals over 16 only (?)</a:t>
+            </a:r>
+          </a:p>
+          <a:p>
             <a:r>
               <a:rPr lang="en-US" dirty="0"/>
-              <a:t>, or Indeed to find insight about the volume of job searches and postings.  </a:t>
-            </a:r>
-          </a:p>
-          <a:p>
-            <a:pPr lvl="1"/>
+              <a:t>The BLS included calculations for the percent relative standard error (RSE) for total employment #s.  Looking at a sample of the RSEs, there were concerns about the precision of certain estimates</a:t>
+            </a:r>
+          </a:p>
+          <a:p>
             <a:r>
               <a:rPr lang="en-US" dirty="0"/>
-              <a:t>APIs would also give us more current information than BLS which only went up to 2017.  In a rapidly changing employment sector, such up to date information would be essential in painting an accurate picture of the current job market. </a:t>
+              <a:t>Estimates for detailed occupations do not sum to the totals because the totals include occupations not shown separately. </a:t>
             </a:r>
           </a:p>
           <a:p>
             <a:r>
               <a:rPr lang="en-US" dirty="0"/>
-              <a:t>If given more time we would have liked to narrow our results to gender, race, age, and educational background of employees</a:t>
+              <a:t>Estimates do not include self-employed workers.</a:t>
+            </a:r>
+          </a:p>
+          <a:p>
+            <a:r>
+              <a:rPr lang="en-US" dirty="0"/>
+              <a:t>The most recent BLS data went to 2017 only</a:t>
             </a:r>
           </a:p>
         </p:txBody>
@@ -3826,7 +4080,7 @@
     </p:spTree>
     <p:extLst>
       <p:ext uri="{BB962C8B-B14F-4D97-AF65-F5344CB8AC3E}">
-        <p14:creationId xmlns:p14="http://schemas.microsoft.com/office/powerpoint/2010/main" val="3968576988"/>
+        <p14:creationId xmlns:p14="http://schemas.microsoft.com/office/powerpoint/2010/main" val="1693282570"/>
       </p:ext>
     </p:extLst>
   </p:cSld>
@@ -3858,7 +4112,7 @@
           <p:cNvPr id="2" name="Title 1">
             <a:extLst>
               <a:ext uri="{FF2B5EF4-FFF2-40B4-BE49-F238E27FC236}">
-                <a16:creationId xmlns="" xmlns:a16="http://schemas.microsoft.com/office/drawing/2014/main" id="{55A6334A-68E7-42D4-919A-0C62BE53DBB2}"/>
+                <a16:creationId xmlns:a16="http://schemas.microsoft.com/office/drawing/2014/main" id="{E1C9EF35-DC7C-428F-A8C6-930DEFB1E1DB}"/>
               </a:ext>
             </a:extLst>
           </p:cNvPr>
@@ -3876,7 +4130,7 @@
           <a:p>
             <a:r>
               <a:rPr lang="en-US" dirty="0"/>
-              <a:t>Thank you slide</a:t>
+              <a:t>Next steps</a:t>
             </a:r>
           </a:p>
         </p:txBody>
@@ -3886,7 +4140,7 @@
           <p:cNvPr id="3" name="Content Placeholder 2">
             <a:extLst>
               <a:ext uri="{FF2B5EF4-FFF2-40B4-BE49-F238E27FC236}">
-                <a16:creationId xmlns="" xmlns:a16="http://schemas.microsoft.com/office/drawing/2014/main" id="{1C25BB28-A4EC-414D-859C-C7A0FCD1F980}"/>
+                <a16:creationId xmlns:a16="http://schemas.microsoft.com/office/drawing/2014/main" id="{1B82C285-6A5A-45FC-B1D5-1D0786CBCFB5}"/>
               </a:ext>
             </a:extLst>
           </p:cNvPr>
@@ -3902,14 +4156,38 @@
           <a:bodyPr/>
           <a:lstStyle/>
           <a:p>
-            <a:endParaRPr lang="en-US" dirty="0"/>
+            <a:r>
+              <a:rPr lang="en-US" dirty="0"/>
+              <a:t>We would like to utilize job search APIs such as LinkedIn, </a:t>
+            </a:r>
+            <a:r>
+              <a:rPr lang="en-US" dirty="0" err="1"/>
+              <a:t>GoogleCloud</a:t>
+            </a:r>
+            <a:r>
+              <a:rPr lang="en-US" dirty="0"/>
+              <a:t>, or Indeed to find insight about the volume of job searches and postings.  </a:t>
+            </a:r>
+          </a:p>
+          <a:p>
+            <a:pPr lvl="1"/>
+            <a:r>
+              <a:rPr lang="en-US" dirty="0"/>
+              <a:t>APIs would also give us more current information than BLS which only went up to 2017.  In a rapidly changing employment sector, such up to date information would be essential in painting an accurate picture of the current job market. </a:t>
+            </a:r>
+          </a:p>
+          <a:p>
+            <a:r>
+              <a:rPr lang="en-US" dirty="0"/>
+              <a:t>If given more time we would have liked to narrow our results to gender, race, age, and educational background of employees</a:t>
+            </a:r>
           </a:p>
         </p:txBody>
       </p:sp>
     </p:spTree>
     <p:extLst>
       <p:ext uri="{BB962C8B-B14F-4D97-AF65-F5344CB8AC3E}">
-        <p14:creationId xmlns:p14="http://schemas.microsoft.com/office/powerpoint/2010/main" val="1274406331"/>
+        <p14:creationId xmlns:p14="http://schemas.microsoft.com/office/powerpoint/2010/main" val="3968576988"/>
       </p:ext>
     </p:extLst>
   </p:cSld>
@@ -3941,7 +4219,7 @@
           <p:cNvPr id="2" name="Title 1">
             <a:extLst>
               <a:ext uri="{FF2B5EF4-FFF2-40B4-BE49-F238E27FC236}">
-                <a16:creationId xmlns="" xmlns:a16="http://schemas.microsoft.com/office/drawing/2014/main" id="{41B5C587-4962-4E00-A54B-F8B9FE251918}"/>
+                <a16:creationId xmlns:a16="http://schemas.microsoft.com/office/drawing/2014/main" id="{41B5C587-4962-4E00-A54B-F8B9FE251918}"/>
               </a:ext>
             </a:extLst>
           </p:cNvPr>
@@ -3969,7 +4247,7 @@
           <p:cNvPr id="3" name="Content Placeholder 2">
             <a:extLst>
               <a:ext uri="{FF2B5EF4-FFF2-40B4-BE49-F238E27FC236}">
-                <a16:creationId xmlns="" xmlns:a16="http://schemas.microsoft.com/office/drawing/2014/main" id="{129B7FB5-54B8-4545-A8C7-1D4B4C033F1E}"/>
+                <a16:creationId xmlns:a16="http://schemas.microsoft.com/office/drawing/2014/main" id="{129B7FB5-54B8-4545-A8C7-1D4B4C033F1E}"/>
               </a:ext>
             </a:extLst>
           </p:cNvPr>
@@ -4002,6 +4280,89 @@
     <p:extLst>
       <p:ext uri="{BB962C8B-B14F-4D97-AF65-F5344CB8AC3E}">
         <p14:creationId xmlns:p14="http://schemas.microsoft.com/office/powerpoint/2010/main" val="829547005"/>
+      </p:ext>
+    </p:extLst>
+  </p:cSld>
+  <p:clrMapOvr>
+    <a:masterClrMapping/>
+  </p:clrMapOvr>
+</p:sld>
+</file>
+
+<file path=ppt/slides/slide20.xml><?xml version="1.0" encoding="utf-8"?>
+<p:sld xmlns:a="http://schemas.openxmlformats.org/drawingml/2006/main" xmlns:r="http://schemas.openxmlformats.org/officeDocument/2006/relationships" xmlns:p="http://schemas.openxmlformats.org/presentationml/2006/main">
+  <p:cSld>
+    <p:spTree>
+      <p:nvGrpSpPr>
+        <p:cNvPr id="1" name=""/>
+        <p:cNvGrpSpPr/>
+        <p:nvPr/>
+      </p:nvGrpSpPr>
+      <p:grpSpPr>
+        <a:xfrm>
+          <a:off x="0" y="0"/>
+          <a:ext cx="0" cy="0"/>
+          <a:chOff x="0" y="0"/>
+          <a:chExt cx="0" cy="0"/>
+        </a:xfrm>
+      </p:grpSpPr>
+      <p:sp>
+        <p:nvSpPr>
+          <p:cNvPr id="2" name="Title 1">
+            <a:extLst>
+              <a:ext uri="{FF2B5EF4-FFF2-40B4-BE49-F238E27FC236}">
+                <a16:creationId xmlns:a16="http://schemas.microsoft.com/office/drawing/2014/main" id="{55A6334A-68E7-42D4-919A-0C62BE53DBB2}"/>
+              </a:ext>
+            </a:extLst>
+          </p:cNvPr>
+          <p:cNvSpPr>
+            <a:spLocks noGrp="1"/>
+          </p:cNvSpPr>
+          <p:nvPr>
+            <p:ph type="title"/>
+          </p:nvPr>
+        </p:nvSpPr>
+        <p:spPr/>
+        <p:txBody>
+          <a:bodyPr/>
+          <a:lstStyle/>
+          <a:p>
+            <a:r>
+              <a:rPr lang="en-US" dirty="0"/>
+              <a:t>Thank you slide</a:t>
+            </a:r>
+          </a:p>
+        </p:txBody>
+      </p:sp>
+      <p:sp>
+        <p:nvSpPr>
+          <p:cNvPr id="3" name="Content Placeholder 2">
+            <a:extLst>
+              <a:ext uri="{FF2B5EF4-FFF2-40B4-BE49-F238E27FC236}">
+                <a16:creationId xmlns:a16="http://schemas.microsoft.com/office/drawing/2014/main" id="{1C25BB28-A4EC-414D-859C-C7A0FCD1F980}"/>
+              </a:ext>
+            </a:extLst>
+          </p:cNvPr>
+          <p:cNvSpPr>
+            <a:spLocks noGrp="1"/>
+          </p:cNvSpPr>
+          <p:nvPr>
+            <p:ph idx="1"/>
+          </p:nvPr>
+        </p:nvSpPr>
+        <p:spPr/>
+        <p:txBody>
+          <a:bodyPr/>
+          <a:lstStyle/>
+          <a:p>
+            <a:endParaRPr lang="en-US" dirty="0"/>
+          </a:p>
+        </p:txBody>
+      </p:sp>
+    </p:spTree>
+    <p:extLst>
+      <p:ext uri="{BB962C8B-B14F-4D97-AF65-F5344CB8AC3E}">
+        <p14:creationId xmlns:p14="http://schemas.microsoft.com/office/powerpoint/2010/main" val="1274406331"/>
       </p:ext>
     </p:extLst>
   </p:cSld>
@@ -4033,7 +4394,7 @@
           <p:cNvPr id="2" name="Title 1">
             <a:extLst>
               <a:ext uri="{FF2B5EF4-FFF2-40B4-BE49-F238E27FC236}">
-                <a16:creationId xmlns="" xmlns:a16="http://schemas.microsoft.com/office/drawing/2014/main" id="{B01FBC95-86CC-4C5D-80F0-CF41A33B1E9F}"/>
+                <a16:creationId xmlns:a16="http://schemas.microsoft.com/office/drawing/2014/main" id="{B01FBC95-86CC-4C5D-80F0-CF41A33B1E9F}"/>
               </a:ext>
             </a:extLst>
           </p:cNvPr>
@@ -4061,7 +4422,7 @@
           <p:cNvPr id="3" name="Content Placeholder 2">
             <a:extLst>
               <a:ext uri="{FF2B5EF4-FFF2-40B4-BE49-F238E27FC236}">
-                <a16:creationId xmlns="" xmlns:a16="http://schemas.microsoft.com/office/drawing/2014/main" id="{CACC8578-D28C-470E-8EBE-3E9A3C6434E3}"/>
+                <a16:creationId xmlns:a16="http://schemas.microsoft.com/office/drawing/2014/main" id="{CACC8578-D28C-470E-8EBE-3E9A3C6434E3}"/>
               </a:ext>
             </a:extLst>
           </p:cNvPr>
@@ -4125,7 +4486,7 @@
           <p:cNvPr id="3" name="Content Placeholder 2">
             <a:extLst>
               <a:ext uri="{FF2B5EF4-FFF2-40B4-BE49-F238E27FC236}">
-                <a16:creationId xmlns="" xmlns:a16="http://schemas.microsoft.com/office/drawing/2014/main" id="{75897B1C-3F8F-4B5D-8723-E5115AF5882A}"/>
+                <a16:creationId xmlns:a16="http://schemas.microsoft.com/office/drawing/2014/main" id="{75897B1C-3F8F-4B5D-8723-E5115AF5882A}"/>
               </a:ext>
             </a:extLst>
           </p:cNvPr>
@@ -4152,7 +4513,7 @@
               <a:buNone/>
             </a:pPr>
             <a:r>
-              <a:rPr lang="en-US" sz="2500" dirty="0" smtClean="0"/>
+              <a:rPr lang="en-US" sz="2500" dirty="0"/>
               <a:t>First graph shows 3 states with fastest YOY (2017 vs 2016) growth vs the US</a:t>
             </a:r>
           </a:p>
@@ -4161,32 +4522,8 @@
               <a:buNone/>
             </a:pPr>
             <a:r>
-              <a:rPr lang="en-US" sz="2500" dirty="0" smtClean="0"/>
-              <a:t>Second </a:t>
-            </a:r>
-            <a:r>
               <a:rPr lang="en-US" sz="2500" dirty="0"/>
-              <a:t>graph shows </a:t>
-            </a:r>
-            <a:r>
-              <a:rPr lang="en-US" sz="2500" dirty="0" smtClean="0"/>
-              <a:t>3   states </a:t>
-            </a:r>
-            <a:r>
-              <a:rPr lang="en-US" sz="2500" dirty="0"/>
-              <a:t>with </a:t>
-            </a:r>
-            <a:r>
-              <a:rPr lang="en-US" sz="2500" dirty="0" smtClean="0"/>
-              <a:t>slowest </a:t>
-            </a:r>
-            <a:r>
-              <a:rPr lang="en-US" sz="2500" dirty="0"/>
-              <a:t>YOY (2017 vs 2016) growth vs the </a:t>
-            </a:r>
-            <a:r>
-              <a:rPr lang="en-US" sz="2500" dirty="0" smtClean="0"/>
-              <a:t>US</a:t>
+              <a:t>Second graph shows 3   states with slowest YOY (2017 vs 2016) growth vs the US</a:t>
             </a:r>
           </a:p>
           <a:p>
@@ -4200,7 +4537,7 @@
               <a:buNone/>
             </a:pPr>
             <a:r>
-              <a:rPr lang="en-US" sz="2400" dirty="0" smtClean="0"/>
+              <a:rPr lang="en-US" sz="2400" dirty="0"/>
               <a:t>Job titles included:</a:t>
             </a:r>
           </a:p>
@@ -4212,7 +4549,6 @@
               <a:rPr lang="en-US" sz="1700" dirty="0"/>
               <a:t>Computer and Mathematical Occupations, Computer and Information Research Scientists, Computer Systems Analysts, Information Security Analysts, Computer Programmers, Software Developers (Applications), Software Developers (Systems Software), Web Developers, Database Administrators, Network and Computer Systems Administrators, Computer Network Architects, Computer User Support Specialists, Computer Network Support Specialists, Computer Occupations - All Other, Actuaries, Mathematicians, Operations Research Analysts, &amp; Statisticians</a:t>
             </a:r>
-            <a:endParaRPr lang="en-US" sz="1700" dirty="0" smtClean="0"/>
           </a:p>
           <a:p>
             <a:pPr marL="457200" lvl="1" indent="0">
@@ -4356,7 +4692,7 @@
           <p:cNvPr id="6" name="Content Placeholder 2">
             <a:extLst>
               <a:ext uri="{FF2B5EF4-FFF2-40B4-BE49-F238E27FC236}">
-                <a16:creationId xmlns="" xmlns:a16="http://schemas.microsoft.com/office/drawing/2014/main" id="{75897B1C-3F8F-4B5D-8723-E5115AF5882A}"/>
+                <a16:creationId xmlns:a16="http://schemas.microsoft.com/office/drawing/2014/main" id="{75897B1C-3F8F-4B5D-8723-E5115AF5882A}"/>
               </a:ext>
             </a:extLst>
           </p:cNvPr>
@@ -4547,22 +4883,22 @@
               <a:buFont typeface="Arial" panose="020B0604020202020204" pitchFamily="34" charset="0"/>
               <a:buNone/>
             </a:pPr>
-            <a:endParaRPr lang="en-US" sz="100" dirty="0" smtClean="0"/>
+            <a:endParaRPr lang="en-US" sz="100" dirty="0"/>
           </a:p>
           <a:p>
             <a:pPr marL="0" indent="0">
               <a:buNone/>
             </a:pPr>
             <a:r>
-              <a:rPr lang="en-US" sz="2400" dirty="0" smtClean="0"/>
+              <a:rPr lang="en-US" sz="2400" dirty="0"/>
               <a:t>Focused on </a:t>
             </a:r>
             <a:r>
-              <a:rPr lang="en-US" sz="2400" b="1" dirty="0" smtClean="0"/>
+              <a:rPr lang="en-US" sz="2400" b="1" dirty="0"/>
               <a:t>Operations Research Analysts</a:t>
             </a:r>
             <a:r>
-              <a:rPr lang="en-US" sz="2400" dirty="0" smtClean="0"/>
+              <a:rPr lang="en-US" sz="2400" dirty="0"/>
               <a:t>:</a:t>
             </a:r>
           </a:p>
@@ -4571,37 +4907,21 @@
               <a:buNone/>
             </a:pPr>
             <a:r>
-              <a:rPr lang="en-US" sz="2400" dirty="0" smtClean="0"/>
-              <a:t>Per the BLS, </a:t>
-            </a:r>
-            <a:r>
               <a:rPr lang="en-US" sz="2400" dirty="0"/>
-              <a:t>this includes </a:t>
-            </a:r>
-            <a:r>
-              <a:rPr lang="en-US" sz="2400" dirty="0" smtClean="0"/>
-              <a:t>people who </a:t>
-            </a:r>
-            <a:r>
-              <a:rPr lang="en-US" sz="2400" i="1" dirty="0" smtClean="0"/>
-              <a:t>“Formulate </a:t>
+              <a:t>Per the BLS, this includes people who </a:t>
             </a:r>
             <a:r>
               <a:rPr lang="en-US" sz="2400" i="1" dirty="0"/>
-              <a:t>and apply mathematical modeling and other optimizing methods to develop and interpret information that assists management with decision making, policy formulation, or other managerial functions. May collect and analyze data and develop decision support software, service, or products</a:t>
-            </a:r>
-            <a:r>
-              <a:rPr lang="en-US" sz="2400" i="1" dirty="0" smtClean="0"/>
-              <a:t>.”</a:t>
-            </a:r>
-            <a:endParaRPr lang="en-US" sz="1700" i="1" dirty="0" smtClean="0"/>
+              <a:t>“Formulate and apply mathematical modeling and other optimizing methods to develop and interpret information that assists management with decision making, policy formulation, or other managerial functions. May collect and analyze data and develop decision support software, service, or products.”</a:t>
+            </a:r>
+            <a:endParaRPr lang="en-US" sz="1700" i="1" dirty="0"/>
           </a:p>
           <a:p>
             <a:pPr marL="457200" lvl="1" indent="0">
               <a:buFont typeface="Arial" panose="020B0604020202020204" pitchFamily="34" charset="0"/>
               <a:buNone/>
             </a:pPr>
-            <a:endParaRPr lang="en-US" dirty="0" smtClean="0"/>
+            <a:endParaRPr lang="en-US" dirty="0"/>
           </a:p>
           <a:p>
             <a:endParaRPr lang="en-US" dirty="0"/>
@@ -4643,7 +4963,7 @@
           <p:cNvPr id="3" name="Content Placeholder 2">
             <a:extLst>
               <a:ext uri="{FF2B5EF4-FFF2-40B4-BE49-F238E27FC236}">
-                <a16:creationId xmlns="" xmlns:a16="http://schemas.microsoft.com/office/drawing/2014/main" id="{A1BF3F66-EBAC-4059-95DC-84F0A2D0D9F8}"/>
+                <a16:creationId xmlns:a16="http://schemas.microsoft.com/office/drawing/2014/main" id="{A1BF3F66-EBAC-4059-95DC-84F0A2D0D9F8}"/>
               </a:ext>
             </a:extLst>
           </p:cNvPr>
@@ -4667,17 +4987,16 @@
           <a:lstStyle/>
           <a:p>
             <a:r>
-              <a:rPr lang="en-US" dirty="0" smtClean="0"/>
+              <a:rPr lang="en-US" dirty="0"/>
               <a:t>Compared US population by state vs the YOY growth rate (2017 vs 2016) for Computer and Mathematical Occupations</a:t>
             </a:r>
           </a:p>
           <a:p>
             <a:pPr lvl="1"/>
             <a:r>
-              <a:rPr lang="en-US" dirty="0" smtClean="0"/>
+              <a:rPr lang="en-US" dirty="0"/>
               <a:t>Surprisingly, a larger population did not necessarily translate to higher job growth in this case</a:t>
             </a:r>
-            <a:endParaRPr lang="en-US" dirty="0"/>
           </a:p>
         </p:txBody>
       </p:sp>
@@ -4740,7 +5059,7 @@
           <p:cNvPr id="3" name="Content Placeholder 2">
             <a:extLst>
               <a:ext uri="{FF2B5EF4-FFF2-40B4-BE49-F238E27FC236}">
-                <a16:creationId xmlns="" xmlns:a16="http://schemas.microsoft.com/office/drawing/2014/main" id="{D5826885-9438-4A25-96CD-3B3831A94768}"/>
+                <a16:creationId xmlns:a16="http://schemas.microsoft.com/office/drawing/2014/main" id="{D5826885-9438-4A25-96CD-3B3831A94768}"/>
               </a:ext>
             </a:extLst>
           </p:cNvPr>
@@ -4767,18 +5086,10 @@
               <a:buNone/>
             </a:pPr>
             <a:r>
-              <a:rPr lang="en-US" sz="2300" dirty="0" smtClean="0"/>
-              <a:t>Focus on Illinois job growth (2017 vs 2016 </a:t>
-            </a:r>
-            <a:r>
-              <a:rPr lang="en-US" sz="2300" dirty="0" smtClean="0"/>
-              <a:t>employment #s) </a:t>
-            </a:r>
-            <a:r>
-              <a:rPr lang="en-US" sz="2300" dirty="0" smtClean="0"/>
-              <a:t>for Computer and Mathematical Occupations</a:t>
-            </a:r>
-            <a:endParaRPr lang="en-US" sz="1900" dirty="0" smtClean="0"/>
+              <a:rPr lang="en-US" sz="2300" dirty="0"/>
+              <a:t>Focus on Illinois job growth (2017 vs 2016 employment #s) for Computer and Mathematical Occupations</a:t>
+            </a:r>
+            <a:endParaRPr lang="en-US" sz="1900" dirty="0"/>
           </a:p>
           <a:p>
             <a:pPr marL="0" indent="0">
@@ -4853,7 +5164,7 @@
           <p:cNvPr id="2" name="Title 1">
             <a:extLst>
               <a:ext uri="{FF2B5EF4-FFF2-40B4-BE49-F238E27FC236}">
-                <a16:creationId xmlns="" xmlns:a16="http://schemas.microsoft.com/office/drawing/2014/main" id="{5BC62E2F-3F84-4D24-A181-6AB0713EA83D}"/>
+                <a16:creationId xmlns:a16="http://schemas.microsoft.com/office/drawing/2014/main" id="{5BC62E2F-3F84-4D24-A181-6AB0713EA83D}"/>
               </a:ext>
             </a:extLst>
           </p:cNvPr>
@@ -4881,7 +5192,7 @@
           <p:cNvPr id="3" name="Content Placeholder 2">
             <a:extLst>
               <a:ext uri="{FF2B5EF4-FFF2-40B4-BE49-F238E27FC236}">
-                <a16:creationId xmlns="" xmlns:a16="http://schemas.microsoft.com/office/drawing/2014/main" id="{44421017-3198-4C0E-8920-4B392F51EC4B}"/>
+                <a16:creationId xmlns:a16="http://schemas.microsoft.com/office/drawing/2014/main" id="{44421017-3198-4C0E-8920-4B392F51EC4B}"/>
               </a:ext>
             </a:extLst>
           </p:cNvPr>
@@ -4936,7 +5247,7 @@
           <p:cNvPr id="2" name="Title 1">
             <a:extLst>
               <a:ext uri="{FF2B5EF4-FFF2-40B4-BE49-F238E27FC236}">
-                <a16:creationId xmlns="" xmlns:a16="http://schemas.microsoft.com/office/drawing/2014/main" id="{AB68570A-62BD-4471-B097-C694410375A6}"/>
+                <a16:creationId xmlns:a16="http://schemas.microsoft.com/office/drawing/2014/main" id="{AB68570A-62BD-4471-B097-C694410375A6}"/>
               </a:ext>
             </a:extLst>
           </p:cNvPr>
@@ -4964,7 +5275,7 @@
           <p:cNvPr id="3" name="Content Placeholder 2">
             <a:extLst>
               <a:ext uri="{FF2B5EF4-FFF2-40B4-BE49-F238E27FC236}">
-                <a16:creationId xmlns="" xmlns:a16="http://schemas.microsoft.com/office/drawing/2014/main" id="{A42855D1-93E7-4E7A-8085-8280AD128517}"/>
+                <a16:creationId xmlns:a16="http://schemas.microsoft.com/office/drawing/2014/main" id="{A42855D1-93E7-4E7A-8085-8280AD128517}"/>
               </a:ext>
             </a:extLst>
           </p:cNvPr>

--- a/Group_7_Presentation.pptx
+++ b/Group_7_Presentation.pptx
@@ -11,20 +11,14 @@
     <p:sldId id="263" r:id="rId5"/>
     <p:sldId id="264" r:id="rId6"/>
     <p:sldId id="265" r:id="rId7"/>
-    <p:sldId id="266" r:id="rId8"/>
-    <p:sldId id="269" r:id="rId9"/>
-    <p:sldId id="270" r:id="rId10"/>
-    <p:sldId id="271" r:id="rId11"/>
-    <p:sldId id="272" r:id="rId12"/>
-    <p:sldId id="280" r:id="rId13"/>
-    <p:sldId id="281" r:id="rId14"/>
-    <p:sldId id="267" r:id="rId15"/>
-    <p:sldId id="282" r:id="rId16"/>
-    <p:sldId id="261" r:id="rId17"/>
-    <p:sldId id="262" r:id="rId18"/>
-    <p:sldId id="259" r:id="rId19"/>
-    <p:sldId id="273" r:id="rId20"/>
-    <p:sldId id="274" r:id="rId21"/>
+    <p:sldId id="287" r:id="rId8"/>
+    <p:sldId id="288" r:id="rId9"/>
+    <p:sldId id="281" r:id="rId10"/>
+    <p:sldId id="282" r:id="rId11"/>
+    <p:sldId id="262" r:id="rId12"/>
+    <p:sldId id="259" r:id="rId13"/>
+    <p:sldId id="273" r:id="rId14"/>
+    <p:sldId id="274" r:id="rId15"/>
   </p:sldIdLst>
   <p:sldSz cx="12192000" cy="6858000"/>
   <p:notesSz cx="6858000" cy="9144000"/>
@@ -260,7 +254,7 @@
           <a:p>
             <a:fld id="{5DEA3F82-8CB4-4B0C-B6BE-1390C73654E0}" type="datetimeFigureOut">
               <a:rPr lang="en-US" smtClean="0"/>
-              <a:t>3/31/19</a:t>
+              <a:t>3/31/2019</a:t>
             </a:fld>
             <a:endParaRPr lang="en-US"/>
           </a:p>
@@ -428,7 +422,7 @@
           <a:p>
             <a:fld id="{5DEA3F82-8CB4-4B0C-B6BE-1390C73654E0}" type="datetimeFigureOut">
               <a:rPr lang="en-US" smtClean="0"/>
-              <a:t>3/31/19</a:t>
+              <a:t>3/31/2019</a:t>
             </a:fld>
             <a:endParaRPr lang="en-US"/>
           </a:p>
@@ -606,7 +600,7 @@
           <a:p>
             <a:fld id="{5DEA3F82-8CB4-4B0C-B6BE-1390C73654E0}" type="datetimeFigureOut">
               <a:rPr lang="en-US" smtClean="0"/>
-              <a:t>3/31/19</a:t>
+              <a:t>3/31/2019</a:t>
             </a:fld>
             <a:endParaRPr lang="en-US"/>
           </a:p>
@@ -774,7 +768,7 @@
           <a:p>
             <a:fld id="{5DEA3F82-8CB4-4B0C-B6BE-1390C73654E0}" type="datetimeFigureOut">
               <a:rPr lang="en-US" smtClean="0"/>
-              <a:t>3/31/19</a:t>
+              <a:t>3/31/2019</a:t>
             </a:fld>
             <a:endParaRPr lang="en-US"/>
           </a:p>
@@ -1019,7 +1013,7 @@
           <a:p>
             <a:fld id="{5DEA3F82-8CB4-4B0C-B6BE-1390C73654E0}" type="datetimeFigureOut">
               <a:rPr lang="en-US" smtClean="0"/>
-              <a:t>3/31/19</a:t>
+              <a:t>3/31/2019</a:t>
             </a:fld>
             <a:endParaRPr lang="en-US"/>
           </a:p>
@@ -1248,7 +1242,7 @@
           <a:p>
             <a:fld id="{5DEA3F82-8CB4-4B0C-B6BE-1390C73654E0}" type="datetimeFigureOut">
               <a:rPr lang="en-US" smtClean="0"/>
-              <a:t>3/31/19</a:t>
+              <a:t>3/31/2019</a:t>
             </a:fld>
             <a:endParaRPr lang="en-US"/>
           </a:p>
@@ -1612,7 +1606,7 @@
           <a:p>
             <a:fld id="{5DEA3F82-8CB4-4B0C-B6BE-1390C73654E0}" type="datetimeFigureOut">
               <a:rPr lang="en-US" smtClean="0"/>
-              <a:t>3/31/19</a:t>
+              <a:t>3/31/2019</a:t>
             </a:fld>
             <a:endParaRPr lang="en-US"/>
           </a:p>
@@ -1729,7 +1723,7 @@
           <a:p>
             <a:fld id="{5DEA3F82-8CB4-4B0C-B6BE-1390C73654E0}" type="datetimeFigureOut">
               <a:rPr lang="en-US" smtClean="0"/>
-              <a:t>3/31/19</a:t>
+              <a:t>3/31/2019</a:t>
             </a:fld>
             <a:endParaRPr lang="en-US"/>
           </a:p>
@@ -1824,7 +1818,7 @@
           <a:p>
             <a:fld id="{5DEA3F82-8CB4-4B0C-B6BE-1390C73654E0}" type="datetimeFigureOut">
               <a:rPr lang="en-US" smtClean="0"/>
-              <a:t>3/31/19</a:t>
+              <a:t>3/31/2019</a:t>
             </a:fld>
             <a:endParaRPr lang="en-US"/>
           </a:p>
@@ -2099,7 +2093,7 @@
           <a:p>
             <a:fld id="{5DEA3F82-8CB4-4B0C-B6BE-1390C73654E0}" type="datetimeFigureOut">
               <a:rPr lang="en-US" smtClean="0"/>
-              <a:t>3/31/19</a:t>
+              <a:t>3/31/2019</a:t>
             </a:fld>
             <a:endParaRPr lang="en-US"/>
           </a:p>
@@ -2351,7 +2345,7 @@
           <a:p>
             <a:fld id="{5DEA3F82-8CB4-4B0C-B6BE-1390C73654E0}" type="datetimeFigureOut">
               <a:rPr lang="en-US" smtClean="0"/>
-              <a:t>3/31/19</a:t>
+              <a:t>3/31/2019</a:t>
             </a:fld>
             <a:endParaRPr lang="en-US"/>
           </a:p>
@@ -2562,7 +2556,7 @@
           <a:p>
             <a:fld id="{5DEA3F82-8CB4-4B0C-B6BE-1390C73654E0}" type="datetimeFigureOut">
               <a:rPr lang="en-US" smtClean="0"/>
-              <a:t>3/31/19</a:t>
+              <a:t>3/31/2019</a:t>
             </a:fld>
             <a:endParaRPr lang="en-US"/>
           </a:p>
@@ -3056,7 +3050,7 @@
           <p:cNvPr id="2" name="Title 1">
             <a:extLst>
               <a:ext uri="{FF2B5EF4-FFF2-40B4-BE49-F238E27FC236}">
-                <a16:creationId xmlns:a16="http://schemas.microsoft.com/office/drawing/2014/main" id="{78B99B29-14C1-41E4-9AC8-5AAC36F4C384}"/>
+                <a16:creationId xmlns:a16="http://schemas.microsoft.com/office/drawing/2014/main" id="{27E5E4B7-0D24-1246-B992-4E761C8D9010}"/>
               </a:ext>
             </a:extLst>
           </p:cNvPr>
@@ -3074,7 +3068,7 @@
           <a:p>
             <a:r>
               <a:rPr lang="en-US" dirty="0"/>
-              <a:t>Rob</a:t>
+              <a:t>Summary</a:t>
             </a:r>
           </a:p>
         </p:txBody>
@@ -3084,7 +3078,7 @@
           <p:cNvPr id="3" name="Content Placeholder 2">
             <a:extLst>
               <a:ext uri="{FF2B5EF4-FFF2-40B4-BE49-F238E27FC236}">
-                <a16:creationId xmlns:a16="http://schemas.microsoft.com/office/drawing/2014/main" id="{217DF154-F65A-4479-826C-9C8777C22D6A}"/>
+                <a16:creationId xmlns:a16="http://schemas.microsoft.com/office/drawing/2014/main" id="{F68D2FE6-AC37-FA4F-B071-B1D2CB6CF5FE}"/>
               </a:ext>
             </a:extLst>
           </p:cNvPr>
@@ -3097,17 +3091,91 @@
         </p:nvSpPr>
         <p:spPr/>
         <p:txBody>
-          <a:bodyPr/>
-          <a:lstStyle/>
-          <a:p>
-            <a:endParaRPr lang="en-US"/>
+          <a:bodyPr>
+            <a:normAutofit fontScale="92500"/>
+          </a:bodyPr>
+          <a:lstStyle/>
+          <a:p>
+            <a:r>
+              <a:rPr lang="en-US" dirty="0"/>
+              <a:t>The overall employment status by occupations in US in 2017</a:t>
+            </a:r>
+          </a:p>
+          <a:p>
+            <a:pPr lvl="1"/>
+            <a:r>
+              <a:rPr lang="en-US" dirty="0"/>
+              <a:t>Nation level top 3: administrative Support, sales and food preparation and serving</a:t>
+            </a:r>
+          </a:p>
+          <a:p>
+            <a:pPr lvl="1"/>
+            <a:r>
+              <a:rPr lang="en-US" dirty="0"/>
+              <a:t>Computer and Mathematical occupations rank No. 14 among 22 major occupation </a:t>
+            </a:r>
+            <a:r>
+              <a:rPr lang="en-US" dirty="0" err="1"/>
+              <a:t>catergories</a:t>
+            </a:r>
+            <a:r>
+              <a:rPr lang="en-US" dirty="0"/>
+              <a:t> </a:t>
+            </a:r>
+          </a:p>
+          <a:p>
+            <a:pPr lvl="1"/>
+            <a:endParaRPr lang="en-US" dirty="0"/>
+          </a:p>
+          <a:p>
+            <a:pPr lvl="1"/>
+            <a:endParaRPr lang="en-US" dirty="0"/>
+          </a:p>
+          <a:p>
+            <a:pPr lvl="1"/>
+            <a:endParaRPr lang="en-US" dirty="0"/>
+          </a:p>
+          <a:p>
+            <a:r>
+              <a:rPr lang="en-US" dirty="0"/>
+              <a:t>The employment status in Computer and Mathematical Occupation in US</a:t>
+            </a:r>
+          </a:p>
+          <a:p>
+            <a:pPr lvl="1"/>
+            <a:r>
+              <a:rPr lang="en-US" dirty="0"/>
+              <a:t>Top 3 states: California, Texas, and New York</a:t>
+            </a:r>
+          </a:p>
+          <a:p>
+            <a:pPr lvl="1"/>
+            <a:r>
+              <a:rPr lang="en-US" dirty="0"/>
+              <a:t>Top 3: software developers, computer user support specialists and computer analysts are the highest</a:t>
+            </a:r>
+          </a:p>
+          <a:p>
+            <a:pPr marL="457200" lvl="1" indent="0">
+              <a:buNone/>
+            </a:pPr>
+            <a:endParaRPr lang="en-US" dirty="0"/>
+          </a:p>
+          <a:p>
+            <a:endParaRPr lang="en-US" dirty="0"/>
+          </a:p>
+          <a:p>
+            <a:endParaRPr lang="en-US" dirty="0"/>
+          </a:p>
+          <a:p>
+            <a:endParaRPr lang="en-US" dirty="0"/>
           </a:p>
         </p:txBody>
       </p:sp>
     </p:spTree>
     <p:extLst>
       <p:ext uri="{BB962C8B-B14F-4D97-AF65-F5344CB8AC3E}">
-        <p14:creationId xmlns:p14="http://schemas.microsoft.com/office/powerpoint/2010/main" val="2535188132"/>
+        <p14:creationId xmlns:p14="http://schemas.microsoft.com/office/powerpoint/2010/main" val="3741776806"/>
       </p:ext>
     </p:extLst>
   </p:cSld>
@@ -3139,7 +3207,7 @@
           <p:cNvPr id="2" name="Title 1">
             <a:extLst>
               <a:ext uri="{FF2B5EF4-FFF2-40B4-BE49-F238E27FC236}">
-                <a16:creationId xmlns:a16="http://schemas.microsoft.com/office/drawing/2014/main" id="{7256FCE9-7BE9-4F85-87B5-C52DFBE161F5}"/>
+                <a16:creationId xmlns:a16="http://schemas.microsoft.com/office/drawing/2014/main" id="{21D3167F-30A9-4F8D-99EE-386A1F094613}"/>
               </a:ext>
             </a:extLst>
           </p:cNvPr>
@@ -3157,7 +3225,7 @@
           <a:p>
             <a:r>
               <a:rPr lang="en-US" dirty="0"/>
-              <a:t>Rob</a:t>
+              <a:t>Overall Summary </a:t>
             </a:r>
           </a:p>
         </p:txBody>
@@ -3167,7 +3235,7 @@
           <p:cNvPr id="3" name="Content Placeholder 2">
             <a:extLst>
               <a:ext uri="{FF2B5EF4-FFF2-40B4-BE49-F238E27FC236}">
-                <a16:creationId xmlns:a16="http://schemas.microsoft.com/office/drawing/2014/main" id="{D18A4F9A-AF0B-43FB-AC8B-3A6E95478A93}"/>
+                <a16:creationId xmlns:a16="http://schemas.microsoft.com/office/drawing/2014/main" id="{571BA543-3A3F-43F0-957D-37B7A83B0853}"/>
               </a:ext>
             </a:extLst>
           </p:cNvPr>
@@ -3183,40 +3251,9 @@
           <a:bodyPr/>
           <a:lstStyle/>
           <a:p>
-            <a:endParaRPr lang="en-US"/>
-          </a:p>
-        </p:txBody>
-      </p:sp>
-      <p:sp>
-        <p:nvSpPr>
-          <p:cNvPr id="4" name="Rectangle 3">
-            <a:extLst>
-              <a:ext uri="{FF2B5EF4-FFF2-40B4-BE49-F238E27FC236}">
-                <a16:creationId xmlns:a16="http://schemas.microsoft.com/office/drawing/2014/main" id="{ADEE3582-91E2-E843-82CD-EBA29099847F}"/>
-              </a:ext>
-            </a:extLst>
-          </p:cNvPr>
-          <p:cNvSpPr/>
-          <p:nvPr/>
-        </p:nvSpPr>
-        <p:spPr>
-          <a:xfrm>
-            <a:off x="5348039" y="3244334"/>
-            <a:ext cx="1495922" cy="369332"/>
-          </a:xfrm>
-          <a:prstGeom prst="rect">
-            <a:avLst/>
-          </a:prstGeom>
-        </p:spPr>
-        <p:txBody>
-          <a:bodyPr wrap="none">
-            <a:spAutoFit/>
-          </a:bodyPr>
-          <a:lstStyle/>
-          <a:p>
             <a:r>
               <a:rPr lang="en-US" dirty="0"/>
-              <a:t>847-208-5631</a:t>
+              <a:t>Big take-aways</a:t>
             </a:r>
           </a:p>
         </p:txBody>
@@ -3224,7 +3261,7 @@
     </p:spTree>
     <p:extLst>
       <p:ext uri="{BB962C8B-B14F-4D97-AF65-F5344CB8AC3E}">
-        <p14:creationId xmlns:p14="http://schemas.microsoft.com/office/powerpoint/2010/main" val="2351532052"/>
+        <p14:creationId xmlns:p14="http://schemas.microsoft.com/office/powerpoint/2010/main" val="3858428707"/>
       </p:ext>
     </p:extLst>
   </p:cSld>
@@ -3256,7 +3293,7 @@
           <p:cNvPr id="2" name="Title 1">
             <a:extLst>
               <a:ext uri="{FF2B5EF4-FFF2-40B4-BE49-F238E27FC236}">
-                <a16:creationId xmlns:a16="http://schemas.microsoft.com/office/drawing/2014/main" id="{1B85EE37-585C-E64B-A7B4-E9E8C734F5D4}"/>
+                <a16:creationId xmlns:a16="http://schemas.microsoft.com/office/drawing/2014/main" id="{D8975F0A-4727-47D2-96A8-DFAC0FBD6C91}"/>
               </a:ext>
             </a:extLst>
           </p:cNvPr>
@@ -3269,58 +3306,74 @@
         </p:nvSpPr>
         <p:spPr/>
         <p:txBody>
-          <a:bodyPr>
-            <a:normAutofit fontScale="90000"/>
-          </a:bodyPr>
+          <a:bodyPr/>
           <a:lstStyle/>
           <a:p>
             <a:r>
               <a:rPr lang="en-US" dirty="0"/>
-              <a:t>The overall employment status by occupations in US</a:t>
-            </a:r>
-            <a:br>
-              <a:rPr lang="en-US" dirty="0"/>
-            </a:br>
-            <a:endParaRPr lang="en-US" dirty="0"/>
-          </a:p>
-        </p:txBody>
-      </p:sp>
-      <p:pic>
-        <p:nvPicPr>
-          <p:cNvPr id="4" name="Content Placeholder 3" descr="A screenshot of a cell phone&#10;&#10;Description automatically generated">
+              <a:t>Data Limitations</a:t>
+            </a:r>
+          </a:p>
+        </p:txBody>
+      </p:sp>
+      <p:sp>
+        <p:nvSpPr>
+          <p:cNvPr id="3" name="Content Placeholder 2">
             <a:extLst>
               <a:ext uri="{FF2B5EF4-FFF2-40B4-BE49-F238E27FC236}">
-                <a16:creationId xmlns:a16="http://schemas.microsoft.com/office/drawing/2014/main" id="{FD0DA324-9218-FB43-8DC1-2E5B35B91D27}"/>
+                <a16:creationId xmlns:a16="http://schemas.microsoft.com/office/drawing/2014/main" id="{C69386F3-A2F7-4C59-B5D1-F22F1E51F196}"/>
               </a:ext>
             </a:extLst>
           </p:cNvPr>
-          <p:cNvPicPr>
-            <a:picLocks noGrp="1" noChangeAspect="1"/>
-          </p:cNvPicPr>
+          <p:cNvSpPr>
+            <a:spLocks noGrp="1"/>
+          </p:cNvSpPr>
           <p:nvPr>
             <p:ph idx="1"/>
           </p:nvPr>
-        </p:nvPicPr>
-        <p:blipFill>
-          <a:blip r:embed="rId2"/>
-          <a:stretch>
-            <a:fillRect/>
-          </a:stretch>
-        </p:blipFill>
-        <p:spPr>
-          <a:xfrm>
-            <a:off x="2532916" y="1176951"/>
-            <a:ext cx="6546071" cy="5018119"/>
-          </a:xfrm>
-          <a:prstGeom prst="rect">
-            <a:avLst/>
-          </a:prstGeom>
-        </p:spPr>
-      </p:pic>
+        </p:nvSpPr>
+        <p:spPr/>
+        <p:txBody>
+          <a:bodyPr>
+            <a:normAutofit/>
+          </a:bodyPr>
+          <a:lstStyle/>
+          <a:p>
+            <a:r>
+              <a:rPr lang="en-US" dirty="0"/>
+              <a:t>Bureau of Labor Statistics data is based on employment of individuals over 16 only (?)</a:t>
+            </a:r>
+          </a:p>
+          <a:p>
+            <a:r>
+              <a:rPr lang="en-US" dirty="0"/>
+              <a:t>The BLS included calculations for the percent relative standard error (RSE) for total employment #s.  Looking at a sample of the RSEs, there were concerns about the precision of certain estimates</a:t>
+            </a:r>
+          </a:p>
+          <a:p>
+            <a:r>
+              <a:rPr lang="en-US" dirty="0"/>
+              <a:t>Estimates for detailed occupations do not sum to the totals because the totals include occupations not shown separately. </a:t>
+            </a:r>
+          </a:p>
+          <a:p>
+            <a:r>
+              <a:rPr lang="en-US" dirty="0"/>
+              <a:t>Estimates do not include self-employed workers.</a:t>
+            </a:r>
+          </a:p>
+          <a:p>
+            <a:r>
+              <a:rPr lang="en-US" dirty="0"/>
+              <a:t>The most recent BLS data went to 2017 only</a:t>
+            </a:r>
+          </a:p>
+        </p:txBody>
+      </p:sp>
     </p:spTree>
     <p:extLst>
       <p:ext uri="{BB962C8B-B14F-4D97-AF65-F5344CB8AC3E}">
-        <p14:creationId xmlns:p14="http://schemas.microsoft.com/office/powerpoint/2010/main" val="503507451"/>
+        <p14:creationId xmlns:p14="http://schemas.microsoft.com/office/powerpoint/2010/main" val="1693282570"/>
       </p:ext>
     </p:extLst>
   </p:cSld>
@@ -3352,7 +3405,7 @@
           <p:cNvPr id="2" name="Title 1">
             <a:extLst>
               <a:ext uri="{FF2B5EF4-FFF2-40B4-BE49-F238E27FC236}">
-                <a16:creationId xmlns:a16="http://schemas.microsoft.com/office/drawing/2014/main" id="{1CFEA6E0-9345-1C43-9594-047B355EECDF}"/>
+                <a16:creationId xmlns:a16="http://schemas.microsoft.com/office/drawing/2014/main" id="{E1C9EF35-DC7C-428F-A8C6-930DEFB1E1DB}"/>
               </a:ext>
             </a:extLst>
           </p:cNvPr>
@@ -3365,19 +3418,13 @@
         </p:nvSpPr>
         <p:spPr/>
         <p:txBody>
-          <a:bodyPr>
-            <a:normAutofit fontScale="90000"/>
-          </a:bodyPr>
+          <a:bodyPr/>
           <a:lstStyle/>
           <a:p>
             <a:r>
               <a:rPr lang="en-US" dirty="0"/>
-              <a:t>The employment status in Computer and Mathematical Occupation in US</a:t>
-            </a:r>
-            <a:br>
-              <a:rPr lang="en-US" dirty="0"/>
-            </a:br>
-            <a:endParaRPr lang="en-US" dirty="0"/>
+              <a:t>Next steps</a:t>
+            </a:r>
           </a:p>
         </p:txBody>
       </p:sp>
@@ -3386,7 +3433,7 @@
           <p:cNvPr id="3" name="Content Placeholder 2">
             <a:extLst>
               <a:ext uri="{FF2B5EF4-FFF2-40B4-BE49-F238E27FC236}">
-                <a16:creationId xmlns:a16="http://schemas.microsoft.com/office/drawing/2014/main" id="{24A55C32-3DD7-2447-BB08-F22F0B78EFB7}"/>
+                <a16:creationId xmlns:a16="http://schemas.microsoft.com/office/drawing/2014/main" id="{1B82C285-6A5A-45FC-B1D5-1D0786CBCFB5}"/>
               </a:ext>
             </a:extLst>
           </p:cNvPr>
@@ -3402,74 +3449,38 @@
           <a:bodyPr/>
           <a:lstStyle/>
           <a:p>
-            <a:endParaRPr lang="en-US"/>
-          </a:p>
-        </p:txBody>
-      </p:sp>
-      <p:pic>
-        <p:nvPicPr>
-          <p:cNvPr id="4" name="Picture 3" descr="A screenshot of a cell phone&#10;&#10;Description automatically generated">
-            <a:extLst>
-              <a:ext uri="{FF2B5EF4-FFF2-40B4-BE49-F238E27FC236}">
-                <a16:creationId xmlns:a16="http://schemas.microsoft.com/office/drawing/2014/main" id="{E9DA613F-6617-2142-B96C-019A03E68177}"/>
-              </a:ext>
-            </a:extLst>
-          </p:cNvPr>
-          <p:cNvPicPr>
-            <a:picLocks noChangeAspect="1"/>
-          </p:cNvPicPr>
-          <p:nvPr/>
-        </p:nvPicPr>
-        <p:blipFill>
-          <a:blip r:embed="rId2"/>
-          <a:stretch>
-            <a:fillRect/>
-          </a:stretch>
-        </p:blipFill>
-        <p:spPr>
-          <a:xfrm>
-            <a:off x="106554" y="1690784"/>
-            <a:ext cx="5568922" cy="4621020"/>
-          </a:xfrm>
-          <a:prstGeom prst="rect">
-            <a:avLst/>
-          </a:prstGeom>
-        </p:spPr>
-      </p:pic>
-      <p:pic>
-        <p:nvPicPr>
-          <p:cNvPr id="5" name="Picture 4" descr="A screenshot of a cell phone&#10;&#10;Description automatically generated">
-            <a:extLst>
-              <a:ext uri="{FF2B5EF4-FFF2-40B4-BE49-F238E27FC236}">
-                <a16:creationId xmlns:a16="http://schemas.microsoft.com/office/drawing/2014/main" id="{9D263993-A54D-C54F-B641-5C70D730E41D}"/>
-              </a:ext>
-            </a:extLst>
-          </p:cNvPr>
-          <p:cNvPicPr>
-            <a:picLocks noChangeAspect="1"/>
-          </p:cNvPicPr>
-          <p:nvPr/>
-        </p:nvPicPr>
-        <p:blipFill>
-          <a:blip r:embed="rId3"/>
-          <a:stretch>
-            <a:fillRect/>
-          </a:stretch>
-        </p:blipFill>
-        <p:spPr>
-          <a:xfrm>
-            <a:off x="5821379" y="1776869"/>
-            <a:ext cx="5954916" cy="3828161"/>
-          </a:xfrm>
-          <a:prstGeom prst="rect">
-            <a:avLst/>
-          </a:prstGeom>
-        </p:spPr>
-      </p:pic>
+            <a:r>
+              <a:rPr lang="en-US" dirty="0"/>
+              <a:t>We would like to utilize job search APIs such as LinkedIn, </a:t>
+            </a:r>
+            <a:r>
+              <a:rPr lang="en-US" dirty="0" err="1"/>
+              <a:t>GoogleCloud</a:t>
+            </a:r>
+            <a:r>
+              <a:rPr lang="en-US" dirty="0"/>
+              <a:t>, or Indeed to find insight about the volume of job searches and postings.  </a:t>
+            </a:r>
+          </a:p>
+          <a:p>
+            <a:pPr lvl="1"/>
+            <a:r>
+              <a:rPr lang="en-US" dirty="0"/>
+              <a:t>APIs would also give us more current information than BLS which only went up to 2017.  In a rapidly changing employment sector, such up to date information would be essential in painting an accurate picture of the current job market. </a:t>
+            </a:r>
+          </a:p>
+          <a:p>
+            <a:r>
+              <a:rPr lang="en-US" dirty="0"/>
+              <a:t>If given more time we would have liked to narrow our results to gender, race, age, and educational background of employees</a:t>
+            </a:r>
+          </a:p>
+        </p:txBody>
+      </p:sp>
     </p:spTree>
     <p:extLst>
       <p:ext uri="{BB962C8B-B14F-4D97-AF65-F5344CB8AC3E}">
-        <p14:creationId xmlns:p14="http://schemas.microsoft.com/office/powerpoint/2010/main" val="2979562136"/>
+        <p14:creationId xmlns:p14="http://schemas.microsoft.com/office/powerpoint/2010/main" val="3968576988"/>
       </p:ext>
     </p:extLst>
   </p:cSld>
@@ -3501,7 +3512,7 @@
           <p:cNvPr id="2" name="Title 1">
             <a:extLst>
               <a:ext uri="{FF2B5EF4-FFF2-40B4-BE49-F238E27FC236}">
-                <a16:creationId xmlns:a16="http://schemas.microsoft.com/office/drawing/2014/main" id="{5C464BB5-BAE0-4F49-A1DD-88A4EFCEA646}"/>
+                <a16:creationId xmlns:a16="http://schemas.microsoft.com/office/drawing/2014/main" id="{55A6334A-68E7-42D4-919A-0C62BE53DBB2}"/>
               </a:ext>
             </a:extLst>
           </p:cNvPr>
@@ -3517,10 +3528,15 @@
           <a:bodyPr/>
           <a:lstStyle/>
           <a:p>
+            <a:pPr algn="ctr"/>
             <a:r>
               <a:rPr lang="en-US" dirty="0"/>
-              <a:t>Wages?</a:t>
-            </a:r>
+              <a:t>Thank you</a:t>
+            </a:r>
+            <a:br>
+              <a:rPr lang="en-US" dirty="0"/>
+            </a:br>
+            <a:endParaRPr lang="en-US" dirty="0"/>
           </a:p>
         </p:txBody>
       </p:sp>
@@ -3529,7 +3545,7 @@
           <p:cNvPr id="3" name="Content Placeholder 2">
             <a:extLst>
               <a:ext uri="{FF2B5EF4-FFF2-40B4-BE49-F238E27FC236}">
-                <a16:creationId xmlns:a16="http://schemas.microsoft.com/office/drawing/2014/main" id="{7A73EA22-73B0-4644-8354-45C9301D4F9A}"/>
+                <a16:creationId xmlns:a16="http://schemas.microsoft.com/office/drawing/2014/main" id="{1C25BB28-A4EC-414D-859C-C7A0FCD1F980}"/>
               </a:ext>
             </a:extLst>
           </p:cNvPr>
@@ -3545,649 +3561,38 @@
           <a:bodyPr/>
           <a:lstStyle/>
           <a:p>
-            <a:endParaRPr lang="en-US"/>
+            <a:pPr marL="0" indent="0" algn="ctr">
+              <a:buNone/>
+            </a:pPr>
+            <a:endParaRPr lang="en-US" dirty="0"/>
+          </a:p>
+          <a:p>
+            <a:pPr marL="0" indent="0" algn="ctr">
+              <a:buNone/>
+            </a:pPr>
+            <a:endParaRPr lang="en-US" dirty="0"/>
+          </a:p>
+          <a:p>
+            <a:pPr marL="0" indent="0" algn="ctr">
+              <a:buNone/>
+            </a:pPr>
+            <a:endParaRPr lang="en-US" dirty="0"/>
+          </a:p>
+          <a:p>
+            <a:pPr marL="0" indent="0" algn="ctr">
+              <a:buNone/>
+            </a:pPr>
+            <a:r>
+              <a:rPr lang="en-US" dirty="0"/>
+              <a:t>Questions?</a:t>
+            </a:r>
           </a:p>
         </p:txBody>
       </p:sp>
     </p:spTree>
     <p:extLst>
       <p:ext uri="{BB962C8B-B14F-4D97-AF65-F5344CB8AC3E}">
-        <p14:creationId xmlns:p14="http://schemas.microsoft.com/office/powerpoint/2010/main" val="1446083105"/>
-      </p:ext>
-    </p:extLst>
-  </p:cSld>
-  <p:clrMapOvr>
-    <a:masterClrMapping/>
-  </p:clrMapOvr>
-</p:sld>
-</file>
-
-<file path=ppt/slides/slide15.xml><?xml version="1.0" encoding="utf-8"?>
-<p:sld xmlns:a="http://schemas.openxmlformats.org/drawingml/2006/main" xmlns:r="http://schemas.openxmlformats.org/officeDocument/2006/relationships" xmlns:p="http://schemas.openxmlformats.org/presentationml/2006/main">
-  <p:cSld>
-    <p:spTree>
-      <p:nvGrpSpPr>
-        <p:cNvPr id="1" name=""/>
-        <p:cNvGrpSpPr/>
-        <p:nvPr/>
-      </p:nvGrpSpPr>
-      <p:grpSpPr>
-        <a:xfrm>
-          <a:off x="0" y="0"/>
-          <a:ext cx="0" cy="0"/>
-          <a:chOff x="0" y="0"/>
-          <a:chExt cx="0" cy="0"/>
-        </a:xfrm>
-      </p:grpSpPr>
-      <p:sp>
-        <p:nvSpPr>
-          <p:cNvPr id="2" name="Title 1">
-            <a:extLst>
-              <a:ext uri="{FF2B5EF4-FFF2-40B4-BE49-F238E27FC236}">
-                <a16:creationId xmlns:a16="http://schemas.microsoft.com/office/drawing/2014/main" id="{27E5E4B7-0D24-1246-B992-4E761C8D9010}"/>
-              </a:ext>
-            </a:extLst>
-          </p:cNvPr>
-          <p:cNvSpPr>
-            <a:spLocks noGrp="1"/>
-          </p:cNvSpPr>
-          <p:nvPr>
-            <p:ph type="title"/>
-          </p:nvPr>
-        </p:nvSpPr>
-        <p:spPr/>
-        <p:txBody>
-          <a:bodyPr/>
-          <a:lstStyle/>
-          <a:p>
-            <a:r>
-              <a:rPr lang="en-US" dirty="0"/>
-              <a:t>Summary</a:t>
-            </a:r>
-          </a:p>
-        </p:txBody>
-      </p:sp>
-      <p:sp>
-        <p:nvSpPr>
-          <p:cNvPr id="3" name="Content Placeholder 2">
-            <a:extLst>
-              <a:ext uri="{FF2B5EF4-FFF2-40B4-BE49-F238E27FC236}">
-                <a16:creationId xmlns:a16="http://schemas.microsoft.com/office/drawing/2014/main" id="{F68D2FE6-AC37-FA4F-B071-B1D2CB6CF5FE}"/>
-              </a:ext>
-            </a:extLst>
-          </p:cNvPr>
-          <p:cNvSpPr>
-            <a:spLocks noGrp="1"/>
-          </p:cNvSpPr>
-          <p:nvPr>
-            <p:ph idx="1"/>
-          </p:nvPr>
-        </p:nvSpPr>
-        <p:spPr/>
-        <p:txBody>
-          <a:bodyPr>
-            <a:normAutofit fontScale="92500"/>
-          </a:bodyPr>
-          <a:lstStyle/>
-          <a:p>
-            <a:r>
-              <a:rPr lang="en-US" dirty="0"/>
-              <a:t>The overall employment status by occupations in US in 2017</a:t>
-            </a:r>
-          </a:p>
-          <a:p>
-            <a:pPr lvl="1"/>
-            <a:r>
-              <a:rPr lang="en-US" dirty="0"/>
-              <a:t>Nation level top 3: administrative Support, sales and food preparation and serving</a:t>
-            </a:r>
-          </a:p>
-          <a:p>
-            <a:pPr lvl="1"/>
-            <a:r>
-              <a:rPr lang="en-US" dirty="0"/>
-              <a:t>Computer and Mathematical occupations rank No. 14 among 22 major occupation </a:t>
-            </a:r>
-            <a:r>
-              <a:rPr lang="en-US" dirty="0" err="1"/>
-              <a:t>catergories</a:t>
-            </a:r>
-            <a:r>
-              <a:rPr lang="en-US" dirty="0"/>
-              <a:t> </a:t>
-            </a:r>
-          </a:p>
-          <a:p>
-            <a:pPr lvl="1"/>
-            <a:endParaRPr lang="en-US" dirty="0"/>
-          </a:p>
-          <a:p>
-            <a:pPr lvl="1"/>
-            <a:endParaRPr lang="en-US" dirty="0"/>
-          </a:p>
-          <a:p>
-            <a:pPr lvl="1"/>
-            <a:endParaRPr lang="en-US" dirty="0"/>
-          </a:p>
-          <a:p>
-            <a:r>
-              <a:rPr lang="en-US" dirty="0"/>
-              <a:t>The employment status in Computer and Mathematical Occupation in US</a:t>
-            </a:r>
-          </a:p>
-          <a:p>
-            <a:pPr lvl="1"/>
-            <a:r>
-              <a:rPr lang="en-US" dirty="0"/>
-              <a:t>Top 3 states: California, Texas, and New York</a:t>
-            </a:r>
-          </a:p>
-          <a:p>
-            <a:pPr lvl="1"/>
-            <a:r>
-              <a:rPr lang="en-US" dirty="0"/>
-              <a:t>Top 3: software developers, computer user support specialists and computer analysts are the highest</a:t>
-            </a:r>
-          </a:p>
-          <a:p>
-            <a:pPr marL="457200" lvl="1" indent="0">
-              <a:buNone/>
-            </a:pPr>
-            <a:endParaRPr lang="en-US" dirty="0"/>
-          </a:p>
-          <a:p>
-            <a:endParaRPr lang="en-US" dirty="0"/>
-          </a:p>
-          <a:p>
-            <a:endParaRPr lang="en-US" dirty="0"/>
-          </a:p>
-          <a:p>
-            <a:endParaRPr lang="en-US" dirty="0"/>
-          </a:p>
-        </p:txBody>
-      </p:sp>
-      <p:pic>
-        <p:nvPicPr>
-          <p:cNvPr id="5" name="Picture 4" descr="A screenshot of a cell phone&#10;&#10;Description automatically generated">
-            <a:extLst>
-              <a:ext uri="{FF2B5EF4-FFF2-40B4-BE49-F238E27FC236}">
-                <a16:creationId xmlns:a16="http://schemas.microsoft.com/office/drawing/2014/main" id="{48BC8E64-8325-814A-8928-526E3E12FE79}"/>
-              </a:ext>
-            </a:extLst>
-          </p:cNvPr>
-          <p:cNvPicPr>
-            <a:picLocks noChangeAspect="1"/>
-          </p:cNvPicPr>
-          <p:nvPr/>
-        </p:nvPicPr>
-        <p:blipFill>
-          <a:blip r:embed="rId2"/>
-          <a:stretch>
-            <a:fillRect/>
-          </a:stretch>
-        </p:blipFill>
-        <p:spPr>
-          <a:xfrm>
-            <a:off x="7043596" y="4657220"/>
-            <a:ext cx="1250680" cy="804009"/>
-          </a:xfrm>
-          <a:prstGeom prst="rect">
-            <a:avLst/>
-          </a:prstGeom>
-        </p:spPr>
-      </p:pic>
-      <p:pic>
-        <p:nvPicPr>
-          <p:cNvPr id="8" name="Picture 7" descr="A screenshot of a cell phone&#10;&#10;Description automatically generated">
-            <a:extLst>
-              <a:ext uri="{FF2B5EF4-FFF2-40B4-BE49-F238E27FC236}">
-                <a16:creationId xmlns:a16="http://schemas.microsoft.com/office/drawing/2014/main" id="{DBF7375F-535A-6E48-A58B-A7644C8C0AD5}"/>
-              </a:ext>
-            </a:extLst>
-          </p:cNvPr>
-          <p:cNvPicPr>
-            <a:picLocks noChangeAspect="1"/>
-          </p:cNvPicPr>
-          <p:nvPr/>
-        </p:nvPicPr>
-        <p:blipFill>
-          <a:blip r:embed="rId3"/>
-          <a:stretch>
-            <a:fillRect/>
-          </a:stretch>
-        </p:blipFill>
-        <p:spPr>
-          <a:xfrm>
-            <a:off x="3827493" y="5618878"/>
-            <a:ext cx="1345128" cy="1116170"/>
-          </a:xfrm>
-          <a:prstGeom prst="rect">
-            <a:avLst/>
-          </a:prstGeom>
-        </p:spPr>
-      </p:pic>
-      <p:pic>
-        <p:nvPicPr>
-          <p:cNvPr id="9" name="Content Placeholder 3" descr="A screenshot of a cell phone&#10;&#10;Description automatically generated">
-            <a:extLst>
-              <a:ext uri="{FF2B5EF4-FFF2-40B4-BE49-F238E27FC236}">
-                <a16:creationId xmlns:a16="http://schemas.microsoft.com/office/drawing/2014/main" id="{EB58B856-B875-9940-A3B7-E3EBB9984B58}"/>
-              </a:ext>
-            </a:extLst>
-          </p:cNvPr>
-          <p:cNvPicPr>
-            <a:picLocks noChangeAspect="1"/>
-          </p:cNvPicPr>
-          <p:nvPr/>
-        </p:nvPicPr>
-        <p:blipFill>
-          <a:blip r:embed="rId4"/>
-          <a:stretch>
-            <a:fillRect/>
-          </a:stretch>
-        </p:blipFill>
-        <p:spPr>
-          <a:xfrm>
-            <a:off x="4019738" y="3247432"/>
-            <a:ext cx="1483130" cy="1136945"/>
-          </a:xfrm>
-          <a:prstGeom prst="rect">
-            <a:avLst/>
-          </a:prstGeom>
-        </p:spPr>
-      </p:pic>
-    </p:spTree>
-    <p:extLst>
-      <p:ext uri="{BB962C8B-B14F-4D97-AF65-F5344CB8AC3E}">
-        <p14:creationId xmlns:p14="http://schemas.microsoft.com/office/powerpoint/2010/main" val="3741776806"/>
-      </p:ext>
-    </p:extLst>
-  </p:cSld>
-  <p:clrMapOvr>
-    <a:masterClrMapping/>
-  </p:clrMapOvr>
-</p:sld>
-</file>
-
-<file path=ppt/slides/slide16.xml><?xml version="1.0" encoding="utf-8"?>
-<p:sld xmlns:a="http://schemas.openxmlformats.org/drawingml/2006/main" xmlns:r="http://schemas.openxmlformats.org/officeDocument/2006/relationships" xmlns:p="http://schemas.openxmlformats.org/presentationml/2006/main">
-  <p:cSld>
-    <p:spTree>
-      <p:nvGrpSpPr>
-        <p:cNvPr id="1" name=""/>
-        <p:cNvGrpSpPr/>
-        <p:nvPr/>
-      </p:nvGrpSpPr>
-      <p:grpSpPr>
-        <a:xfrm>
-          <a:off x="0" y="0"/>
-          <a:ext cx="0" cy="0"/>
-          <a:chOff x="0" y="0"/>
-          <a:chExt cx="0" cy="0"/>
-        </a:xfrm>
-      </p:grpSpPr>
-      <p:sp>
-        <p:nvSpPr>
-          <p:cNvPr id="2" name="Title 1">
-            <a:extLst>
-              <a:ext uri="{FF2B5EF4-FFF2-40B4-BE49-F238E27FC236}">
-                <a16:creationId xmlns:a16="http://schemas.microsoft.com/office/drawing/2014/main" id="{F56923BD-4174-427E-B1BE-21D59A005378}"/>
-              </a:ext>
-            </a:extLst>
-          </p:cNvPr>
-          <p:cNvSpPr>
-            <a:spLocks noGrp="1"/>
-          </p:cNvSpPr>
-          <p:nvPr>
-            <p:ph type="title"/>
-          </p:nvPr>
-        </p:nvSpPr>
-        <p:spPr/>
-        <p:txBody>
-          <a:bodyPr/>
-          <a:lstStyle/>
-          <a:p>
-            <a:r>
-              <a:rPr lang="en-US" dirty="0"/>
-              <a:t>Lei</a:t>
-            </a:r>
-          </a:p>
-        </p:txBody>
-      </p:sp>
-      <p:sp>
-        <p:nvSpPr>
-          <p:cNvPr id="3" name="Content Placeholder 2">
-            <a:extLst>
-              <a:ext uri="{FF2B5EF4-FFF2-40B4-BE49-F238E27FC236}">
-                <a16:creationId xmlns:a16="http://schemas.microsoft.com/office/drawing/2014/main" id="{36E2CC5B-B959-49E0-A58A-CCFD68B3DB72}"/>
-              </a:ext>
-            </a:extLst>
-          </p:cNvPr>
-          <p:cNvSpPr>
-            <a:spLocks noGrp="1"/>
-          </p:cNvSpPr>
-          <p:nvPr>
-            <p:ph idx="1"/>
-          </p:nvPr>
-        </p:nvSpPr>
-        <p:spPr/>
-        <p:txBody>
-          <a:bodyPr/>
-          <a:lstStyle/>
-          <a:p>
-            <a:endParaRPr lang="en-US"/>
-          </a:p>
-        </p:txBody>
-      </p:sp>
-    </p:spTree>
-    <p:extLst>
-      <p:ext uri="{BB962C8B-B14F-4D97-AF65-F5344CB8AC3E}">
-        <p14:creationId xmlns:p14="http://schemas.microsoft.com/office/powerpoint/2010/main" val="540328364"/>
-      </p:ext>
-    </p:extLst>
-  </p:cSld>
-  <p:clrMapOvr>
-    <a:masterClrMapping/>
-  </p:clrMapOvr>
-</p:sld>
-</file>
-
-<file path=ppt/slides/slide17.xml><?xml version="1.0" encoding="utf-8"?>
-<p:sld xmlns:a="http://schemas.openxmlformats.org/drawingml/2006/main" xmlns:r="http://schemas.openxmlformats.org/officeDocument/2006/relationships" xmlns:p="http://schemas.openxmlformats.org/presentationml/2006/main">
-  <p:cSld>
-    <p:spTree>
-      <p:nvGrpSpPr>
-        <p:cNvPr id="1" name=""/>
-        <p:cNvGrpSpPr/>
-        <p:nvPr/>
-      </p:nvGrpSpPr>
-      <p:grpSpPr>
-        <a:xfrm>
-          <a:off x="0" y="0"/>
-          <a:ext cx="0" cy="0"/>
-          <a:chOff x="0" y="0"/>
-          <a:chExt cx="0" cy="0"/>
-        </a:xfrm>
-      </p:grpSpPr>
-      <p:sp>
-        <p:nvSpPr>
-          <p:cNvPr id="2" name="Title 1">
-            <a:extLst>
-              <a:ext uri="{FF2B5EF4-FFF2-40B4-BE49-F238E27FC236}">
-                <a16:creationId xmlns:a16="http://schemas.microsoft.com/office/drawing/2014/main" id="{21D3167F-30A9-4F8D-99EE-386A1F094613}"/>
-              </a:ext>
-            </a:extLst>
-          </p:cNvPr>
-          <p:cNvSpPr>
-            <a:spLocks noGrp="1"/>
-          </p:cNvSpPr>
-          <p:nvPr>
-            <p:ph type="title"/>
-          </p:nvPr>
-        </p:nvSpPr>
-        <p:spPr/>
-        <p:txBody>
-          <a:bodyPr/>
-          <a:lstStyle/>
-          <a:p>
-            <a:r>
-              <a:rPr lang="en-US" dirty="0"/>
-              <a:t>Overall Summary </a:t>
-            </a:r>
-          </a:p>
-        </p:txBody>
-      </p:sp>
-      <p:sp>
-        <p:nvSpPr>
-          <p:cNvPr id="3" name="Content Placeholder 2">
-            <a:extLst>
-              <a:ext uri="{FF2B5EF4-FFF2-40B4-BE49-F238E27FC236}">
-                <a16:creationId xmlns:a16="http://schemas.microsoft.com/office/drawing/2014/main" id="{571BA543-3A3F-43F0-957D-37B7A83B0853}"/>
-              </a:ext>
-            </a:extLst>
-          </p:cNvPr>
-          <p:cNvSpPr>
-            <a:spLocks noGrp="1"/>
-          </p:cNvSpPr>
-          <p:nvPr>
-            <p:ph idx="1"/>
-          </p:nvPr>
-        </p:nvSpPr>
-        <p:spPr/>
-        <p:txBody>
-          <a:bodyPr/>
-          <a:lstStyle/>
-          <a:p>
-            <a:r>
-              <a:rPr lang="en-US" dirty="0"/>
-              <a:t>Big take-aways</a:t>
-            </a:r>
-          </a:p>
-        </p:txBody>
-      </p:sp>
-    </p:spTree>
-    <p:extLst>
-      <p:ext uri="{BB962C8B-B14F-4D97-AF65-F5344CB8AC3E}">
-        <p14:creationId xmlns:p14="http://schemas.microsoft.com/office/powerpoint/2010/main" val="3858428707"/>
-      </p:ext>
-    </p:extLst>
-  </p:cSld>
-  <p:clrMapOvr>
-    <a:masterClrMapping/>
-  </p:clrMapOvr>
-</p:sld>
-</file>
-
-<file path=ppt/slides/slide18.xml><?xml version="1.0" encoding="utf-8"?>
-<p:sld xmlns:a="http://schemas.openxmlformats.org/drawingml/2006/main" xmlns:r="http://schemas.openxmlformats.org/officeDocument/2006/relationships" xmlns:p="http://schemas.openxmlformats.org/presentationml/2006/main">
-  <p:cSld>
-    <p:spTree>
-      <p:nvGrpSpPr>
-        <p:cNvPr id="1" name=""/>
-        <p:cNvGrpSpPr/>
-        <p:nvPr/>
-      </p:nvGrpSpPr>
-      <p:grpSpPr>
-        <a:xfrm>
-          <a:off x="0" y="0"/>
-          <a:ext cx="0" cy="0"/>
-          <a:chOff x="0" y="0"/>
-          <a:chExt cx="0" cy="0"/>
-        </a:xfrm>
-      </p:grpSpPr>
-      <p:sp>
-        <p:nvSpPr>
-          <p:cNvPr id="2" name="Title 1">
-            <a:extLst>
-              <a:ext uri="{FF2B5EF4-FFF2-40B4-BE49-F238E27FC236}">
-                <a16:creationId xmlns:a16="http://schemas.microsoft.com/office/drawing/2014/main" id="{D8975F0A-4727-47D2-96A8-DFAC0FBD6C91}"/>
-              </a:ext>
-            </a:extLst>
-          </p:cNvPr>
-          <p:cNvSpPr>
-            <a:spLocks noGrp="1"/>
-          </p:cNvSpPr>
-          <p:nvPr>
-            <p:ph type="title"/>
-          </p:nvPr>
-        </p:nvSpPr>
-        <p:spPr/>
-        <p:txBody>
-          <a:bodyPr/>
-          <a:lstStyle/>
-          <a:p>
-            <a:r>
-              <a:rPr lang="en-US" dirty="0"/>
-              <a:t>Data Limitations</a:t>
-            </a:r>
-          </a:p>
-        </p:txBody>
-      </p:sp>
-      <p:sp>
-        <p:nvSpPr>
-          <p:cNvPr id="3" name="Content Placeholder 2">
-            <a:extLst>
-              <a:ext uri="{FF2B5EF4-FFF2-40B4-BE49-F238E27FC236}">
-                <a16:creationId xmlns:a16="http://schemas.microsoft.com/office/drawing/2014/main" id="{C69386F3-A2F7-4C59-B5D1-F22F1E51F196}"/>
-              </a:ext>
-            </a:extLst>
-          </p:cNvPr>
-          <p:cNvSpPr>
-            <a:spLocks noGrp="1"/>
-          </p:cNvSpPr>
-          <p:nvPr>
-            <p:ph idx="1"/>
-          </p:nvPr>
-        </p:nvSpPr>
-        <p:spPr/>
-        <p:txBody>
-          <a:bodyPr>
-            <a:normAutofit/>
-          </a:bodyPr>
-          <a:lstStyle/>
-          <a:p>
-            <a:r>
-              <a:rPr lang="en-US" dirty="0"/>
-              <a:t>Bureau of Labor Statistics data is based on employment of individuals over 16 only (?)</a:t>
-            </a:r>
-          </a:p>
-          <a:p>
-            <a:r>
-              <a:rPr lang="en-US" dirty="0"/>
-              <a:t>The BLS included calculations for the percent relative standard error (RSE) for total employment #s.  Looking at a sample of the RSEs, there were concerns about the precision of certain estimates</a:t>
-            </a:r>
-          </a:p>
-          <a:p>
-            <a:r>
-              <a:rPr lang="en-US" dirty="0"/>
-              <a:t>Estimates for detailed occupations do not sum to the totals because the totals include occupations not shown separately. </a:t>
-            </a:r>
-          </a:p>
-          <a:p>
-            <a:r>
-              <a:rPr lang="en-US" dirty="0"/>
-              <a:t>Estimates do not include self-employed workers.</a:t>
-            </a:r>
-          </a:p>
-          <a:p>
-            <a:r>
-              <a:rPr lang="en-US" dirty="0"/>
-              <a:t>The most recent BLS data went to 2017 only</a:t>
-            </a:r>
-          </a:p>
-        </p:txBody>
-      </p:sp>
-    </p:spTree>
-    <p:extLst>
-      <p:ext uri="{BB962C8B-B14F-4D97-AF65-F5344CB8AC3E}">
-        <p14:creationId xmlns:p14="http://schemas.microsoft.com/office/powerpoint/2010/main" val="1693282570"/>
-      </p:ext>
-    </p:extLst>
-  </p:cSld>
-  <p:clrMapOvr>
-    <a:masterClrMapping/>
-  </p:clrMapOvr>
-</p:sld>
-</file>
-
-<file path=ppt/slides/slide19.xml><?xml version="1.0" encoding="utf-8"?>
-<p:sld xmlns:a="http://schemas.openxmlformats.org/drawingml/2006/main" xmlns:r="http://schemas.openxmlformats.org/officeDocument/2006/relationships" xmlns:p="http://schemas.openxmlformats.org/presentationml/2006/main">
-  <p:cSld>
-    <p:spTree>
-      <p:nvGrpSpPr>
-        <p:cNvPr id="1" name=""/>
-        <p:cNvGrpSpPr/>
-        <p:nvPr/>
-      </p:nvGrpSpPr>
-      <p:grpSpPr>
-        <a:xfrm>
-          <a:off x="0" y="0"/>
-          <a:ext cx="0" cy="0"/>
-          <a:chOff x="0" y="0"/>
-          <a:chExt cx="0" cy="0"/>
-        </a:xfrm>
-      </p:grpSpPr>
-      <p:sp>
-        <p:nvSpPr>
-          <p:cNvPr id="2" name="Title 1">
-            <a:extLst>
-              <a:ext uri="{FF2B5EF4-FFF2-40B4-BE49-F238E27FC236}">
-                <a16:creationId xmlns:a16="http://schemas.microsoft.com/office/drawing/2014/main" id="{E1C9EF35-DC7C-428F-A8C6-930DEFB1E1DB}"/>
-              </a:ext>
-            </a:extLst>
-          </p:cNvPr>
-          <p:cNvSpPr>
-            <a:spLocks noGrp="1"/>
-          </p:cNvSpPr>
-          <p:nvPr>
-            <p:ph type="title"/>
-          </p:nvPr>
-        </p:nvSpPr>
-        <p:spPr/>
-        <p:txBody>
-          <a:bodyPr/>
-          <a:lstStyle/>
-          <a:p>
-            <a:r>
-              <a:rPr lang="en-US" dirty="0"/>
-              <a:t>Next steps</a:t>
-            </a:r>
-          </a:p>
-        </p:txBody>
-      </p:sp>
-      <p:sp>
-        <p:nvSpPr>
-          <p:cNvPr id="3" name="Content Placeholder 2">
-            <a:extLst>
-              <a:ext uri="{FF2B5EF4-FFF2-40B4-BE49-F238E27FC236}">
-                <a16:creationId xmlns:a16="http://schemas.microsoft.com/office/drawing/2014/main" id="{1B82C285-6A5A-45FC-B1D5-1D0786CBCFB5}"/>
-              </a:ext>
-            </a:extLst>
-          </p:cNvPr>
-          <p:cNvSpPr>
-            <a:spLocks noGrp="1"/>
-          </p:cNvSpPr>
-          <p:nvPr>
-            <p:ph idx="1"/>
-          </p:nvPr>
-        </p:nvSpPr>
-        <p:spPr/>
-        <p:txBody>
-          <a:bodyPr/>
-          <a:lstStyle/>
-          <a:p>
-            <a:r>
-              <a:rPr lang="en-US" dirty="0"/>
-              <a:t>We would like to utilize job search APIs such as LinkedIn, </a:t>
-            </a:r>
-            <a:r>
-              <a:rPr lang="en-US" dirty="0" err="1"/>
-              <a:t>GoogleCloud</a:t>
-            </a:r>
-            <a:r>
-              <a:rPr lang="en-US" dirty="0"/>
-              <a:t>, or Indeed to find insight about the volume of job searches and postings.  </a:t>
-            </a:r>
-          </a:p>
-          <a:p>
-            <a:pPr lvl="1"/>
-            <a:r>
-              <a:rPr lang="en-US" dirty="0"/>
-              <a:t>APIs would also give us more current information than BLS which only went up to 2017.  In a rapidly changing employment sector, such up to date information would be essential in painting an accurate picture of the current job market. </a:t>
-            </a:r>
-          </a:p>
-          <a:p>
-            <a:r>
-              <a:rPr lang="en-US" dirty="0"/>
-              <a:t>If given more time we would have liked to narrow our results to gender, race, age, and educational background of employees</a:t>
-            </a:r>
-          </a:p>
-        </p:txBody>
-      </p:sp>
-    </p:spTree>
-    <p:extLst>
-      <p:ext uri="{BB962C8B-B14F-4D97-AF65-F5344CB8AC3E}">
-        <p14:creationId xmlns:p14="http://schemas.microsoft.com/office/powerpoint/2010/main" val="3968576988"/>
+        <p14:creationId xmlns:p14="http://schemas.microsoft.com/office/powerpoint/2010/main" val="1274406331"/>
       </p:ext>
     </p:extLst>
   </p:cSld>
@@ -4280,89 +3685,6 @@
     <p:extLst>
       <p:ext uri="{BB962C8B-B14F-4D97-AF65-F5344CB8AC3E}">
         <p14:creationId xmlns:p14="http://schemas.microsoft.com/office/powerpoint/2010/main" val="829547005"/>
-      </p:ext>
-    </p:extLst>
-  </p:cSld>
-  <p:clrMapOvr>
-    <a:masterClrMapping/>
-  </p:clrMapOvr>
-</p:sld>
-</file>
-
-<file path=ppt/slides/slide20.xml><?xml version="1.0" encoding="utf-8"?>
-<p:sld xmlns:a="http://schemas.openxmlformats.org/drawingml/2006/main" xmlns:r="http://schemas.openxmlformats.org/officeDocument/2006/relationships" xmlns:p="http://schemas.openxmlformats.org/presentationml/2006/main">
-  <p:cSld>
-    <p:spTree>
-      <p:nvGrpSpPr>
-        <p:cNvPr id="1" name=""/>
-        <p:cNvGrpSpPr/>
-        <p:nvPr/>
-      </p:nvGrpSpPr>
-      <p:grpSpPr>
-        <a:xfrm>
-          <a:off x="0" y="0"/>
-          <a:ext cx="0" cy="0"/>
-          <a:chOff x="0" y="0"/>
-          <a:chExt cx="0" cy="0"/>
-        </a:xfrm>
-      </p:grpSpPr>
-      <p:sp>
-        <p:nvSpPr>
-          <p:cNvPr id="2" name="Title 1">
-            <a:extLst>
-              <a:ext uri="{FF2B5EF4-FFF2-40B4-BE49-F238E27FC236}">
-                <a16:creationId xmlns:a16="http://schemas.microsoft.com/office/drawing/2014/main" id="{55A6334A-68E7-42D4-919A-0C62BE53DBB2}"/>
-              </a:ext>
-            </a:extLst>
-          </p:cNvPr>
-          <p:cNvSpPr>
-            <a:spLocks noGrp="1"/>
-          </p:cNvSpPr>
-          <p:nvPr>
-            <p:ph type="title"/>
-          </p:nvPr>
-        </p:nvSpPr>
-        <p:spPr/>
-        <p:txBody>
-          <a:bodyPr/>
-          <a:lstStyle/>
-          <a:p>
-            <a:r>
-              <a:rPr lang="en-US" dirty="0"/>
-              <a:t>Thank you slide</a:t>
-            </a:r>
-          </a:p>
-        </p:txBody>
-      </p:sp>
-      <p:sp>
-        <p:nvSpPr>
-          <p:cNvPr id="3" name="Content Placeholder 2">
-            <a:extLst>
-              <a:ext uri="{FF2B5EF4-FFF2-40B4-BE49-F238E27FC236}">
-                <a16:creationId xmlns:a16="http://schemas.microsoft.com/office/drawing/2014/main" id="{1C25BB28-A4EC-414D-859C-C7A0FCD1F980}"/>
-              </a:ext>
-            </a:extLst>
-          </p:cNvPr>
-          <p:cNvSpPr>
-            <a:spLocks noGrp="1"/>
-          </p:cNvSpPr>
-          <p:nvPr>
-            <p:ph idx="1"/>
-          </p:nvPr>
-        </p:nvSpPr>
-        <p:spPr/>
-        <p:txBody>
-          <a:bodyPr/>
-          <a:lstStyle/>
-          <a:p>
-            <a:endParaRPr lang="en-US" dirty="0"/>
-          </a:p>
-        </p:txBody>
-      </p:sp>
-    </p:spTree>
-    <p:extLst>
-      <p:ext uri="{BB962C8B-B14F-4D97-AF65-F5344CB8AC3E}">
-        <p14:creationId xmlns:p14="http://schemas.microsoft.com/office/powerpoint/2010/main" val="1274406331"/>
       </p:ext>
     </p:extLst>
   </p:cSld>
@@ -5056,10 +4378,10 @@
       </p:grpSpPr>
       <p:sp>
         <p:nvSpPr>
-          <p:cNvPr id="3" name="Content Placeholder 2">
+          <p:cNvPr id="2" name="Title 1">
             <a:extLst>
               <a:ext uri="{FF2B5EF4-FFF2-40B4-BE49-F238E27FC236}">
-                <a16:creationId xmlns:a16="http://schemas.microsoft.com/office/drawing/2014/main" id="{D5826885-9438-4A25-96CD-3B3831A94768}"/>
+                <a16:creationId xmlns:a16="http://schemas.microsoft.com/office/drawing/2014/main" id="{AB68570A-62BD-4471-B097-C694410375A6}"/>
               </a:ext>
             </a:extLst>
           </p:cNvPr>
@@ -5067,62 +4389,83 @@
             <a:spLocks noGrp="1"/>
           </p:cNvSpPr>
           <p:nvPr>
+            <p:ph type="title"/>
+          </p:nvPr>
+        </p:nvSpPr>
+        <p:spPr/>
+        <p:txBody>
+          <a:bodyPr/>
+          <a:lstStyle/>
+          <a:p>
+            <a:endParaRPr lang="en-US" dirty="0"/>
+          </a:p>
+        </p:txBody>
+      </p:sp>
+      <p:pic>
+        <p:nvPicPr>
+          <p:cNvPr id="5" name="Content Placeholder 4">
+            <a:extLst>
+              <a:ext uri="{FF2B5EF4-FFF2-40B4-BE49-F238E27FC236}">
+                <a16:creationId xmlns:a16="http://schemas.microsoft.com/office/drawing/2014/main" id="{EEB80261-BFDA-43BA-9A2B-7566F24FD572}"/>
+              </a:ext>
+            </a:extLst>
+          </p:cNvPr>
+          <p:cNvPicPr>
+            <a:picLocks noGrp="1" noChangeAspect="1"/>
+          </p:cNvPicPr>
+          <p:nvPr>
             <p:ph idx="1"/>
           </p:nvPr>
-        </p:nvSpPr>
+        </p:nvPicPr>
+        <p:blipFill>
+          <a:blip r:embed="rId2">
+            <a:extLst>
+              <a:ext uri="{28A0092B-C50C-407E-A947-70E740481C1C}">
+                <a14:useLocalDpi xmlns:a14="http://schemas.microsoft.com/office/drawing/2010/main" val="0"/>
+              </a:ext>
+            </a:extLst>
+          </a:blip>
+          <a:stretch>
+            <a:fillRect/>
+          </a:stretch>
+        </p:blipFill>
         <p:spPr>
           <a:xfrm>
-            <a:off x="875763" y="6104587"/>
-            <a:ext cx="10483403" cy="682581"/>
+            <a:off x="0" y="2849418"/>
+            <a:ext cx="6012874" cy="4008582"/>
           </a:xfrm>
         </p:spPr>
-        <p:txBody>
-          <a:bodyPr>
-            <a:normAutofit lnSpcReduction="10000"/>
-          </a:bodyPr>
-          <a:lstStyle/>
-          <a:p>
-            <a:pPr marL="0" indent="0" algn="ctr">
-              <a:buNone/>
-            </a:pPr>
-            <a:r>
-              <a:rPr lang="en-US" sz="2300" dirty="0"/>
-              <a:t>Focus on Illinois job growth (2017 vs 2016 employment #s) for Computer and Mathematical Occupations</a:t>
-            </a:r>
-            <a:endParaRPr lang="en-US" sz="1900" dirty="0"/>
-          </a:p>
-          <a:p>
-            <a:pPr marL="0" indent="0">
-              <a:buNone/>
-            </a:pPr>
-            <a:endParaRPr lang="en-US" dirty="0"/>
-          </a:p>
-          <a:p>
-            <a:pPr marL="0" indent="0">
-              <a:buNone/>
-            </a:pPr>
-            <a:endParaRPr lang="en-US" dirty="0"/>
-          </a:p>
-        </p:txBody>
-      </p:sp>
+      </p:pic>
       <p:pic>
         <p:nvPicPr>
-          <p:cNvPr id="5" name="Picture 4"/>
+          <p:cNvPr id="7" name="Picture 6">
+            <a:extLst>
+              <a:ext uri="{FF2B5EF4-FFF2-40B4-BE49-F238E27FC236}">
+                <a16:creationId xmlns:a16="http://schemas.microsoft.com/office/drawing/2014/main" id="{AD43CADE-D702-44C9-9494-04A14FD16E34}"/>
+              </a:ext>
+            </a:extLst>
+          </p:cNvPr>
           <p:cNvPicPr>
             <a:picLocks noChangeAspect="1"/>
           </p:cNvPicPr>
           <p:nvPr/>
         </p:nvPicPr>
         <p:blipFill>
-          <a:blip r:embed="rId2"/>
+          <a:blip r:embed="rId3">
+            <a:extLst>
+              <a:ext uri="{28A0092B-C50C-407E-A947-70E740481C1C}">
+                <a14:useLocalDpi xmlns:a14="http://schemas.microsoft.com/office/drawing/2010/main" val="0"/>
+              </a:ext>
+            </a:extLst>
+          </a:blip>
           <a:stretch>
             <a:fillRect/>
           </a:stretch>
         </p:blipFill>
         <p:spPr>
           <a:xfrm>
-            <a:off x="669701" y="226516"/>
-            <a:ext cx="10689465" cy="5543219"/>
+            <a:off x="6012874" y="2849418"/>
+            <a:ext cx="6012873" cy="4008582"/>
           </a:xfrm>
           <a:prstGeom prst="rect">
             <a:avLst/>
@@ -5132,7 +4475,7 @@
     </p:spTree>
     <p:extLst>
       <p:ext uri="{BB962C8B-B14F-4D97-AF65-F5344CB8AC3E}">
-        <p14:creationId xmlns:p14="http://schemas.microsoft.com/office/powerpoint/2010/main" val="3186251840"/>
+        <p14:creationId xmlns:p14="http://schemas.microsoft.com/office/powerpoint/2010/main" val="4220940930"/>
       </p:ext>
     </p:extLst>
   </p:cSld>
@@ -5164,7 +4507,7 @@
           <p:cNvPr id="2" name="Title 1">
             <a:extLst>
               <a:ext uri="{FF2B5EF4-FFF2-40B4-BE49-F238E27FC236}">
-                <a16:creationId xmlns:a16="http://schemas.microsoft.com/office/drawing/2014/main" id="{5BC62E2F-3F84-4D24-A181-6AB0713EA83D}"/>
+                <a16:creationId xmlns:a16="http://schemas.microsoft.com/office/drawing/2014/main" id="{EC0D6666-CF76-4F9D-B356-8C4E5E1D8BE9}"/>
               </a:ext>
             </a:extLst>
           </p:cNvPr>
@@ -5182,40 +4525,47 @@
           <a:p>
             <a:r>
               <a:rPr lang="en-US" dirty="0"/>
-              <a:t>Rob</a:t>
-            </a:r>
-          </a:p>
-        </p:txBody>
-      </p:sp>
-      <p:sp>
-        <p:nvSpPr>
-          <p:cNvPr id="3" name="Content Placeholder 2">
+              <a:t>The employment status in Computer and Mathematical Occupation in US</a:t>
+            </a:r>
+          </a:p>
+        </p:txBody>
+      </p:sp>
+      <p:pic>
+        <p:nvPicPr>
+          <p:cNvPr id="4" name="Content Placeholder 7" descr="A screenshot of a cell phone&#10;&#10;Description automatically generated">
             <a:extLst>
               <a:ext uri="{FF2B5EF4-FFF2-40B4-BE49-F238E27FC236}">
-                <a16:creationId xmlns:a16="http://schemas.microsoft.com/office/drawing/2014/main" id="{44421017-3198-4C0E-8920-4B392F51EC4B}"/>
+                <a16:creationId xmlns:a16="http://schemas.microsoft.com/office/drawing/2014/main" id="{9E445847-9143-459E-B36A-C0979765F252}"/>
               </a:ext>
             </a:extLst>
           </p:cNvPr>
-          <p:cNvSpPr>
-            <a:spLocks noGrp="1"/>
-          </p:cNvSpPr>
+          <p:cNvPicPr>
+            <a:picLocks noGrp="1" noChangeAspect="1"/>
+          </p:cNvPicPr>
           <p:nvPr>
             <p:ph idx="1"/>
           </p:nvPr>
-        </p:nvSpPr>
-        <p:spPr/>
-        <p:txBody>
-          <a:bodyPr/>
-          <a:lstStyle/>
-          <a:p>
-            <a:endParaRPr lang="en-US" dirty="0"/>
-          </a:p>
-        </p:txBody>
-      </p:sp>
+        </p:nvPicPr>
+        <p:blipFill>
+          <a:blip r:embed="rId2"/>
+          <a:stretch>
+            <a:fillRect/>
+          </a:stretch>
+        </p:blipFill>
+        <p:spPr>
+          <a:xfrm>
+            <a:off x="3474040" y="1825625"/>
+            <a:ext cx="5243919" cy="4351338"/>
+          </a:xfrm>
+          <a:prstGeom prst="rect">
+            <a:avLst/>
+          </a:prstGeom>
+        </p:spPr>
+      </p:pic>
     </p:spTree>
     <p:extLst>
       <p:ext uri="{BB962C8B-B14F-4D97-AF65-F5344CB8AC3E}">
-        <p14:creationId xmlns:p14="http://schemas.microsoft.com/office/powerpoint/2010/main" val="2712049356"/>
+        <p14:creationId xmlns:p14="http://schemas.microsoft.com/office/powerpoint/2010/main" val="998277709"/>
       </p:ext>
     </p:extLst>
   </p:cSld>
@@ -5247,7 +4597,7 @@
           <p:cNvPr id="2" name="Title 1">
             <a:extLst>
               <a:ext uri="{FF2B5EF4-FFF2-40B4-BE49-F238E27FC236}">
-                <a16:creationId xmlns:a16="http://schemas.microsoft.com/office/drawing/2014/main" id="{AB68570A-62BD-4471-B097-C694410375A6}"/>
+                <a16:creationId xmlns:a16="http://schemas.microsoft.com/office/drawing/2014/main" id="{1CFEA6E0-9345-1C43-9594-047B355EECDF}"/>
               </a:ext>
             </a:extLst>
           </p:cNvPr>
@@ -5260,13 +4610,15 @@
         </p:nvSpPr>
         <p:spPr/>
         <p:txBody>
-          <a:bodyPr/>
-          <a:lstStyle/>
-          <a:p>
-            <a:r>
+          <a:bodyPr>
+            <a:normAutofit/>
+          </a:bodyPr>
+          <a:lstStyle/>
+          <a:p>
+            <a:br>
               <a:rPr lang="en-US" dirty="0"/>
-              <a:t>Rob</a:t>
-            </a:r>
+            </a:br>
+            <a:endParaRPr lang="en-US" dirty="0"/>
           </a:p>
         </p:txBody>
       </p:sp>
@@ -5275,7 +4627,7 @@
           <p:cNvPr id="3" name="Content Placeholder 2">
             <a:extLst>
               <a:ext uri="{FF2B5EF4-FFF2-40B4-BE49-F238E27FC236}">
-                <a16:creationId xmlns:a16="http://schemas.microsoft.com/office/drawing/2014/main" id="{A42855D1-93E7-4E7A-8085-8280AD128517}"/>
+                <a16:creationId xmlns:a16="http://schemas.microsoft.com/office/drawing/2014/main" id="{24A55C32-3DD7-2447-BB08-F22F0B78EFB7}"/>
               </a:ext>
             </a:extLst>
           </p:cNvPr>
@@ -5295,10 +4647,40 @@
           </a:p>
         </p:txBody>
       </p:sp>
+      <p:pic>
+        <p:nvPicPr>
+          <p:cNvPr id="5" name="Picture 4" descr="A screenshot of a cell phone&#10;&#10;Description automatically generated">
+            <a:extLst>
+              <a:ext uri="{FF2B5EF4-FFF2-40B4-BE49-F238E27FC236}">
+                <a16:creationId xmlns:a16="http://schemas.microsoft.com/office/drawing/2014/main" id="{9D263993-A54D-C54F-B641-5C70D730E41D}"/>
+              </a:ext>
+            </a:extLst>
+          </p:cNvPr>
+          <p:cNvPicPr>
+            <a:picLocks noChangeAspect="1"/>
+          </p:cNvPicPr>
+          <p:nvPr/>
+        </p:nvPicPr>
+        <p:blipFill>
+          <a:blip r:embed="rId2"/>
+          <a:stretch>
+            <a:fillRect/>
+          </a:stretch>
+        </p:blipFill>
+        <p:spPr>
+          <a:xfrm>
+            <a:off x="1009233" y="1325685"/>
+            <a:ext cx="8605822" cy="5532315"/>
+          </a:xfrm>
+          <a:prstGeom prst="rect">
+            <a:avLst/>
+          </a:prstGeom>
+        </p:spPr>
+      </p:pic>
     </p:spTree>
     <p:extLst>
       <p:ext uri="{BB962C8B-B14F-4D97-AF65-F5344CB8AC3E}">
-        <p14:creationId xmlns:p14="http://schemas.microsoft.com/office/powerpoint/2010/main" val="2853244973"/>
+        <p14:creationId xmlns:p14="http://schemas.microsoft.com/office/powerpoint/2010/main" val="2979562136"/>
       </p:ext>
     </p:extLst>
   </p:cSld>
